--- a/ClassMaterials/RefParamsCorountines/37_refParams_coroutines.pptx
+++ b/ClassMaterials/RefParamsCorountines/37_refParams_coroutines.pptx
@@ -5,43 +5,45 @@
     <p:sldMasterId id="2147483648" r:id="rId1"/>
   </p:sldMasterIdLst>
   <p:notesMasterIdLst>
-    <p:notesMasterId r:id="rId33"/>
+    <p:notesMasterId r:id="rId35"/>
   </p:notesMasterIdLst>
   <p:handoutMasterIdLst>
-    <p:handoutMasterId r:id="rId34"/>
+    <p:handoutMasterId r:id="rId36"/>
   </p:handoutMasterIdLst>
   <p:sldIdLst>
     <p:sldId id="304" r:id="rId2"/>
-    <p:sldId id="454" r:id="rId3"/>
-    <p:sldId id="401" r:id="rId4"/>
-    <p:sldId id="400" r:id="rId5"/>
-    <p:sldId id="448" r:id="rId6"/>
-    <p:sldId id="450" r:id="rId7"/>
-    <p:sldId id="451" r:id="rId8"/>
-    <p:sldId id="452" r:id="rId9"/>
-    <p:sldId id="378" r:id="rId10"/>
-    <p:sldId id="453" r:id="rId11"/>
-    <p:sldId id="455" r:id="rId12"/>
-    <p:sldId id="379" r:id="rId13"/>
-    <p:sldId id="380" r:id="rId14"/>
-    <p:sldId id="381" r:id="rId15"/>
-    <p:sldId id="382" r:id="rId16"/>
-    <p:sldId id="383" r:id="rId17"/>
-    <p:sldId id="384" r:id="rId18"/>
-    <p:sldId id="385" r:id="rId19"/>
-    <p:sldId id="386" r:id="rId20"/>
-    <p:sldId id="387" r:id="rId21"/>
-    <p:sldId id="388" r:id="rId22"/>
-    <p:sldId id="389" r:id="rId23"/>
-    <p:sldId id="390" r:id="rId24"/>
-    <p:sldId id="391" r:id="rId25"/>
-    <p:sldId id="392" r:id="rId26"/>
-    <p:sldId id="393" r:id="rId27"/>
-    <p:sldId id="394" r:id="rId28"/>
-    <p:sldId id="395" r:id="rId29"/>
-    <p:sldId id="396" r:id="rId30"/>
-    <p:sldId id="397" r:id="rId31"/>
-    <p:sldId id="398" r:id="rId32"/>
+    <p:sldId id="456" r:id="rId3"/>
+    <p:sldId id="457" r:id="rId4"/>
+    <p:sldId id="378" r:id="rId5"/>
+    <p:sldId id="453" r:id="rId6"/>
+    <p:sldId id="455" r:id="rId7"/>
+    <p:sldId id="379" r:id="rId8"/>
+    <p:sldId id="380" r:id="rId9"/>
+    <p:sldId id="381" r:id="rId10"/>
+    <p:sldId id="382" r:id="rId11"/>
+    <p:sldId id="383" r:id="rId12"/>
+    <p:sldId id="384" r:id="rId13"/>
+    <p:sldId id="385" r:id="rId14"/>
+    <p:sldId id="386" r:id="rId15"/>
+    <p:sldId id="387" r:id="rId16"/>
+    <p:sldId id="388" r:id="rId17"/>
+    <p:sldId id="389" r:id="rId18"/>
+    <p:sldId id="390" r:id="rId19"/>
+    <p:sldId id="391" r:id="rId20"/>
+    <p:sldId id="392" r:id="rId21"/>
+    <p:sldId id="393" r:id="rId22"/>
+    <p:sldId id="394" r:id="rId23"/>
+    <p:sldId id="395" r:id="rId24"/>
+    <p:sldId id="396" r:id="rId25"/>
+    <p:sldId id="397" r:id="rId26"/>
+    <p:sldId id="398" r:id="rId27"/>
+    <p:sldId id="454" r:id="rId28"/>
+    <p:sldId id="401" r:id="rId29"/>
+    <p:sldId id="400" r:id="rId30"/>
+    <p:sldId id="448" r:id="rId31"/>
+    <p:sldId id="450" r:id="rId32"/>
+    <p:sldId id="451" r:id="rId33"/>
+    <p:sldId id="452" r:id="rId34"/>
   </p:sldIdLst>
   <p:sldSz cx="12192000" cy="6858000"/>
   <p:notesSz cx="7315200" cy="9601200"/>
@@ -187,6 +189,411 @@
     </p:ext>
   </p:extLst>
 </p:presentation>
+</file>
+
+<file path=ppt/revisionInfo.xml><?xml version="1.0" encoding="utf-8"?>
+<p1510:revInfo xmlns:a="http://schemas.openxmlformats.org/drawingml/2006/main" xmlns:r="http://schemas.openxmlformats.org/officeDocument/2006/relationships" xmlns:p1510="http://schemas.microsoft.com/office/powerpoint/2015/10/main">
+  <p1510:revLst>
+    <p1510:client id="{0BFB2295-5BD8-4317-B4D2-52CE0DAFAEB3}" v="1" dt="2021-11-11T14:40:31.034"/>
+  </p1510:revLst>
+</p1510:revInfo>
+</file>
+
+<file path=ppt/changesInfos/changesInfo1.xml><?xml version="1.0" encoding="utf-8"?>
+<pc:chgInfo xmlns:a="http://schemas.openxmlformats.org/drawingml/2006/main" xmlns:r="http://schemas.openxmlformats.org/officeDocument/2006/relationships" xmlns:ac="http://schemas.microsoft.com/office/drawing/2013/main/command" xmlns:pc="http://schemas.microsoft.com/office/powerpoint/2013/main/command">
+  <pc:docChgLst>
+    <pc:chgData name="Hewner, Mike" userId="7f3f83dd-6dfb-4127-a87f-c1714bd4fac9" providerId="ADAL" clId="{0BFB2295-5BD8-4317-B4D2-52CE0DAFAEB3}"/>
+    <pc:docChg chg="custSel addSld delSld modSld">
+      <pc:chgData name="Hewner, Mike" userId="7f3f83dd-6dfb-4127-a87f-c1714bd4fac9" providerId="ADAL" clId="{0BFB2295-5BD8-4317-B4D2-52CE0DAFAEB3}" dt="2021-11-11T15:55:42.083" v="1348" actId="20577"/>
+      <pc:docMkLst>
+        <pc:docMk/>
+      </pc:docMkLst>
+      <pc:sldChg chg="modSp mod">
+        <pc:chgData name="Hewner, Mike" userId="7f3f83dd-6dfb-4127-a87f-c1714bd4fac9" providerId="ADAL" clId="{0BFB2295-5BD8-4317-B4D2-52CE0DAFAEB3}" dt="2021-11-11T15:55:42.083" v="1348" actId="20577"/>
+        <pc:sldMkLst>
+          <pc:docMk/>
+          <pc:sldMk cId="0" sldId="304"/>
+        </pc:sldMkLst>
+        <pc:spChg chg="mod">
+          <ac:chgData name="Hewner, Mike" userId="7f3f83dd-6dfb-4127-a87f-c1714bd4fac9" providerId="ADAL" clId="{0BFB2295-5BD8-4317-B4D2-52CE0DAFAEB3}" dt="2021-11-11T15:55:42.083" v="1348" actId="20577"/>
+          <ac:spMkLst>
+            <pc:docMk/>
+            <pc:sldMk cId="0" sldId="304"/>
+            <ac:spMk id="61443" creationId="{00000000-0000-0000-0000-000000000000}"/>
+          </ac:spMkLst>
+        </pc:spChg>
+      </pc:sldChg>
+      <pc:sldChg chg="del">
+        <pc:chgData name="Hewner, Mike" userId="7f3f83dd-6dfb-4127-a87f-c1714bd4fac9" providerId="ADAL" clId="{0BFB2295-5BD8-4317-B4D2-52CE0DAFAEB3}" dt="2021-11-11T14:40:24.274" v="0" actId="2696"/>
+        <pc:sldMkLst>
+          <pc:docMk/>
+          <pc:sldMk cId="411167819" sldId="378"/>
+        </pc:sldMkLst>
+      </pc:sldChg>
+      <pc:sldChg chg="add">
+        <pc:chgData name="Hewner, Mike" userId="7f3f83dd-6dfb-4127-a87f-c1714bd4fac9" providerId="ADAL" clId="{0BFB2295-5BD8-4317-B4D2-52CE0DAFAEB3}" dt="2021-11-11T14:40:31.032" v="1"/>
+        <pc:sldMkLst>
+          <pc:docMk/>
+          <pc:sldMk cId="810649289" sldId="378"/>
+        </pc:sldMkLst>
+      </pc:sldChg>
+      <pc:sldChg chg="del">
+        <pc:chgData name="Hewner, Mike" userId="7f3f83dd-6dfb-4127-a87f-c1714bd4fac9" providerId="ADAL" clId="{0BFB2295-5BD8-4317-B4D2-52CE0DAFAEB3}" dt="2021-11-11T14:40:24.274" v="0" actId="2696"/>
+        <pc:sldMkLst>
+          <pc:docMk/>
+          <pc:sldMk cId="376017762" sldId="379"/>
+        </pc:sldMkLst>
+      </pc:sldChg>
+      <pc:sldChg chg="add">
+        <pc:chgData name="Hewner, Mike" userId="7f3f83dd-6dfb-4127-a87f-c1714bd4fac9" providerId="ADAL" clId="{0BFB2295-5BD8-4317-B4D2-52CE0DAFAEB3}" dt="2021-11-11T14:40:31.032" v="1"/>
+        <pc:sldMkLst>
+          <pc:docMk/>
+          <pc:sldMk cId="2532260538" sldId="379"/>
+        </pc:sldMkLst>
+      </pc:sldChg>
+      <pc:sldChg chg="add">
+        <pc:chgData name="Hewner, Mike" userId="7f3f83dd-6dfb-4127-a87f-c1714bd4fac9" providerId="ADAL" clId="{0BFB2295-5BD8-4317-B4D2-52CE0DAFAEB3}" dt="2021-11-11T14:40:31.032" v="1"/>
+        <pc:sldMkLst>
+          <pc:docMk/>
+          <pc:sldMk cId="2990101727" sldId="380"/>
+        </pc:sldMkLst>
+      </pc:sldChg>
+      <pc:sldChg chg="del">
+        <pc:chgData name="Hewner, Mike" userId="7f3f83dd-6dfb-4127-a87f-c1714bd4fac9" providerId="ADAL" clId="{0BFB2295-5BD8-4317-B4D2-52CE0DAFAEB3}" dt="2021-11-11T14:40:24.274" v="0" actId="2696"/>
+        <pc:sldMkLst>
+          <pc:docMk/>
+          <pc:sldMk cId="3235431519" sldId="380"/>
+        </pc:sldMkLst>
+      </pc:sldChg>
+      <pc:sldChg chg="add">
+        <pc:chgData name="Hewner, Mike" userId="7f3f83dd-6dfb-4127-a87f-c1714bd4fac9" providerId="ADAL" clId="{0BFB2295-5BD8-4317-B4D2-52CE0DAFAEB3}" dt="2021-11-11T14:40:31.032" v="1"/>
+        <pc:sldMkLst>
+          <pc:docMk/>
+          <pc:sldMk cId="129248325" sldId="381"/>
+        </pc:sldMkLst>
+      </pc:sldChg>
+      <pc:sldChg chg="del">
+        <pc:chgData name="Hewner, Mike" userId="7f3f83dd-6dfb-4127-a87f-c1714bd4fac9" providerId="ADAL" clId="{0BFB2295-5BD8-4317-B4D2-52CE0DAFAEB3}" dt="2021-11-11T14:40:24.274" v="0" actId="2696"/>
+        <pc:sldMkLst>
+          <pc:docMk/>
+          <pc:sldMk cId="3383351427" sldId="381"/>
+        </pc:sldMkLst>
+      </pc:sldChg>
+      <pc:sldChg chg="del">
+        <pc:chgData name="Hewner, Mike" userId="7f3f83dd-6dfb-4127-a87f-c1714bd4fac9" providerId="ADAL" clId="{0BFB2295-5BD8-4317-B4D2-52CE0DAFAEB3}" dt="2021-11-11T14:40:24.274" v="0" actId="2696"/>
+        <pc:sldMkLst>
+          <pc:docMk/>
+          <pc:sldMk cId="2652551239" sldId="382"/>
+        </pc:sldMkLst>
+      </pc:sldChg>
+      <pc:sldChg chg="add">
+        <pc:chgData name="Hewner, Mike" userId="7f3f83dd-6dfb-4127-a87f-c1714bd4fac9" providerId="ADAL" clId="{0BFB2295-5BD8-4317-B4D2-52CE0DAFAEB3}" dt="2021-11-11T14:40:31.032" v="1"/>
+        <pc:sldMkLst>
+          <pc:docMk/>
+          <pc:sldMk cId="3277046316" sldId="382"/>
+        </pc:sldMkLst>
+      </pc:sldChg>
+      <pc:sldChg chg="del">
+        <pc:chgData name="Hewner, Mike" userId="7f3f83dd-6dfb-4127-a87f-c1714bd4fac9" providerId="ADAL" clId="{0BFB2295-5BD8-4317-B4D2-52CE0DAFAEB3}" dt="2021-11-11T14:40:24.274" v="0" actId="2696"/>
+        <pc:sldMkLst>
+          <pc:docMk/>
+          <pc:sldMk cId="956136959" sldId="383"/>
+        </pc:sldMkLst>
+      </pc:sldChg>
+      <pc:sldChg chg="add">
+        <pc:chgData name="Hewner, Mike" userId="7f3f83dd-6dfb-4127-a87f-c1714bd4fac9" providerId="ADAL" clId="{0BFB2295-5BD8-4317-B4D2-52CE0DAFAEB3}" dt="2021-11-11T14:40:31.032" v="1"/>
+        <pc:sldMkLst>
+          <pc:docMk/>
+          <pc:sldMk cId="3451989462" sldId="383"/>
+        </pc:sldMkLst>
+      </pc:sldChg>
+      <pc:sldChg chg="del">
+        <pc:chgData name="Hewner, Mike" userId="7f3f83dd-6dfb-4127-a87f-c1714bd4fac9" providerId="ADAL" clId="{0BFB2295-5BD8-4317-B4D2-52CE0DAFAEB3}" dt="2021-11-11T14:40:24.274" v="0" actId="2696"/>
+        <pc:sldMkLst>
+          <pc:docMk/>
+          <pc:sldMk cId="1307302074" sldId="384"/>
+        </pc:sldMkLst>
+      </pc:sldChg>
+      <pc:sldChg chg="add">
+        <pc:chgData name="Hewner, Mike" userId="7f3f83dd-6dfb-4127-a87f-c1714bd4fac9" providerId="ADAL" clId="{0BFB2295-5BD8-4317-B4D2-52CE0DAFAEB3}" dt="2021-11-11T14:40:31.032" v="1"/>
+        <pc:sldMkLst>
+          <pc:docMk/>
+          <pc:sldMk cId="3185611683" sldId="384"/>
+        </pc:sldMkLst>
+      </pc:sldChg>
+      <pc:sldChg chg="add">
+        <pc:chgData name="Hewner, Mike" userId="7f3f83dd-6dfb-4127-a87f-c1714bd4fac9" providerId="ADAL" clId="{0BFB2295-5BD8-4317-B4D2-52CE0DAFAEB3}" dt="2021-11-11T14:40:31.032" v="1"/>
+        <pc:sldMkLst>
+          <pc:docMk/>
+          <pc:sldMk cId="139610595" sldId="385"/>
+        </pc:sldMkLst>
+      </pc:sldChg>
+      <pc:sldChg chg="del">
+        <pc:chgData name="Hewner, Mike" userId="7f3f83dd-6dfb-4127-a87f-c1714bd4fac9" providerId="ADAL" clId="{0BFB2295-5BD8-4317-B4D2-52CE0DAFAEB3}" dt="2021-11-11T14:40:24.274" v="0" actId="2696"/>
+        <pc:sldMkLst>
+          <pc:docMk/>
+          <pc:sldMk cId="2002810934" sldId="385"/>
+        </pc:sldMkLst>
+      </pc:sldChg>
+      <pc:sldChg chg="add">
+        <pc:chgData name="Hewner, Mike" userId="7f3f83dd-6dfb-4127-a87f-c1714bd4fac9" providerId="ADAL" clId="{0BFB2295-5BD8-4317-B4D2-52CE0DAFAEB3}" dt="2021-11-11T14:40:31.032" v="1"/>
+        <pc:sldMkLst>
+          <pc:docMk/>
+          <pc:sldMk cId="1136878194" sldId="386"/>
+        </pc:sldMkLst>
+      </pc:sldChg>
+      <pc:sldChg chg="del">
+        <pc:chgData name="Hewner, Mike" userId="7f3f83dd-6dfb-4127-a87f-c1714bd4fac9" providerId="ADAL" clId="{0BFB2295-5BD8-4317-B4D2-52CE0DAFAEB3}" dt="2021-11-11T14:40:24.274" v="0" actId="2696"/>
+        <pc:sldMkLst>
+          <pc:docMk/>
+          <pc:sldMk cId="2625017002" sldId="386"/>
+        </pc:sldMkLst>
+      </pc:sldChg>
+      <pc:sldChg chg="add">
+        <pc:chgData name="Hewner, Mike" userId="7f3f83dd-6dfb-4127-a87f-c1714bd4fac9" providerId="ADAL" clId="{0BFB2295-5BD8-4317-B4D2-52CE0DAFAEB3}" dt="2021-11-11T14:40:31.032" v="1"/>
+        <pc:sldMkLst>
+          <pc:docMk/>
+          <pc:sldMk cId="1697672594" sldId="387"/>
+        </pc:sldMkLst>
+      </pc:sldChg>
+      <pc:sldChg chg="del">
+        <pc:chgData name="Hewner, Mike" userId="7f3f83dd-6dfb-4127-a87f-c1714bd4fac9" providerId="ADAL" clId="{0BFB2295-5BD8-4317-B4D2-52CE0DAFAEB3}" dt="2021-11-11T14:40:24.274" v="0" actId="2696"/>
+        <pc:sldMkLst>
+          <pc:docMk/>
+          <pc:sldMk cId="3916388527" sldId="387"/>
+        </pc:sldMkLst>
+      </pc:sldChg>
+      <pc:sldChg chg="add">
+        <pc:chgData name="Hewner, Mike" userId="7f3f83dd-6dfb-4127-a87f-c1714bd4fac9" providerId="ADAL" clId="{0BFB2295-5BD8-4317-B4D2-52CE0DAFAEB3}" dt="2021-11-11T14:40:31.032" v="1"/>
+        <pc:sldMkLst>
+          <pc:docMk/>
+          <pc:sldMk cId="3152717183" sldId="388"/>
+        </pc:sldMkLst>
+      </pc:sldChg>
+      <pc:sldChg chg="del">
+        <pc:chgData name="Hewner, Mike" userId="7f3f83dd-6dfb-4127-a87f-c1714bd4fac9" providerId="ADAL" clId="{0BFB2295-5BD8-4317-B4D2-52CE0DAFAEB3}" dt="2021-11-11T14:40:24.274" v="0" actId="2696"/>
+        <pc:sldMkLst>
+          <pc:docMk/>
+          <pc:sldMk cId="3548991072" sldId="388"/>
+        </pc:sldMkLst>
+      </pc:sldChg>
+      <pc:sldChg chg="del">
+        <pc:chgData name="Hewner, Mike" userId="7f3f83dd-6dfb-4127-a87f-c1714bd4fac9" providerId="ADAL" clId="{0BFB2295-5BD8-4317-B4D2-52CE0DAFAEB3}" dt="2021-11-11T14:40:24.274" v="0" actId="2696"/>
+        <pc:sldMkLst>
+          <pc:docMk/>
+          <pc:sldMk cId="3401134231" sldId="389"/>
+        </pc:sldMkLst>
+      </pc:sldChg>
+      <pc:sldChg chg="add">
+        <pc:chgData name="Hewner, Mike" userId="7f3f83dd-6dfb-4127-a87f-c1714bd4fac9" providerId="ADAL" clId="{0BFB2295-5BD8-4317-B4D2-52CE0DAFAEB3}" dt="2021-11-11T14:40:31.032" v="1"/>
+        <pc:sldMkLst>
+          <pc:docMk/>
+          <pc:sldMk cId="3899835771" sldId="389"/>
+        </pc:sldMkLst>
+      </pc:sldChg>
+      <pc:sldChg chg="del">
+        <pc:chgData name="Hewner, Mike" userId="7f3f83dd-6dfb-4127-a87f-c1714bd4fac9" providerId="ADAL" clId="{0BFB2295-5BD8-4317-B4D2-52CE0DAFAEB3}" dt="2021-11-11T14:40:24.274" v="0" actId="2696"/>
+        <pc:sldMkLst>
+          <pc:docMk/>
+          <pc:sldMk cId="686266529" sldId="390"/>
+        </pc:sldMkLst>
+      </pc:sldChg>
+      <pc:sldChg chg="add">
+        <pc:chgData name="Hewner, Mike" userId="7f3f83dd-6dfb-4127-a87f-c1714bd4fac9" providerId="ADAL" clId="{0BFB2295-5BD8-4317-B4D2-52CE0DAFAEB3}" dt="2021-11-11T14:40:31.032" v="1"/>
+        <pc:sldMkLst>
+          <pc:docMk/>
+          <pc:sldMk cId="3552428195" sldId="390"/>
+        </pc:sldMkLst>
+      </pc:sldChg>
+      <pc:sldChg chg="add">
+        <pc:chgData name="Hewner, Mike" userId="7f3f83dd-6dfb-4127-a87f-c1714bd4fac9" providerId="ADAL" clId="{0BFB2295-5BD8-4317-B4D2-52CE0DAFAEB3}" dt="2021-11-11T14:40:31.032" v="1"/>
+        <pc:sldMkLst>
+          <pc:docMk/>
+          <pc:sldMk cId="2785939731" sldId="391"/>
+        </pc:sldMkLst>
+      </pc:sldChg>
+      <pc:sldChg chg="del">
+        <pc:chgData name="Hewner, Mike" userId="7f3f83dd-6dfb-4127-a87f-c1714bd4fac9" providerId="ADAL" clId="{0BFB2295-5BD8-4317-B4D2-52CE0DAFAEB3}" dt="2021-11-11T14:40:24.274" v="0" actId="2696"/>
+        <pc:sldMkLst>
+          <pc:docMk/>
+          <pc:sldMk cId="3046079731" sldId="391"/>
+        </pc:sldMkLst>
+      </pc:sldChg>
+      <pc:sldChg chg="add">
+        <pc:chgData name="Hewner, Mike" userId="7f3f83dd-6dfb-4127-a87f-c1714bd4fac9" providerId="ADAL" clId="{0BFB2295-5BD8-4317-B4D2-52CE0DAFAEB3}" dt="2021-11-11T14:40:31.032" v="1"/>
+        <pc:sldMkLst>
+          <pc:docMk/>
+          <pc:sldMk cId="891612222" sldId="392"/>
+        </pc:sldMkLst>
+      </pc:sldChg>
+      <pc:sldChg chg="del">
+        <pc:chgData name="Hewner, Mike" userId="7f3f83dd-6dfb-4127-a87f-c1714bd4fac9" providerId="ADAL" clId="{0BFB2295-5BD8-4317-B4D2-52CE0DAFAEB3}" dt="2021-11-11T14:40:24.274" v="0" actId="2696"/>
+        <pc:sldMkLst>
+          <pc:docMk/>
+          <pc:sldMk cId="1254299331" sldId="392"/>
+        </pc:sldMkLst>
+      </pc:sldChg>
+      <pc:sldChg chg="del">
+        <pc:chgData name="Hewner, Mike" userId="7f3f83dd-6dfb-4127-a87f-c1714bd4fac9" providerId="ADAL" clId="{0BFB2295-5BD8-4317-B4D2-52CE0DAFAEB3}" dt="2021-11-11T14:40:24.274" v="0" actId="2696"/>
+        <pc:sldMkLst>
+          <pc:docMk/>
+          <pc:sldMk cId="1521699750" sldId="393"/>
+        </pc:sldMkLst>
+      </pc:sldChg>
+      <pc:sldChg chg="add">
+        <pc:chgData name="Hewner, Mike" userId="7f3f83dd-6dfb-4127-a87f-c1714bd4fac9" providerId="ADAL" clId="{0BFB2295-5BD8-4317-B4D2-52CE0DAFAEB3}" dt="2021-11-11T14:40:31.032" v="1"/>
+        <pc:sldMkLst>
+          <pc:docMk/>
+          <pc:sldMk cId="4117305652" sldId="393"/>
+        </pc:sldMkLst>
+      </pc:sldChg>
+      <pc:sldChg chg="add">
+        <pc:chgData name="Hewner, Mike" userId="7f3f83dd-6dfb-4127-a87f-c1714bd4fac9" providerId="ADAL" clId="{0BFB2295-5BD8-4317-B4D2-52CE0DAFAEB3}" dt="2021-11-11T14:40:31.032" v="1"/>
+        <pc:sldMkLst>
+          <pc:docMk/>
+          <pc:sldMk cId="662006058" sldId="394"/>
+        </pc:sldMkLst>
+      </pc:sldChg>
+      <pc:sldChg chg="del">
+        <pc:chgData name="Hewner, Mike" userId="7f3f83dd-6dfb-4127-a87f-c1714bd4fac9" providerId="ADAL" clId="{0BFB2295-5BD8-4317-B4D2-52CE0DAFAEB3}" dt="2021-11-11T14:40:24.274" v="0" actId="2696"/>
+        <pc:sldMkLst>
+          <pc:docMk/>
+          <pc:sldMk cId="922723869" sldId="394"/>
+        </pc:sldMkLst>
+      </pc:sldChg>
+      <pc:sldChg chg="del">
+        <pc:chgData name="Hewner, Mike" userId="7f3f83dd-6dfb-4127-a87f-c1714bd4fac9" providerId="ADAL" clId="{0BFB2295-5BD8-4317-B4D2-52CE0DAFAEB3}" dt="2021-11-11T14:40:24.274" v="0" actId="2696"/>
+        <pc:sldMkLst>
+          <pc:docMk/>
+          <pc:sldMk cId="1921174800" sldId="395"/>
+        </pc:sldMkLst>
+      </pc:sldChg>
+      <pc:sldChg chg="add">
+        <pc:chgData name="Hewner, Mike" userId="7f3f83dd-6dfb-4127-a87f-c1714bd4fac9" providerId="ADAL" clId="{0BFB2295-5BD8-4317-B4D2-52CE0DAFAEB3}" dt="2021-11-11T14:40:31.032" v="1"/>
+        <pc:sldMkLst>
+          <pc:docMk/>
+          <pc:sldMk cId="2395846445" sldId="395"/>
+        </pc:sldMkLst>
+      </pc:sldChg>
+      <pc:sldChg chg="del">
+        <pc:chgData name="Hewner, Mike" userId="7f3f83dd-6dfb-4127-a87f-c1714bd4fac9" providerId="ADAL" clId="{0BFB2295-5BD8-4317-B4D2-52CE0DAFAEB3}" dt="2021-11-11T14:40:24.274" v="0" actId="2696"/>
+        <pc:sldMkLst>
+          <pc:docMk/>
+          <pc:sldMk cId="1232187089" sldId="396"/>
+        </pc:sldMkLst>
+      </pc:sldChg>
+      <pc:sldChg chg="add">
+        <pc:chgData name="Hewner, Mike" userId="7f3f83dd-6dfb-4127-a87f-c1714bd4fac9" providerId="ADAL" clId="{0BFB2295-5BD8-4317-B4D2-52CE0DAFAEB3}" dt="2021-11-11T14:40:31.032" v="1"/>
+        <pc:sldMkLst>
+          <pc:docMk/>
+          <pc:sldMk cId="1577671595" sldId="396"/>
+        </pc:sldMkLst>
+      </pc:sldChg>
+      <pc:sldChg chg="del">
+        <pc:chgData name="Hewner, Mike" userId="7f3f83dd-6dfb-4127-a87f-c1714bd4fac9" providerId="ADAL" clId="{0BFB2295-5BD8-4317-B4D2-52CE0DAFAEB3}" dt="2021-11-11T14:40:24.274" v="0" actId="2696"/>
+        <pc:sldMkLst>
+          <pc:docMk/>
+          <pc:sldMk cId="2039000614" sldId="397"/>
+        </pc:sldMkLst>
+      </pc:sldChg>
+      <pc:sldChg chg="add">
+        <pc:chgData name="Hewner, Mike" userId="7f3f83dd-6dfb-4127-a87f-c1714bd4fac9" providerId="ADAL" clId="{0BFB2295-5BD8-4317-B4D2-52CE0DAFAEB3}" dt="2021-11-11T14:40:31.032" v="1"/>
+        <pc:sldMkLst>
+          <pc:docMk/>
+          <pc:sldMk cId="3377334982" sldId="397"/>
+        </pc:sldMkLst>
+      </pc:sldChg>
+      <pc:sldChg chg="del">
+        <pc:chgData name="Hewner, Mike" userId="7f3f83dd-6dfb-4127-a87f-c1714bd4fac9" providerId="ADAL" clId="{0BFB2295-5BD8-4317-B4D2-52CE0DAFAEB3}" dt="2021-11-11T14:40:24.274" v="0" actId="2696"/>
+        <pc:sldMkLst>
+          <pc:docMk/>
+          <pc:sldMk cId="356423784" sldId="398"/>
+        </pc:sldMkLst>
+      </pc:sldChg>
+      <pc:sldChg chg="add">
+        <pc:chgData name="Hewner, Mike" userId="7f3f83dd-6dfb-4127-a87f-c1714bd4fac9" providerId="ADAL" clId="{0BFB2295-5BD8-4317-B4D2-52CE0DAFAEB3}" dt="2021-11-11T14:40:31.032" v="1"/>
+        <pc:sldMkLst>
+          <pc:docMk/>
+          <pc:sldMk cId="1207694950" sldId="398"/>
+        </pc:sldMkLst>
+      </pc:sldChg>
+      <pc:sldChg chg="del">
+        <pc:chgData name="Hewner, Mike" userId="7f3f83dd-6dfb-4127-a87f-c1714bd4fac9" providerId="ADAL" clId="{0BFB2295-5BD8-4317-B4D2-52CE0DAFAEB3}" dt="2021-11-11T14:40:24.274" v="0" actId="2696"/>
+        <pc:sldMkLst>
+          <pc:docMk/>
+          <pc:sldMk cId="2984195138" sldId="453"/>
+        </pc:sldMkLst>
+      </pc:sldChg>
+      <pc:sldChg chg="add">
+        <pc:chgData name="Hewner, Mike" userId="7f3f83dd-6dfb-4127-a87f-c1714bd4fac9" providerId="ADAL" clId="{0BFB2295-5BD8-4317-B4D2-52CE0DAFAEB3}" dt="2021-11-11T14:40:31.032" v="1"/>
+        <pc:sldMkLst>
+          <pc:docMk/>
+          <pc:sldMk cId="3442580525" sldId="453"/>
+        </pc:sldMkLst>
+      </pc:sldChg>
+      <pc:sldChg chg="add">
+        <pc:chgData name="Hewner, Mike" userId="7f3f83dd-6dfb-4127-a87f-c1714bd4fac9" providerId="ADAL" clId="{0BFB2295-5BD8-4317-B4D2-52CE0DAFAEB3}" dt="2021-11-11T14:40:31.032" v="1"/>
+        <pc:sldMkLst>
+          <pc:docMk/>
+          <pc:sldMk cId="301188897" sldId="455"/>
+        </pc:sldMkLst>
+      </pc:sldChg>
+      <pc:sldChg chg="del">
+        <pc:chgData name="Hewner, Mike" userId="7f3f83dd-6dfb-4127-a87f-c1714bd4fac9" providerId="ADAL" clId="{0BFB2295-5BD8-4317-B4D2-52CE0DAFAEB3}" dt="2021-11-11T14:40:24.274" v="0" actId="2696"/>
+        <pc:sldMkLst>
+          <pc:docMk/>
+          <pc:sldMk cId="1459751919" sldId="455"/>
+        </pc:sldMkLst>
+      </pc:sldChg>
+      <pc:sldChg chg="modSp new mod">
+        <pc:chgData name="Hewner, Mike" userId="7f3f83dd-6dfb-4127-a87f-c1714bd4fac9" providerId="ADAL" clId="{0BFB2295-5BD8-4317-B4D2-52CE0DAFAEB3}" dt="2021-11-11T14:52:10.620" v="929" actId="20577"/>
+        <pc:sldMkLst>
+          <pc:docMk/>
+          <pc:sldMk cId="3041442255" sldId="456"/>
+        </pc:sldMkLst>
+        <pc:spChg chg="mod">
+          <ac:chgData name="Hewner, Mike" userId="7f3f83dd-6dfb-4127-a87f-c1714bd4fac9" providerId="ADAL" clId="{0BFB2295-5BD8-4317-B4D2-52CE0DAFAEB3}" dt="2021-11-11T14:41:08.344" v="20" actId="20577"/>
+          <ac:spMkLst>
+            <pc:docMk/>
+            <pc:sldMk cId="3041442255" sldId="456"/>
+            <ac:spMk id="2" creationId="{59A33BE2-DEEF-4BCE-BECD-D8427222B76C}"/>
+          </ac:spMkLst>
+        </pc:spChg>
+        <pc:spChg chg="mod">
+          <ac:chgData name="Hewner, Mike" userId="7f3f83dd-6dfb-4127-a87f-c1714bd4fac9" providerId="ADAL" clId="{0BFB2295-5BD8-4317-B4D2-52CE0DAFAEB3}" dt="2021-11-11T14:52:10.620" v="929" actId="20577"/>
+          <ac:spMkLst>
+            <pc:docMk/>
+            <pc:sldMk cId="3041442255" sldId="456"/>
+            <ac:spMk id="3" creationId="{F443D27E-0E16-482F-B4CC-A5D0813F0C6B}"/>
+          </ac:spMkLst>
+        </pc:spChg>
+      </pc:sldChg>
+      <pc:sldChg chg="modSp new mod">
+        <pc:chgData name="Hewner, Mike" userId="7f3f83dd-6dfb-4127-a87f-c1714bd4fac9" providerId="ADAL" clId="{0BFB2295-5BD8-4317-B4D2-52CE0DAFAEB3}" dt="2021-11-11T15:51:29.247" v="1327" actId="20577"/>
+        <pc:sldMkLst>
+          <pc:docMk/>
+          <pc:sldMk cId="3737567314" sldId="457"/>
+        </pc:sldMkLst>
+        <pc:spChg chg="mod">
+          <ac:chgData name="Hewner, Mike" userId="7f3f83dd-6dfb-4127-a87f-c1714bd4fac9" providerId="ADAL" clId="{0BFB2295-5BD8-4317-B4D2-52CE0DAFAEB3}" dt="2021-11-11T14:52:52.442" v="976" actId="14100"/>
+          <ac:spMkLst>
+            <pc:docMk/>
+            <pc:sldMk cId="3737567314" sldId="457"/>
+            <ac:spMk id="2" creationId="{7B35E25C-9CA5-4A75-9234-1E1EF5D7DDC2}"/>
+          </ac:spMkLst>
+        </pc:spChg>
+        <pc:spChg chg="mod">
+          <ac:chgData name="Hewner, Mike" userId="7f3f83dd-6dfb-4127-a87f-c1714bd4fac9" providerId="ADAL" clId="{0BFB2295-5BD8-4317-B4D2-52CE0DAFAEB3}" dt="2021-11-11T15:51:29.247" v="1327" actId="20577"/>
+          <ac:spMkLst>
+            <pc:docMk/>
+            <pc:sldMk cId="3737567314" sldId="457"/>
+            <ac:spMk id="3" creationId="{734A4FB0-84B6-4BAA-8B7B-51DB89FBE533}"/>
+          </ac:spMkLst>
+        </pc:spChg>
+      </pc:sldChg>
+    </pc:docChg>
+  </pc:docChgLst>
+</pc:chgInfo>
 </file>
 
 <file path=ppt/handoutMasters/handoutMaster1.xml><?xml version="1.0" encoding="utf-8"?>
@@ -857,6 +1264,228 @@
       </p:grpSpPr>
       <p:sp>
         <p:nvSpPr>
+          <p:cNvPr id="7" name="Rectangle 7"/>
+          <p:cNvSpPr>
+            <a:spLocks noGrp="1" noChangeArrowheads="1"/>
+          </p:cNvSpPr>
+          <p:nvPr>
+            <p:ph type="sldNum" sz="quarter" idx="5"/>
+          </p:nvPr>
+        </p:nvSpPr>
+        <p:spPr>
+          <a:ln/>
+        </p:spPr>
+        <p:txBody>
+          <a:bodyPr/>
+          <a:lstStyle/>
+          <a:p>
+            <a:fld id="{7FB39B6C-E44E-4035-ABA4-9B8E694150B4}" type="slidenum">
+              <a:rPr lang="en-US"/>
+              <a:pPr/>
+              <a:t>4</a:t>
+            </a:fld>
+            <a:endParaRPr lang="en-US"/>
+          </a:p>
+        </p:txBody>
+      </p:sp>
+      <p:sp>
+        <p:nvSpPr>
+          <p:cNvPr id="64514" name="Rectangle 2"/>
+          <p:cNvSpPr>
+            <a:spLocks noGrp="1" noRot="1" noChangeAspect="1" noChangeArrowheads="1" noTextEdit="1"/>
+          </p:cNvSpPr>
+          <p:nvPr>
+            <p:ph type="sldImg"/>
+          </p:nvPr>
+        </p:nvSpPr>
+        <p:spPr>
+          <a:xfrm>
+            <a:off x="458788" y="720725"/>
+            <a:ext cx="6399212" cy="3600450"/>
+          </a:xfrm>
+          <a:ln/>
+        </p:spPr>
+      </p:sp>
+      <p:sp>
+        <p:nvSpPr>
+          <p:cNvPr id="64515" name="Rectangle 3"/>
+          <p:cNvSpPr>
+            <a:spLocks noGrp="1" noChangeArrowheads="1"/>
+          </p:cNvSpPr>
+          <p:nvPr>
+            <p:ph type="body" idx="1"/>
+          </p:nvPr>
+        </p:nvSpPr>
+        <p:spPr>
+          <a:xfrm>
+            <a:off x="975613" y="4560293"/>
+            <a:ext cx="5363980" cy="4321094"/>
+          </a:xfrm>
+        </p:spPr>
+        <p:txBody>
+          <a:bodyPr/>
+          <a:lstStyle/>
+          <a:p>
+            <a:endParaRPr lang="en-US"/>
+          </a:p>
+        </p:txBody>
+      </p:sp>
+    </p:spTree>
+    <p:extLst>
+      <p:ext uri="{BB962C8B-B14F-4D97-AF65-F5344CB8AC3E}">
+        <p14:creationId xmlns:p14="http://schemas.microsoft.com/office/powerpoint/2010/main" val="965998579"/>
+      </p:ext>
+    </p:extLst>
+  </p:cSld>
+  <p:clrMapOvr>
+    <a:masterClrMapping/>
+  </p:clrMapOvr>
+</p:notes>
+</file>
+
+<file path=ppt/notesSlides/notesSlide2.xml><?xml version="1.0" encoding="utf-8"?>
+<p:notes xmlns:a="http://schemas.openxmlformats.org/drawingml/2006/main" xmlns:r="http://schemas.openxmlformats.org/officeDocument/2006/relationships" xmlns:p="http://schemas.openxmlformats.org/presentationml/2006/main">
+  <p:cSld>
+    <p:spTree>
+      <p:nvGrpSpPr>
+        <p:cNvPr id="1" name=""/>
+        <p:cNvGrpSpPr/>
+        <p:nvPr/>
+      </p:nvGrpSpPr>
+      <p:grpSpPr>
+        <a:xfrm>
+          <a:off x="0" y="0"/>
+          <a:ext cx="0" cy="0"/>
+          <a:chOff x="0" y="0"/>
+          <a:chExt cx="0" cy="0"/>
+        </a:xfrm>
+      </p:grpSpPr>
+      <p:sp>
+        <p:nvSpPr>
+          <p:cNvPr id="2" name="Slide Image Placeholder 1"/>
+          <p:cNvSpPr>
+            <a:spLocks noGrp="1" noRot="1" noChangeAspect="1"/>
+          </p:cNvSpPr>
+          <p:nvPr>
+            <p:ph type="sldImg"/>
+          </p:nvPr>
+        </p:nvSpPr>
+        <p:spPr>
+          <a:xfrm>
+            <a:off x="458788" y="720725"/>
+            <a:ext cx="6399212" cy="3600450"/>
+          </a:xfrm>
+        </p:spPr>
+      </p:sp>
+      <p:sp>
+        <p:nvSpPr>
+          <p:cNvPr id="3" name="Notes Placeholder 2"/>
+          <p:cNvSpPr>
+            <a:spLocks noGrp="1"/>
+          </p:cNvSpPr>
+          <p:nvPr>
+            <p:ph type="body" idx="1"/>
+          </p:nvPr>
+        </p:nvSpPr>
+        <p:spPr/>
+        <p:txBody>
+          <a:bodyPr/>
+          <a:lstStyle/>
+          <a:p>
+            <a:pPr>
+              <a:buFontTx/>
+              <a:buNone/>
+            </a:pPr>
+            <a:r>
+              <a:rPr lang="en-US" b="1" dirty="0"/>
+              <a:t>(define same-fringe</a:t>
+            </a:r>
+          </a:p>
+          <a:p>
+            <a:pPr>
+              <a:buFontTx/>
+              <a:buNone/>
+            </a:pPr>
+            <a:r>
+              <a:rPr lang="en-US" b="1" dirty="0"/>
+              <a:t>  (lambda (s1 s2)</a:t>
+            </a:r>
+          </a:p>
+          <a:p>
+            <a:pPr>
+              <a:buFontTx/>
+              <a:buNone/>
+            </a:pPr>
+            <a:r>
+              <a:rPr lang="en-US" b="1" dirty="0"/>
+              <a:t>    (equal? (flatten s1) (flatten s2))))</a:t>
+            </a:r>
+            <a:br>
+              <a:rPr lang="en-US" b="1" dirty="0"/>
+            </a:br>
+            <a:endParaRPr lang="en-US" b="1" dirty="0"/>
+          </a:p>
+          <a:p>
+            <a:endParaRPr lang="en-US" dirty="0"/>
+          </a:p>
+        </p:txBody>
+      </p:sp>
+      <p:sp>
+        <p:nvSpPr>
+          <p:cNvPr id="4" name="Slide Number Placeholder 3"/>
+          <p:cNvSpPr>
+            <a:spLocks noGrp="1"/>
+          </p:cNvSpPr>
+          <p:nvPr>
+            <p:ph type="sldNum" sz="quarter" idx="10"/>
+          </p:nvPr>
+        </p:nvSpPr>
+        <p:spPr/>
+        <p:txBody>
+          <a:bodyPr/>
+          <a:lstStyle/>
+          <a:p>
+            <a:fld id="{76265C54-799C-4F9B-B21B-5E9FC6A82654}" type="slidenum">
+              <a:rPr lang="en-US" smtClean="0"/>
+              <a:pPr/>
+              <a:t>14</a:t>
+            </a:fld>
+            <a:endParaRPr lang="en-US"/>
+          </a:p>
+        </p:txBody>
+      </p:sp>
+    </p:spTree>
+    <p:extLst>
+      <p:ext uri="{BB962C8B-B14F-4D97-AF65-F5344CB8AC3E}">
+        <p14:creationId xmlns:p14="http://schemas.microsoft.com/office/powerpoint/2010/main" val="544108607"/>
+      </p:ext>
+    </p:extLst>
+  </p:cSld>
+  <p:clrMapOvr>
+    <a:masterClrMapping/>
+  </p:clrMapOvr>
+</p:notes>
+</file>
+
+<file path=ppt/notesSlides/notesSlide3.xml><?xml version="1.0" encoding="utf-8"?>
+<p:notes xmlns:a="http://schemas.openxmlformats.org/drawingml/2006/main" xmlns:r="http://schemas.openxmlformats.org/officeDocument/2006/relationships" xmlns:p="http://schemas.openxmlformats.org/presentationml/2006/main">
+  <p:cSld>
+    <p:spTree>
+      <p:nvGrpSpPr>
+        <p:cNvPr id="1" name=""/>
+        <p:cNvGrpSpPr/>
+        <p:nvPr/>
+      </p:nvGrpSpPr>
+      <p:grpSpPr>
+        <a:xfrm>
+          <a:off x="0" y="0"/>
+          <a:ext cx="0" cy="0"/>
+          <a:chOff x="0" y="0"/>
+          <a:chExt cx="0" cy="0"/>
+        </a:xfrm>
+      </p:grpSpPr>
+      <p:sp>
+        <p:nvSpPr>
           <p:cNvPr id="2" name="Slide Image Placeholder 1"/>
           <p:cNvSpPr>
             <a:spLocks noGrp="1" noRot="1" noChangeAspect="1"/>
@@ -904,7 +1533,7 @@
             <a:fld id="{76265C54-799C-4F9B-B21B-5E9FC6A82654}" type="slidenum">
               <a:rPr lang="en-US" smtClean="0"/>
               <a:pPr/>
-              <a:t>4</a:t>
+              <a:t>29</a:t>
             </a:fld>
             <a:endParaRPr lang="en-US"/>
           </a:p>
@@ -923,7 +1552,7 @@
 </p:notes>
 </file>
 
-<file path=ppt/notesSlides/notesSlide2.xml><?xml version="1.0" encoding="utf-8"?>
+<file path=ppt/notesSlides/notesSlide4.xml><?xml version="1.0" encoding="utf-8"?>
 <p:notes xmlns:a="http://schemas.openxmlformats.org/drawingml/2006/main" xmlns:r="http://schemas.openxmlformats.org/officeDocument/2006/relationships" xmlns:p="http://schemas.openxmlformats.org/presentationml/2006/main">
   <p:cSld>
     <p:spTree>
@@ -997,7 +1626,7 @@
             <a:fld id="{76265C54-799C-4F9B-B21B-5E9FC6A82654}" type="slidenum">
               <a:rPr lang="en-US" smtClean="0"/>
               <a:pPr/>
-              <a:t>6</a:t>
+              <a:t>31</a:t>
             </a:fld>
             <a:endParaRPr lang="en-US"/>
           </a:p>
@@ -1007,228 +1636,6 @@
     <p:extLst>
       <p:ext uri="{BB962C8B-B14F-4D97-AF65-F5344CB8AC3E}">
         <p14:creationId xmlns:p14="http://schemas.microsoft.com/office/powerpoint/2010/main" val="3977948186"/>
-      </p:ext>
-    </p:extLst>
-  </p:cSld>
-  <p:clrMapOvr>
-    <a:masterClrMapping/>
-  </p:clrMapOvr>
-</p:notes>
-</file>
-
-<file path=ppt/notesSlides/notesSlide3.xml><?xml version="1.0" encoding="utf-8"?>
-<p:notes xmlns:a="http://schemas.openxmlformats.org/drawingml/2006/main" xmlns:r="http://schemas.openxmlformats.org/officeDocument/2006/relationships" xmlns:p="http://schemas.openxmlformats.org/presentationml/2006/main">
-  <p:cSld>
-    <p:spTree>
-      <p:nvGrpSpPr>
-        <p:cNvPr id="1" name=""/>
-        <p:cNvGrpSpPr/>
-        <p:nvPr/>
-      </p:nvGrpSpPr>
-      <p:grpSpPr>
-        <a:xfrm>
-          <a:off x="0" y="0"/>
-          <a:ext cx="0" cy="0"/>
-          <a:chOff x="0" y="0"/>
-          <a:chExt cx="0" cy="0"/>
-        </a:xfrm>
-      </p:grpSpPr>
-      <p:sp>
-        <p:nvSpPr>
-          <p:cNvPr id="7" name="Rectangle 7"/>
-          <p:cNvSpPr>
-            <a:spLocks noGrp="1" noChangeArrowheads="1"/>
-          </p:cNvSpPr>
-          <p:nvPr>
-            <p:ph type="sldNum" sz="quarter" idx="5"/>
-          </p:nvPr>
-        </p:nvSpPr>
-        <p:spPr>
-          <a:ln/>
-        </p:spPr>
-        <p:txBody>
-          <a:bodyPr/>
-          <a:lstStyle/>
-          <a:p>
-            <a:fld id="{7FB39B6C-E44E-4035-ABA4-9B8E694150B4}" type="slidenum">
-              <a:rPr lang="en-US"/>
-              <a:pPr/>
-              <a:t>9</a:t>
-            </a:fld>
-            <a:endParaRPr lang="en-US"/>
-          </a:p>
-        </p:txBody>
-      </p:sp>
-      <p:sp>
-        <p:nvSpPr>
-          <p:cNvPr id="64514" name="Rectangle 2"/>
-          <p:cNvSpPr>
-            <a:spLocks noGrp="1" noRot="1" noChangeAspect="1" noChangeArrowheads="1" noTextEdit="1"/>
-          </p:cNvSpPr>
-          <p:nvPr>
-            <p:ph type="sldImg"/>
-          </p:nvPr>
-        </p:nvSpPr>
-        <p:spPr>
-          <a:xfrm>
-            <a:off x="458788" y="720725"/>
-            <a:ext cx="6399212" cy="3600450"/>
-          </a:xfrm>
-          <a:ln/>
-        </p:spPr>
-      </p:sp>
-      <p:sp>
-        <p:nvSpPr>
-          <p:cNvPr id="64515" name="Rectangle 3"/>
-          <p:cNvSpPr>
-            <a:spLocks noGrp="1" noChangeArrowheads="1"/>
-          </p:cNvSpPr>
-          <p:nvPr>
-            <p:ph type="body" idx="1"/>
-          </p:nvPr>
-        </p:nvSpPr>
-        <p:spPr>
-          <a:xfrm>
-            <a:off x="975613" y="4560293"/>
-            <a:ext cx="5363980" cy="4321094"/>
-          </a:xfrm>
-        </p:spPr>
-        <p:txBody>
-          <a:bodyPr/>
-          <a:lstStyle/>
-          <a:p>
-            <a:endParaRPr lang="en-US"/>
-          </a:p>
-        </p:txBody>
-      </p:sp>
-    </p:spTree>
-    <p:extLst>
-      <p:ext uri="{BB962C8B-B14F-4D97-AF65-F5344CB8AC3E}">
-        <p14:creationId xmlns:p14="http://schemas.microsoft.com/office/powerpoint/2010/main" val="3384656401"/>
-      </p:ext>
-    </p:extLst>
-  </p:cSld>
-  <p:clrMapOvr>
-    <a:masterClrMapping/>
-  </p:clrMapOvr>
-</p:notes>
-</file>
-
-<file path=ppt/notesSlides/notesSlide4.xml><?xml version="1.0" encoding="utf-8"?>
-<p:notes xmlns:a="http://schemas.openxmlformats.org/drawingml/2006/main" xmlns:r="http://schemas.openxmlformats.org/officeDocument/2006/relationships" xmlns:p="http://schemas.openxmlformats.org/presentationml/2006/main">
-  <p:cSld>
-    <p:spTree>
-      <p:nvGrpSpPr>
-        <p:cNvPr id="1" name=""/>
-        <p:cNvGrpSpPr/>
-        <p:nvPr/>
-      </p:nvGrpSpPr>
-      <p:grpSpPr>
-        <a:xfrm>
-          <a:off x="0" y="0"/>
-          <a:ext cx="0" cy="0"/>
-          <a:chOff x="0" y="0"/>
-          <a:chExt cx="0" cy="0"/>
-        </a:xfrm>
-      </p:grpSpPr>
-      <p:sp>
-        <p:nvSpPr>
-          <p:cNvPr id="2" name="Slide Image Placeholder 1"/>
-          <p:cNvSpPr>
-            <a:spLocks noGrp="1" noRot="1" noChangeAspect="1"/>
-          </p:cNvSpPr>
-          <p:nvPr>
-            <p:ph type="sldImg"/>
-          </p:nvPr>
-        </p:nvSpPr>
-        <p:spPr>
-          <a:xfrm>
-            <a:off x="458788" y="720725"/>
-            <a:ext cx="6399212" cy="3600450"/>
-          </a:xfrm>
-        </p:spPr>
-      </p:sp>
-      <p:sp>
-        <p:nvSpPr>
-          <p:cNvPr id="3" name="Notes Placeholder 2"/>
-          <p:cNvSpPr>
-            <a:spLocks noGrp="1"/>
-          </p:cNvSpPr>
-          <p:nvPr>
-            <p:ph type="body" idx="1"/>
-          </p:nvPr>
-        </p:nvSpPr>
-        <p:spPr/>
-        <p:txBody>
-          <a:bodyPr/>
-          <a:lstStyle/>
-          <a:p>
-            <a:pPr>
-              <a:buFontTx/>
-              <a:buNone/>
-            </a:pPr>
-            <a:r>
-              <a:rPr lang="en-US" b="1" dirty="0"/>
-              <a:t>(define same-fringe</a:t>
-            </a:r>
-          </a:p>
-          <a:p>
-            <a:pPr>
-              <a:buFontTx/>
-              <a:buNone/>
-            </a:pPr>
-            <a:r>
-              <a:rPr lang="en-US" b="1" dirty="0"/>
-              <a:t>  (lambda (s1 s2)</a:t>
-            </a:r>
-          </a:p>
-          <a:p>
-            <a:pPr>
-              <a:buFontTx/>
-              <a:buNone/>
-            </a:pPr>
-            <a:r>
-              <a:rPr lang="en-US" b="1" dirty="0"/>
-              <a:t>    (equal? (flatten s1) (flatten s2))))</a:t>
-            </a:r>
-            <a:br>
-              <a:rPr lang="en-US" b="1" dirty="0"/>
-            </a:br>
-            <a:endParaRPr lang="en-US" b="1" dirty="0"/>
-          </a:p>
-          <a:p>
-            <a:endParaRPr lang="en-US" dirty="0"/>
-          </a:p>
-        </p:txBody>
-      </p:sp>
-      <p:sp>
-        <p:nvSpPr>
-          <p:cNvPr id="4" name="Slide Number Placeholder 3"/>
-          <p:cNvSpPr>
-            <a:spLocks noGrp="1"/>
-          </p:cNvSpPr>
-          <p:nvPr>
-            <p:ph type="sldNum" sz="quarter" idx="10"/>
-          </p:nvPr>
-        </p:nvSpPr>
-        <p:spPr/>
-        <p:txBody>
-          <a:bodyPr/>
-          <a:lstStyle/>
-          <a:p>
-            <a:fld id="{76265C54-799C-4F9B-B21B-5E9FC6A82654}" type="slidenum">
-              <a:rPr lang="en-US" smtClean="0"/>
-              <a:pPr/>
-              <a:t>19</a:t>
-            </a:fld>
-            <a:endParaRPr lang="en-US"/>
-          </a:p>
-        </p:txBody>
-      </p:sp>
-    </p:spTree>
-    <p:extLst>
-      <p:ext uri="{BB962C8B-B14F-4D97-AF65-F5344CB8AC3E}">
-        <p14:creationId xmlns:p14="http://schemas.microsoft.com/office/powerpoint/2010/main" val="789027117"/>
       </p:ext>
     </p:extLst>
   </p:cSld>
@@ -3414,13 +3821,6 @@
             <a:pPr algn="r"/>
             <a:r>
               <a:rPr lang="en-US" dirty="0"/>
-              <a:t>Reference Parameters</a:t>
-            </a:r>
-          </a:p>
-          <a:p>
-            <a:pPr algn="r"/>
-            <a:r>
-              <a:rPr lang="en-US" dirty="0"/>
               <a:t>Coroutines</a:t>
             </a:r>
           </a:p>
@@ -3442,1103 +3842,6 @@
 </file>
 
 <file path=ppt/slides/slide10.xml><?xml version="1.0" encoding="utf-8"?>
-<p:sld xmlns:a="http://schemas.openxmlformats.org/drawingml/2006/main" xmlns:r="http://schemas.openxmlformats.org/officeDocument/2006/relationships" xmlns:p="http://schemas.openxmlformats.org/presentationml/2006/main">
-  <p:cSld>
-    <p:spTree>
-      <p:nvGrpSpPr>
-        <p:cNvPr id="1" name=""/>
-        <p:cNvGrpSpPr/>
-        <p:nvPr/>
-      </p:nvGrpSpPr>
-      <p:grpSpPr>
-        <a:xfrm>
-          <a:off x="0" y="0"/>
-          <a:ext cx="0" cy="0"/>
-          <a:chOff x="0" y="0"/>
-          <a:chExt cx="0" cy="0"/>
-        </a:xfrm>
-      </p:grpSpPr>
-      <p:sp>
-        <p:nvSpPr>
-          <p:cNvPr id="4" name="Title 3">
-            <a:extLst>
-              <a:ext uri="{FF2B5EF4-FFF2-40B4-BE49-F238E27FC236}">
-                <a16:creationId xmlns:a16="http://schemas.microsoft.com/office/drawing/2014/main" id="{79BC89A3-F323-4B04-B2A8-FBE0FF20CE99}"/>
-              </a:ext>
-            </a:extLst>
-          </p:cNvPr>
-          <p:cNvSpPr>
-            <a:spLocks noGrp="1"/>
-          </p:cNvSpPr>
-          <p:nvPr>
-            <p:ph type="title"/>
-          </p:nvPr>
-        </p:nvSpPr>
-        <p:spPr>
-          <a:xfrm>
-            <a:off x="609600" y="-304800"/>
-            <a:ext cx="10972800" cy="1143000"/>
-          </a:xfrm>
-        </p:spPr>
-        <p:txBody>
-          <a:bodyPr/>
-          <a:lstStyle/>
-          <a:p>
-            <a:r>
-              <a:rPr lang="en-US" dirty="0"/>
-              <a:t>Coroutines are being introduced into C++</a:t>
-            </a:r>
-          </a:p>
-        </p:txBody>
-      </p:sp>
-      <p:sp>
-        <p:nvSpPr>
-          <p:cNvPr id="5" name="Content Placeholder 4">
-            <a:extLst>
-              <a:ext uri="{FF2B5EF4-FFF2-40B4-BE49-F238E27FC236}">
-                <a16:creationId xmlns:a16="http://schemas.microsoft.com/office/drawing/2014/main" id="{B66E29E1-D41A-4002-B261-263033B15F0B}"/>
-              </a:ext>
-            </a:extLst>
-          </p:cNvPr>
-          <p:cNvSpPr>
-            <a:spLocks noGrp="1"/>
-          </p:cNvSpPr>
-          <p:nvPr>
-            <p:ph idx="1"/>
-          </p:nvPr>
-        </p:nvSpPr>
-        <p:spPr/>
-        <p:txBody>
-          <a:bodyPr/>
-          <a:lstStyle/>
-          <a:p>
-            <a:endParaRPr lang="en-US"/>
-          </a:p>
-        </p:txBody>
-      </p:sp>
-      <p:pic>
-        <p:nvPicPr>
-          <p:cNvPr id="6" name="Picture 5">
-            <a:extLst>
-              <a:ext uri="{FF2B5EF4-FFF2-40B4-BE49-F238E27FC236}">
-                <a16:creationId xmlns:a16="http://schemas.microsoft.com/office/drawing/2014/main" id="{87341617-F2F7-42CD-B033-B1C48798BF28}"/>
-              </a:ext>
-            </a:extLst>
-          </p:cNvPr>
-          <p:cNvPicPr>
-            <a:picLocks noChangeAspect="1"/>
-          </p:cNvPicPr>
-          <p:nvPr/>
-        </p:nvPicPr>
-        <p:blipFill>
-          <a:blip r:embed="rId2"/>
-          <a:stretch>
-            <a:fillRect/>
-          </a:stretch>
-        </p:blipFill>
-        <p:spPr>
-          <a:xfrm>
-            <a:off x="0" y="628650"/>
-            <a:ext cx="9067800" cy="7185804"/>
-          </a:xfrm>
-          <a:prstGeom prst="rect">
-            <a:avLst/>
-          </a:prstGeom>
-        </p:spPr>
-      </p:pic>
-    </p:spTree>
-    <p:extLst>
-      <p:ext uri="{BB962C8B-B14F-4D97-AF65-F5344CB8AC3E}">
-        <p14:creationId xmlns:p14="http://schemas.microsoft.com/office/powerpoint/2010/main" val="2984195138"/>
-      </p:ext>
-    </p:extLst>
-  </p:cSld>
-  <p:clrMapOvr>
-    <a:masterClrMapping/>
-  </p:clrMapOvr>
-</p:sld>
-</file>
-
-<file path=ppt/slides/slide11.xml><?xml version="1.0" encoding="utf-8"?>
-<p:sld xmlns:a="http://schemas.openxmlformats.org/drawingml/2006/main" xmlns:r="http://schemas.openxmlformats.org/officeDocument/2006/relationships" xmlns:p="http://schemas.openxmlformats.org/presentationml/2006/main">
-  <p:cSld>
-    <p:spTree>
-      <p:nvGrpSpPr>
-        <p:cNvPr id="1" name=""/>
-        <p:cNvGrpSpPr/>
-        <p:nvPr/>
-      </p:nvGrpSpPr>
-      <p:grpSpPr>
-        <a:xfrm>
-          <a:off x="0" y="0"/>
-          <a:ext cx="0" cy="0"/>
-          <a:chOff x="0" y="0"/>
-          <a:chExt cx="0" cy="0"/>
-        </a:xfrm>
-      </p:grpSpPr>
-      <p:sp>
-        <p:nvSpPr>
-          <p:cNvPr id="2" name="Title 1">
-            <a:extLst>
-              <a:ext uri="{FF2B5EF4-FFF2-40B4-BE49-F238E27FC236}">
-                <a16:creationId xmlns:a16="http://schemas.microsoft.com/office/drawing/2014/main" id="{8C300165-125B-488E-BCCD-B61B56825964}"/>
-              </a:ext>
-            </a:extLst>
-          </p:cNvPr>
-          <p:cNvSpPr>
-            <a:spLocks noGrp="1"/>
-          </p:cNvSpPr>
-          <p:nvPr>
-            <p:ph type="title"/>
-          </p:nvPr>
-        </p:nvSpPr>
-        <p:spPr/>
-        <p:txBody>
-          <a:bodyPr/>
-          <a:lstStyle/>
-          <a:p>
-            <a:r>
-              <a:rPr lang="en-US" dirty="0"/>
-              <a:t>Coroutines in Kotlin</a:t>
-            </a:r>
-          </a:p>
-        </p:txBody>
-      </p:sp>
-      <p:sp>
-        <p:nvSpPr>
-          <p:cNvPr id="3" name="Content Placeholder 2">
-            <a:extLst>
-              <a:ext uri="{FF2B5EF4-FFF2-40B4-BE49-F238E27FC236}">
-                <a16:creationId xmlns:a16="http://schemas.microsoft.com/office/drawing/2014/main" id="{9F193B74-2F58-4F4B-9B0B-FE669D7A2B79}"/>
-              </a:ext>
-            </a:extLst>
-          </p:cNvPr>
-          <p:cNvSpPr>
-            <a:spLocks noGrp="1"/>
-          </p:cNvSpPr>
-          <p:nvPr>
-            <p:ph idx="1"/>
-          </p:nvPr>
-        </p:nvSpPr>
-        <p:spPr/>
-        <p:txBody>
-          <a:bodyPr/>
-          <a:lstStyle/>
-          <a:p>
-            <a:r>
-              <a:rPr lang="en-US">
-                <a:hlinkClick r:id="rId2"/>
-              </a:rPr>
-              <a:t>https://kotlinlang.org/docs/coroutines-overview.html</a:t>
-            </a:r>
-            <a:r>
-              <a:rPr lang="en-US"/>
-              <a:t> </a:t>
-            </a:r>
-          </a:p>
-        </p:txBody>
-      </p:sp>
-    </p:spTree>
-    <p:extLst>
-      <p:ext uri="{BB962C8B-B14F-4D97-AF65-F5344CB8AC3E}">
-        <p14:creationId xmlns:p14="http://schemas.microsoft.com/office/powerpoint/2010/main" val="1459751919"/>
-      </p:ext>
-    </p:extLst>
-  </p:cSld>
-  <p:clrMapOvr>
-    <a:masterClrMapping/>
-  </p:clrMapOvr>
-</p:sld>
-</file>
-
-<file path=ppt/slides/slide12.xml><?xml version="1.0" encoding="utf-8"?>
-<p:sld xmlns:a="http://schemas.openxmlformats.org/drawingml/2006/main" xmlns:r="http://schemas.openxmlformats.org/officeDocument/2006/relationships" xmlns:p="http://schemas.openxmlformats.org/presentationml/2006/main">
-  <p:cSld>
-    <p:spTree>
-      <p:nvGrpSpPr>
-        <p:cNvPr id="1" name=""/>
-        <p:cNvGrpSpPr/>
-        <p:nvPr/>
-      </p:nvGrpSpPr>
-      <p:grpSpPr>
-        <a:xfrm>
-          <a:off x="0" y="0"/>
-          <a:ext cx="0" cy="0"/>
-          <a:chOff x="0" y="0"/>
-          <a:chExt cx="0" cy="0"/>
-        </a:xfrm>
-      </p:grpSpPr>
-      <p:sp>
-        <p:nvSpPr>
-          <p:cNvPr id="106498" name="Rectangle 2"/>
-          <p:cNvSpPr>
-            <a:spLocks noGrp="1" noChangeArrowheads="1"/>
-          </p:cNvSpPr>
-          <p:nvPr>
-            <p:ph type="title"/>
-          </p:nvPr>
-        </p:nvSpPr>
-        <p:spPr/>
-        <p:txBody>
-          <a:bodyPr/>
-          <a:lstStyle/>
-          <a:p>
-            <a:r>
-              <a:rPr lang="en-US" dirty="0"/>
-              <a:t>Coroutine </a:t>
-            </a:r>
-            <a:r>
-              <a:rPr lang="en-US" i="1" dirty="0"/>
-              <a:t>vs</a:t>
-            </a:r>
-            <a:r>
-              <a:rPr lang="en-US" dirty="0"/>
-              <a:t>. subroutine</a:t>
-            </a:r>
-          </a:p>
-        </p:txBody>
-      </p:sp>
-      <p:sp>
-        <p:nvSpPr>
-          <p:cNvPr id="106499" name="Rectangle 3"/>
-          <p:cNvSpPr>
-            <a:spLocks noGrp="1" noChangeArrowheads="1"/>
-          </p:cNvSpPr>
-          <p:nvPr>
-            <p:ph type="body" idx="1"/>
-          </p:nvPr>
-        </p:nvSpPr>
-        <p:spPr/>
-        <p:txBody>
-          <a:bodyPr/>
-          <a:lstStyle/>
-          <a:p>
-            <a:r>
-              <a:rPr lang="en-US" dirty="0"/>
-              <a:t>Subordination </a:t>
-            </a:r>
-            <a:r>
-              <a:rPr lang="en-US" i="1" dirty="0"/>
-              <a:t>vs</a:t>
-            </a:r>
-            <a:r>
-              <a:rPr lang="en-US" dirty="0"/>
-              <a:t>. equal partners</a:t>
-            </a:r>
-          </a:p>
-          <a:p>
-            <a:r>
-              <a:rPr lang="en-US" i="1" dirty="0"/>
-              <a:t>Apply a procedure vs</a:t>
-            </a:r>
-            <a:r>
-              <a:rPr lang="en-US" dirty="0"/>
-              <a:t>. </a:t>
-            </a:r>
-            <a:r>
-              <a:rPr lang="en-US" i="1" dirty="0"/>
-              <a:t>resume a coroutine</a:t>
-            </a:r>
-          </a:p>
-          <a:p>
-            <a:r>
-              <a:rPr lang="en-US" dirty="0"/>
-              <a:t>Monopoly analogy</a:t>
-            </a:r>
-          </a:p>
-          <a:p>
-            <a:r>
-              <a:rPr lang="en-US" dirty="0"/>
-              <a:t>Coroutines do not involve concurrency</a:t>
-            </a:r>
-          </a:p>
-        </p:txBody>
-      </p:sp>
-    </p:spTree>
-    <p:extLst>
-      <p:ext uri="{BB962C8B-B14F-4D97-AF65-F5344CB8AC3E}">
-        <p14:creationId xmlns:p14="http://schemas.microsoft.com/office/powerpoint/2010/main" val="376017762"/>
-      </p:ext>
-    </p:extLst>
-  </p:cSld>
-  <p:clrMapOvr>
-    <a:masterClrMapping/>
-  </p:clrMapOvr>
-  <p:timing>
-    <p:tnLst>
-      <p:par>
-        <p:cTn id="1" dur="indefinite" restart="never" nodeType="tmRoot">
-          <p:childTnLst>
-            <p:seq concurrent="1" nextAc="seek">
-              <p:cTn id="2" dur="indefinite" nodeType="mainSeq">
-                <p:childTnLst>
-                  <p:par>
-                    <p:cTn id="3" fill="hold">
-                      <p:stCondLst>
-                        <p:cond delay="indefinite"/>
-                      </p:stCondLst>
-                      <p:childTnLst>
-                        <p:par>
-                          <p:cTn id="4" fill="hold">
-                            <p:stCondLst>
-                              <p:cond delay="0"/>
-                            </p:stCondLst>
-                            <p:childTnLst>
-                              <p:par>
-                                <p:cTn id="5" presetID="1" presetClass="entr" presetSubtype="0" fill="hold" nodeType="clickEffect">
-                                  <p:stCondLst>
-                                    <p:cond delay="0"/>
-                                  </p:stCondLst>
-                                  <p:childTnLst>
-                                    <p:set>
-                                      <p:cBhvr>
-                                        <p:cTn id="6" dur="1" fill="hold">
-                                          <p:stCondLst>
-                                            <p:cond delay="0"/>
-                                          </p:stCondLst>
-                                        </p:cTn>
-                                        <p:tgtEl>
-                                          <p:spTgt spid="106499">
-                                            <p:txEl>
-                                              <p:pRg st="0" end="0"/>
-                                            </p:txEl>
-                                          </p:spTgt>
-                                        </p:tgtEl>
-                                        <p:attrNameLst>
-                                          <p:attrName>style.visibility</p:attrName>
-                                        </p:attrNameLst>
-                                      </p:cBhvr>
-                                      <p:to>
-                                        <p:strVal val="visible"/>
-                                      </p:to>
-                                    </p:set>
-                                  </p:childTnLst>
-                                </p:cTn>
-                              </p:par>
-                            </p:childTnLst>
-                          </p:cTn>
-                        </p:par>
-                      </p:childTnLst>
-                    </p:cTn>
-                  </p:par>
-                  <p:par>
-                    <p:cTn id="7" fill="hold">
-                      <p:stCondLst>
-                        <p:cond delay="indefinite"/>
-                      </p:stCondLst>
-                      <p:childTnLst>
-                        <p:par>
-                          <p:cTn id="8" fill="hold">
-                            <p:stCondLst>
-                              <p:cond delay="0"/>
-                            </p:stCondLst>
-                            <p:childTnLst>
-                              <p:par>
-                                <p:cTn id="9" presetID="1" presetClass="entr" presetSubtype="0" fill="hold" nodeType="clickEffect">
-                                  <p:stCondLst>
-                                    <p:cond delay="0"/>
-                                  </p:stCondLst>
-                                  <p:childTnLst>
-                                    <p:set>
-                                      <p:cBhvr>
-                                        <p:cTn id="10" dur="1" fill="hold">
-                                          <p:stCondLst>
-                                            <p:cond delay="0"/>
-                                          </p:stCondLst>
-                                        </p:cTn>
-                                        <p:tgtEl>
-                                          <p:spTgt spid="106499">
-                                            <p:txEl>
-                                              <p:pRg st="1" end="1"/>
-                                            </p:txEl>
-                                          </p:spTgt>
-                                        </p:tgtEl>
-                                        <p:attrNameLst>
-                                          <p:attrName>style.visibility</p:attrName>
-                                        </p:attrNameLst>
-                                      </p:cBhvr>
-                                      <p:to>
-                                        <p:strVal val="visible"/>
-                                      </p:to>
-                                    </p:set>
-                                  </p:childTnLst>
-                                </p:cTn>
-                              </p:par>
-                            </p:childTnLst>
-                          </p:cTn>
-                        </p:par>
-                      </p:childTnLst>
-                    </p:cTn>
-                  </p:par>
-                  <p:par>
-                    <p:cTn id="11" fill="hold">
-                      <p:stCondLst>
-                        <p:cond delay="indefinite"/>
-                      </p:stCondLst>
-                      <p:childTnLst>
-                        <p:par>
-                          <p:cTn id="12" fill="hold">
-                            <p:stCondLst>
-                              <p:cond delay="0"/>
-                            </p:stCondLst>
-                            <p:childTnLst>
-                              <p:par>
-                                <p:cTn id="13" presetID="1" presetClass="entr" presetSubtype="0" fill="hold" nodeType="clickEffect">
-                                  <p:stCondLst>
-                                    <p:cond delay="0"/>
-                                  </p:stCondLst>
-                                  <p:childTnLst>
-                                    <p:set>
-                                      <p:cBhvr>
-                                        <p:cTn id="14" dur="1" fill="hold">
-                                          <p:stCondLst>
-                                            <p:cond delay="0"/>
-                                          </p:stCondLst>
-                                        </p:cTn>
-                                        <p:tgtEl>
-                                          <p:spTgt spid="106499">
-                                            <p:txEl>
-                                              <p:pRg st="2" end="2"/>
-                                            </p:txEl>
-                                          </p:spTgt>
-                                        </p:tgtEl>
-                                        <p:attrNameLst>
-                                          <p:attrName>style.visibility</p:attrName>
-                                        </p:attrNameLst>
-                                      </p:cBhvr>
-                                      <p:to>
-                                        <p:strVal val="visible"/>
-                                      </p:to>
-                                    </p:set>
-                                  </p:childTnLst>
-                                </p:cTn>
-                              </p:par>
-                            </p:childTnLst>
-                          </p:cTn>
-                        </p:par>
-                      </p:childTnLst>
-                    </p:cTn>
-                  </p:par>
-                  <p:par>
-                    <p:cTn id="15" fill="hold">
-                      <p:stCondLst>
-                        <p:cond delay="indefinite"/>
-                      </p:stCondLst>
-                      <p:childTnLst>
-                        <p:par>
-                          <p:cTn id="16" fill="hold">
-                            <p:stCondLst>
-                              <p:cond delay="0"/>
-                            </p:stCondLst>
-                            <p:childTnLst>
-                              <p:par>
-                                <p:cTn id="17" presetID="1" presetClass="entr" presetSubtype="0" fill="hold" nodeType="clickEffect">
-                                  <p:stCondLst>
-                                    <p:cond delay="0"/>
-                                  </p:stCondLst>
-                                  <p:childTnLst>
-                                    <p:set>
-                                      <p:cBhvr>
-                                        <p:cTn id="18" dur="1" fill="hold">
-                                          <p:stCondLst>
-                                            <p:cond delay="0"/>
-                                          </p:stCondLst>
-                                        </p:cTn>
-                                        <p:tgtEl>
-                                          <p:spTgt spid="106499">
-                                            <p:txEl>
-                                              <p:pRg st="3" end="3"/>
-                                            </p:txEl>
-                                          </p:spTgt>
-                                        </p:tgtEl>
-                                        <p:attrNameLst>
-                                          <p:attrName>style.visibility</p:attrName>
-                                        </p:attrNameLst>
-                                      </p:cBhvr>
-                                      <p:to>
-                                        <p:strVal val="visible"/>
-                                      </p:to>
-                                    </p:set>
-                                  </p:childTnLst>
-                                </p:cTn>
-                              </p:par>
-                            </p:childTnLst>
-                          </p:cTn>
-                        </p:par>
-                      </p:childTnLst>
-                    </p:cTn>
-                  </p:par>
-                </p:childTnLst>
-              </p:cTn>
-              <p:prevCondLst>
-                <p:cond evt="onPrev" delay="0">
-                  <p:tgtEl>
-                    <p:sldTgt/>
-                  </p:tgtEl>
-                </p:cond>
-              </p:prevCondLst>
-              <p:nextCondLst>
-                <p:cond evt="onNext" delay="0">
-                  <p:tgtEl>
-                    <p:sldTgt/>
-                  </p:tgtEl>
-                </p:cond>
-              </p:nextCondLst>
-            </p:seq>
-          </p:childTnLst>
-        </p:cTn>
-      </p:par>
-    </p:tnLst>
-  </p:timing>
-</p:sld>
-</file>
-
-<file path=ppt/slides/slide13.xml><?xml version="1.0" encoding="utf-8"?>
-<p:sld xmlns:a="http://schemas.openxmlformats.org/drawingml/2006/main" xmlns:r="http://schemas.openxmlformats.org/officeDocument/2006/relationships" xmlns:p="http://schemas.openxmlformats.org/presentationml/2006/main">
-  <p:cSld>
-    <p:spTree>
-      <p:nvGrpSpPr>
-        <p:cNvPr id="1" name=""/>
-        <p:cNvGrpSpPr/>
-        <p:nvPr/>
-      </p:nvGrpSpPr>
-      <p:grpSpPr>
-        <a:xfrm>
-          <a:off x="0" y="0"/>
-          <a:ext cx="0" cy="0"/>
-          <a:chOff x="0" y="0"/>
-          <a:chExt cx="0" cy="0"/>
-        </a:xfrm>
-      </p:grpSpPr>
-      <p:sp>
-        <p:nvSpPr>
-          <p:cNvPr id="107522" name="Rectangle 2"/>
-          <p:cNvSpPr>
-            <a:spLocks noGrp="1" noChangeArrowheads="1"/>
-          </p:cNvSpPr>
-          <p:nvPr>
-            <p:ph type="title"/>
-          </p:nvPr>
-        </p:nvSpPr>
-        <p:spPr>
-          <a:xfrm>
-            <a:off x="3071813" y="1125538"/>
-            <a:ext cx="7086600" cy="914400"/>
-          </a:xfrm>
-        </p:spPr>
-        <p:txBody>
-          <a:bodyPr/>
-          <a:lstStyle/>
-          <a:p>
-            <a:r>
-              <a:rPr lang="en-US" sz="4000" dirty="0"/>
-              <a:t>Example to illustrate coroutines</a:t>
-            </a:r>
-          </a:p>
-        </p:txBody>
-      </p:sp>
-      <p:sp>
-        <p:nvSpPr>
-          <p:cNvPr id="107523" name="Rectangle 3"/>
-          <p:cNvSpPr>
-            <a:spLocks noGrp="1" noChangeArrowheads="1"/>
-          </p:cNvSpPr>
-          <p:nvPr>
-            <p:ph type="body" idx="1"/>
-          </p:nvPr>
-        </p:nvSpPr>
-        <p:spPr>
-          <a:xfrm>
-            <a:off x="1981200" y="2312988"/>
-            <a:ext cx="8915400" cy="4876800"/>
-          </a:xfrm>
-        </p:spPr>
-        <p:txBody>
-          <a:bodyPr/>
-          <a:lstStyle/>
-          <a:p>
-            <a:r>
-              <a:rPr lang="en-US" dirty="0"/>
-              <a:t>(make-</a:t>
-            </a:r>
-            <a:r>
-              <a:rPr lang="en-US" dirty="0" err="1"/>
-              <a:t>coroutine</a:t>
-            </a:r>
-            <a:r>
-              <a:rPr lang="en-US" dirty="0"/>
-              <a:t> receiver) creates a </a:t>
-            </a:r>
-            <a:r>
-              <a:rPr lang="en-US" dirty="0" err="1"/>
-              <a:t>coroutine</a:t>
-            </a:r>
-            <a:r>
-              <a:rPr lang="en-US" dirty="0"/>
-              <a:t> that executes the code in </a:t>
-            </a:r>
-            <a:r>
-              <a:rPr lang="en-US" dirty="0">
-                <a:latin typeface="Courier New" pitchFamily="49" charset="0"/>
-              </a:rPr>
-              <a:t>receiver.</a:t>
-            </a:r>
-          </a:p>
-          <a:p>
-            <a:r>
-              <a:rPr lang="en-US" dirty="0">
-                <a:latin typeface="Courier New" pitchFamily="49" charset="0"/>
-              </a:rPr>
-              <a:t>(resume </a:t>
-            </a:r>
-            <a:r>
-              <a:rPr lang="en-US" dirty="0" err="1">
-                <a:latin typeface="Courier New" pitchFamily="49" charset="0"/>
-              </a:rPr>
-              <a:t>cor</a:t>
-            </a:r>
-            <a:r>
-              <a:rPr lang="en-US" dirty="0">
-                <a:latin typeface="Courier New" pitchFamily="49" charset="0"/>
-              </a:rPr>
-              <a:t> value) </a:t>
-            </a:r>
-            <a:r>
-              <a:rPr lang="en-US" dirty="0"/>
-              <a:t>resumes the </a:t>
-            </a:r>
-            <a:r>
-              <a:rPr lang="en-US" dirty="0" err="1">
-                <a:latin typeface="Courier New" pitchFamily="49" charset="0"/>
-              </a:rPr>
-              <a:t>cor</a:t>
-            </a:r>
-            <a:r>
-              <a:rPr lang="en-US" dirty="0">
-                <a:latin typeface="Courier New" pitchFamily="49" charset="0"/>
-              </a:rPr>
-              <a:t> </a:t>
-            </a:r>
-            <a:r>
-              <a:rPr lang="en-US" dirty="0" err="1"/>
-              <a:t>coroutine</a:t>
-            </a:r>
-            <a:r>
-              <a:rPr lang="en-US" dirty="0"/>
-              <a:t>.</a:t>
-            </a:r>
-          </a:p>
-          <a:p>
-            <a:pPr lvl="1">
-              <a:buFontTx/>
-              <a:buNone/>
-            </a:pPr>
-            <a:r>
-              <a:rPr lang="en-US" dirty="0"/>
-              <a:t>Examples are </a:t>
-            </a:r>
-            <a:r>
-              <a:rPr lang="en-US"/>
-              <a:t>in coroutines.ss</a:t>
-            </a:r>
-            <a:endParaRPr lang="en-US" dirty="0"/>
-          </a:p>
-          <a:p>
-            <a:pPr lvl="1">
-              <a:buFontTx/>
-              <a:buNone/>
-            </a:pPr>
-            <a:r>
-              <a:rPr lang="en-US" dirty="0"/>
-              <a:t>Running the first example:</a:t>
-            </a:r>
-          </a:p>
-          <a:p>
-            <a:pPr lvl="1"/>
-            <a:r>
-              <a:rPr lang="en-US" dirty="0">
-                <a:latin typeface="Courier New" pitchFamily="49" charset="0"/>
-              </a:rPr>
-              <a:t>&gt;</a:t>
-            </a:r>
-            <a:r>
-              <a:rPr lang="en-US" b="1" dirty="0">
-                <a:latin typeface="Courier New" pitchFamily="49" charset="0"/>
-              </a:rPr>
-              <a:t>(example)</a:t>
-            </a:r>
-            <a:endParaRPr lang="en-US" dirty="0">
-              <a:latin typeface="Courier New" pitchFamily="49" charset="0"/>
-            </a:endParaRPr>
-          </a:p>
-          <a:p>
-            <a:pPr lvl="1"/>
-            <a:r>
-              <a:rPr lang="en-US" dirty="0">
-                <a:latin typeface="Courier New" pitchFamily="49" charset="0"/>
-              </a:rPr>
-              <a:t>1-a 33 2-a 34 1-b 35 2-b 36 1-c 37</a:t>
-            </a:r>
-          </a:p>
-        </p:txBody>
-      </p:sp>
-    </p:spTree>
-    <p:extLst>
-      <p:ext uri="{BB962C8B-B14F-4D97-AF65-F5344CB8AC3E}">
-        <p14:creationId xmlns:p14="http://schemas.microsoft.com/office/powerpoint/2010/main" val="3235431519"/>
-      </p:ext>
-    </p:extLst>
-  </p:cSld>
-  <p:clrMapOvr>
-    <a:masterClrMapping/>
-  </p:clrMapOvr>
-</p:sld>
-</file>
-
-<file path=ppt/slides/slide14.xml><?xml version="1.0" encoding="utf-8"?>
-<p:sld xmlns:a="http://schemas.openxmlformats.org/drawingml/2006/main" xmlns:r="http://schemas.openxmlformats.org/officeDocument/2006/relationships" xmlns:p="http://schemas.openxmlformats.org/presentationml/2006/main">
-  <p:cSld>
-    <p:spTree>
-      <p:nvGrpSpPr>
-        <p:cNvPr id="1" name=""/>
-        <p:cNvGrpSpPr/>
-        <p:nvPr/>
-      </p:nvGrpSpPr>
-      <p:grpSpPr>
-        <a:xfrm>
-          <a:off x="0" y="0"/>
-          <a:ext cx="0" cy="0"/>
-          <a:chOff x="0" y="0"/>
-          <a:chExt cx="0" cy="0"/>
-        </a:xfrm>
-      </p:grpSpPr>
-      <p:sp>
-        <p:nvSpPr>
-          <p:cNvPr id="4" name="TextBox 3"/>
-          <p:cNvSpPr txBox="1"/>
-          <p:nvPr/>
-        </p:nvSpPr>
-        <p:spPr>
-          <a:xfrm>
-            <a:off x="228600" y="304800"/>
-            <a:ext cx="10210800" cy="6463308"/>
-          </a:xfrm>
-          <a:prstGeom prst="rect">
-            <a:avLst/>
-          </a:prstGeom>
-          <a:noFill/>
-        </p:spPr>
-        <p:txBody>
-          <a:bodyPr wrap="square" rtlCol="0">
-            <a:spAutoFit/>
-          </a:bodyPr>
-          <a:lstStyle/>
-          <a:p>
-            <a:r>
-              <a:rPr lang="en-US" sz="2200" dirty="0"/>
-              <a:t> </a:t>
-            </a:r>
-            <a:r>
-              <a:rPr lang="en-US" sz="2200" b="1" dirty="0" err="1">
-                <a:solidFill>
-                  <a:srgbClr val="FF0000"/>
-                </a:solidFill>
-              </a:rPr>
-              <a:t>Coroutine</a:t>
-            </a:r>
-            <a:r>
-              <a:rPr lang="en-US" sz="2200" b="1" dirty="0">
-                <a:solidFill>
-                  <a:srgbClr val="FF0000"/>
-                </a:solidFill>
-              </a:rPr>
-              <a:t> example  adapted from EoPL, first edition, Chapter 9</a:t>
-            </a:r>
-          </a:p>
-          <a:p>
-            <a:endParaRPr lang="en-US" dirty="0"/>
-          </a:p>
-          <a:p>
-            <a:r>
-              <a:rPr lang="en-US" dirty="0"/>
-              <a:t>(define example </a:t>
-            </a:r>
-          </a:p>
-          <a:p>
-            <a:r>
-              <a:rPr lang="en-US" dirty="0"/>
-              <a:t>  (lambda ()</a:t>
-            </a:r>
-          </a:p>
-          <a:p>
-            <a:r>
-              <a:rPr lang="en-US" dirty="0"/>
-              <a:t>    (call/cc</a:t>
-            </a:r>
-          </a:p>
-          <a:p>
-            <a:r>
-              <a:rPr lang="en-US" dirty="0"/>
-              <a:t>     (lambda  (return-cont)</a:t>
-            </a:r>
-          </a:p>
-          <a:p>
-            <a:r>
-              <a:rPr lang="en-US" dirty="0"/>
-              <a:t>       (let ([co1 'undefined]</a:t>
-            </a:r>
-          </a:p>
-          <a:p>
-            <a:r>
-              <a:rPr lang="en-US" dirty="0"/>
-              <a:t>             [co2 'undefined])</a:t>
-            </a:r>
-          </a:p>
-          <a:p>
-            <a:r>
-              <a:rPr lang="en-US" dirty="0"/>
-              <a:t>         (set! co1 (make-</a:t>
-            </a:r>
-            <a:r>
-              <a:rPr lang="en-US" dirty="0" err="1"/>
-              <a:t>coroutine</a:t>
-            </a:r>
-            <a:endParaRPr lang="en-US" dirty="0"/>
-          </a:p>
-          <a:p>
-            <a:r>
-              <a:rPr lang="en-US" dirty="0"/>
-              <a:t>                    (lambda (init-val1)</a:t>
-            </a:r>
-          </a:p>
-          <a:p>
-            <a:r>
-              <a:rPr lang="en-US" dirty="0"/>
-              <a:t>                      (display " 1-a ")</a:t>
-            </a:r>
-          </a:p>
-          <a:p>
-            <a:r>
-              <a:rPr lang="en-US" dirty="0"/>
-              <a:t>                      (display init-val1)</a:t>
-            </a:r>
-          </a:p>
-          <a:p>
-            <a:r>
-              <a:rPr lang="en-US" dirty="0"/>
-              <a:t>                      (set! init-val1</a:t>
-            </a:r>
-          </a:p>
-          <a:p>
-            <a:r>
-              <a:rPr lang="en-US" dirty="0"/>
-              <a:t>                            (resume co2 </a:t>
-            </a:r>
-            <a:br>
-              <a:rPr lang="en-US" dirty="0"/>
-            </a:br>
-            <a:r>
-              <a:rPr lang="en-US" dirty="0"/>
-              <a:t>                                          (+ 1 init-val1)))</a:t>
-            </a:r>
-          </a:p>
-          <a:p>
-            <a:r>
-              <a:rPr lang="en-US" dirty="0"/>
-              <a:t>                      (display " 1-b ")</a:t>
-            </a:r>
-          </a:p>
-          <a:p>
-            <a:r>
-              <a:rPr lang="en-US" dirty="0"/>
-              <a:t>                      (display init-val1)</a:t>
-            </a:r>
-          </a:p>
-          <a:p>
-            <a:r>
-              <a:rPr lang="en-US" dirty="0"/>
-              <a:t>                      (set! init-val1</a:t>
-            </a:r>
-          </a:p>
-          <a:p>
-            <a:r>
-              <a:rPr lang="en-US" dirty="0"/>
-              <a:t>                            (resume co2 </a:t>
-            </a:r>
-            <a:br>
-              <a:rPr lang="en-US" dirty="0"/>
-            </a:br>
-            <a:r>
-              <a:rPr lang="en-US" dirty="0"/>
-              <a:t>                                          (+ 1 init-val1)))</a:t>
-            </a:r>
-          </a:p>
-          <a:p>
-            <a:r>
-              <a:rPr lang="en-US" dirty="0"/>
-              <a:t>	        (display " 1-c ")</a:t>
-            </a:r>
-          </a:p>
-          <a:p>
-            <a:r>
-              <a:rPr lang="en-US" dirty="0"/>
-              <a:t>                      (return-cont init-val1))))</a:t>
-            </a:r>
-          </a:p>
-          <a:p>
-            <a:r>
-              <a:rPr lang="en-US" dirty="0"/>
-              <a:t>        </a:t>
-            </a:r>
-          </a:p>
-        </p:txBody>
-      </p:sp>
-      <p:sp>
-        <p:nvSpPr>
-          <p:cNvPr id="5" name="TextBox 4"/>
-          <p:cNvSpPr txBox="1"/>
-          <p:nvPr/>
-        </p:nvSpPr>
-        <p:spPr>
-          <a:xfrm>
-            <a:off x="6400800" y="838201"/>
-            <a:ext cx="4419600" cy="5078313"/>
-          </a:xfrm>
-          <a:prstGeom prst="rect">
-            <a:avLst/>
-          </a:prstGeom>
-          <a:noFill/>
-        </p:spPr>
-        <p:txBody>
-          <a:bodyPr wrap="square" rtlCol="0">
-            <a:spAutoFit/>
-          </a:bodyPr>
-          <a:lstStyle/>
-          <a:p>
-            <a:r>
-              <a:rPr lang="en-US" dirty="0"/>
-              <a:t>  (set! co2 (make-</a:t>
-            </a:r>
-            <a:r>
-              <a:rPr lang="en-US" dirty="0" err="1"/>
-              <a:t>coroutine</a:t>
-            </a:r>
-            <a:endParaRPr lang="en-US" dirty="0"/>
-          </a:p>
-          <a:p>
-            <a:r>
-              <a:rPr lang="en-US" dirty="0"/>
-              <a:t>                    (lambda  (init-val2)</a:t>
-            </a:r>
-          </a:p>
-          <a:p>
-            <a:r>
-              <a:rPr lang="en-US" dirty="0"/>
-              <a:t>                      (display " 2-a ")</a:t>
-            </a:r>
-          </a:p>
-          <a:p>
-            <a:r>
-              <a:rPr lang="en-US" dirty="0"/>
-              <a:t>                      (display init-val2)</a:t>
-            </a:r>
-          </a:p>
-          <a:p>
-            <a:r>
-              <a:rPr lang="en-US" dirty="0"/>
-              <a:t>                      (set! init-val2</a:t>
-            </a:r>
-          </a:p>
-          <a:p>
-            <a:r>
-              <a:rPr lang="en-US" dirty="0"/>
-              <a:t>                            (resume co1 </a:t>
-            </a:r>
-            <a:br>
-              <a:rPr lang="en-US" dirty="0"/>
-            </a:br>
-            <a:r>
-              <a:rPr lang="en-US" dirty="0"/>
-              <a:t>                                         (+ 1 init-val2)))</a:t>
-            </a:r>
-          </a:p>
-          <a:p>
-            <a:r>
-              <a:rPr lang="en-US" dirty="0"/>
-              <a:t>                      (display " 2-b ")</a:t>
-            </a:r>
-          </a:p>
-          <a:p>
-            <a:r>
-              <a:rPr lang="en-US" dirty="0"/>
-              <a:t>                      (display init-val2)</a:t>
-            </a:r>
-          </a:p>
-          <a:p>
-            <a:r>
-              <a:rPr lang="en-US" dirty="0"/>
-              <a:t>                      (set! init-val2</a:t>
-            </a:r>
-          </a:p>
-          <a:p>
-            <a:r>
-              <a:rPr lang="en-US" dirty="0"/>
-              <a:t>                            (resume co1</a:t>
-            </a:r>
-            <a:br>
-              <a:rPr lang="en-US" dirty="0"/>
-            </a:br>
-            <a:r>
-              <a:rPr lang="en-US" dirty="0"/>
-              <a:t>                                         (+ 1 init-val2)))</a:t>
-            </a:r>
-          </a:p>
-          <a:p>
-            <a:r>
-              <a:rPr lang="en-US" dirty="0"/>
-              <a:t>	        (display " 2-c "))))</a:t>
-            </a:r>
-          </a:p>
-          <a:p>
-            <a:r>
-              <a:rPr lang="en-US" dirty="0"/>
-              <a:t>         (co1 33))))))</a:t>
-            </a:r>
-          </a:p>
-          <a:p>
-            <a:endParaRPr lang="en-US" dirty="0"/>
-          </a:p>
-          <a:p>
-            <a:r>
-              <a:rPr lang="en-US" dirty="0"/>
-              <a:t>;; &gt;(example)</a:t>
-            </a:r>
-          </a:p>
-          <a:p>
-            <a:r>
-              <a:rPr lang="en-US" dirty="0"/>
-              <a:t>;;  1-a 33 2-a 34 1-b 35 2-b 36 1-c 37</a:t>
-            </a:r>
-          </a:p>
-          <a:p>
-            <a:endParaRPr lang="en-US" dirty="0"/>
-          </a:p>
-        </p:txBody>
-      </p:sp>
-    </p:spTree>
-    <p:extLst>
-      <p:ext uri="{BB962C8B-B14F-4D97-AF65-F5344CB8AC3E}">
-        <p14:creationId xmlns:p14="http://schemas.microsoft.com/office/powerpoint/2010/main" val="3383351427"/>
-      </p:ext>
-    </p:extLst>
-  </p:cSld>
-  <p:clrMapOvr>
-    <a:masterClrMapping/>
-  </p:clrMapOvr>
-</p:sld>
-</file>
-
-<file path=ppt/slides/slide15.xml><?xml version="1.0" encoding="utf-8"?>
 <p:sld xmlns:a="http://schemas.openxmlformats.org/drawingml/2006/main" xmlns:r="http://schemas.openxmlformats.org/officeDocument/2006/relationships" xmlns:p="http://schemas.openxmlformats.org/presentationml/2006/main">
   <p:cSld>
     <p:spTree>
@@ -5032,7 +4335,7 @@
     </p:spTree>
     <p:extLst>
       <p:ext uri="{BB962C8B-B14F-4D97-AF65-F5344CB8AC3E}">
-        <p14:creationId xmlns:p14="http://schemas.microsoft.com/office/powerpoint/2010/main" val="2652551239"/>
+        <p14:creationId xmlns:p14="http://schemas.microsoft.com/office/powerpoint/2010/main" val="3277046316"/>
       </p:ext>
     </p:extLst>
   </p:cSld>
@@ -5042,7 +4345,7 @@
 </p:sld>
 </file>
 
-<file path=ppt/slides/slide16.xml><?xml version="1.0" encoding="utf-8"?>
+<file path=ppt/slides/slide11.xml><?xml version="1.0" encoding="utf-8"?>
 <p:sld xmlns:a="http://schemas.openxmlformats.org/drawingml/2006/main" xmlns:r="http://schemas.openxmlformats.org/officeDocument/2006/relationships" xmlns:p="http://schemas.openxmlformats.org/presentationml/2006/main">
   <p:cSld>
     <p:spTree>
@@ -5174,7 +4477,7 @@
     </p:spTree>
     <p:extLst>
       <p:ext uri="{BB962C8B-B14F-4D97-AF65-F5344CB8AC3E}">
-        <p14:creationId xmlns:p14="http://schemas.microsoft.com/office/powerpoint/2010/main" val="956136959"/>
+        <p14:creationId xmlns:p14="http://schemas.microsoft.com/office/powerpoint/2010/main" val="3451989462"/>
       </p:ext>
     </p:extLst>
   </p:cSld>
@@ -5184,7 +4487,7 @@
 </p:sld>
 </file>
 
-<file path=ppt/slides/slide17.xml><?xml version="1.0" encoding="utf-8"?>
+<file path=ppt/slides/slide12.xml><?xml version="1.0" encoding="utf-8"?>
 <p:sld xmlns:a="http://schemas.openxmlformats.org/drawingml/2006/main" xmlns:r="http://schemas.openxmlformats.org/officeDocument/2006/relationships" xmlns:p="http://schemas.openxmlformats.org/presentationml/2006/main">
   <p:cSld>
     <p:spTree>
@@ -5522,7 +4825,7 @@
     </p:spTree>
     <p:extLst>
       <p:ext uri="{BB962C8B-B14F-4D97-AF65-F5344CB8AC3E}">
-        <p14:creationId xmlns:p14="http://schemas.microsoft.com/office/powerpoint/2010/main" val="1307302074"/>
+        <p14:creationId xmlns:p14="http://schemas.microsoft.com/office/powerpoint/2010/main" val="3185611683"/>
       </p:ext>
     </p:extLst>
   </p:cSld>
@@ -5532,7 +4835,7 @@
 </p:sld>
 </file>
 
-<file path=ppt/slides/slide18.xml><?xml version="1.0" encoding="utf-8"?>
+<file path=ppt/slides/slide13.xml><?xml version="1.0" encoding="utf-8"?>
 <p:sld xmlns:a="http://schemas.openxmlformats.org/drawingml/2006/main" xmlns:r="http://schemas.openxmlformats.org/officeDocument/2006/relationships" xmlns:p="http://schemas.openxmlformats.org/presentationml/2006/main" showMasterPhAnim="0">
   <p:cSld>
     <p:spTree>
@@ -5606,7 +4909,7 @@
     </p:spTree>
     <p:extLst>
       <p:ext uri="{BB962C8B-B14F-4D97-AF65-F5344CB8AC3E}">
-        <p14:creationId xmlns:p14="http://schemas.microsoft.com/office/powerpoint/2010/main" val="2002810934"/>
+        <p14:creationId xmlns:p14="http://schemas.microsoft.com/office/powerpoint/2010/main" val="139610595"/>
       </p:ext>
     </p:extLst>
   </p:cSld>
@@ -5698,7 +5001,7 @@
 </p:sld>
 </file>
 
-<file path=ppt/slides/slide19.xml><?xml version="1.0" encoding="utf-8"?>
+<file path=ppt/slides/slide14.xml><?xml version="1.0" encoding="utf-8"?>
 <p:sld xmlns:a="http://schemas.openxmlformats.org/drawingml/2006/main" xmlns:r="http://schemas.openxmlformats.org/officeDocument/2006/relationships" xmlns:p="http://schemas.openxmlformats.org/presentationml/2006/main" showMasterPhAnim="0">
   <p:cSld>
     <p:spTree>
@@ -5799,7 +5102,7 @@
     </p:spTree>
     <p:extLst>
       <p:ext uri="{BB962C8B-B14F-4D97-AF65-F5344CB8AC3E}">
-        <p14:creationId xmlns:p14="http://schemas.microsoft.com/office/powerpoint/2010/main" val="2625017002"/>
+        <p14:creationId xmlns:p14="http://schemas.microsoft.com/office/powerpoint/2010/main" val="1136878194"/>
       </p:ext>
     </p:extLst>
   </p:cSld>
@@ -5941,124 +5244,7 @@
 </p:sld>
 </file>
 
-<file path=ppt/slides/slide2.xml><?xml version="1.0" encoding="utf-8"?>
-<p:sld xmlns:a="http://schemas.openxmlformats.org/drawingml/2006/main" xmlns:r="http://schemas.openxmlformats.org/officeDocument/2006/relationships" xmlns:p="http://schemas.openxmlformats.org/presentationml/2006/main">
-  <p:cSld>
-    <p:spTree>
-      <p:nvGrpSpPr>
-        <p:cNvPr id="1" name=""/>
-        <p:cNvGrpSpPr/>
-        <p:nvPr/>
-      </p:nvGrpSpPr>
-      <p:grpSpPr>
-        <a:xfrm>
-          <a:off x="0" y="0"/>
-          <a:ext cx="0" cy="0"/>
-          <a:chOff x="0" y="0"/>
-          <a:chExt cx="0" cy="0"/>
-        </a:xfrm>
-      </p:grpSpPr>
-      <p:sp>
-        <p:nvSpPr>
-          <p:cNvPr id="2" name="Title 1">
-            <a:extLst>
-              <a:ext uri="{FF2B5EF4-FFF2-40B4-BE49-F238E27FC236}">
-                <a16:creationId xmlns:a16="http://schemas.microsoft.com/office/drawing/2014/main" id="{676339CC-D362-43F8-A617-0084D61C2892}"/>
-              </a:ext>
-            </a:extLst>
-          </p:cNvPr>
-          <p:cNvSpPr>
-            <a:spLocks noGrp="1"/>
-          </p:cNvSpPr>
-          <p:nvPr>
-            <p:ph type="title"/>
-          </p:nvPr>
-        </p:nvSpPr>
-        <p:spPr/>
-        <p:txBody>
-          <a:bodyPr/>
-          <a:lstStyle/>
-          <a:p>
-            <a:r>
-              <a:rPr lang="en-US" dirty="0"/>
-              <a:t>Course evals</a:t>
-            </a:r>
-          </a:p>
-        </p:txBody>
-      </p:sp>
-      <p:sp>
-        <p:nvSpPr>
-          <p:cNvPr id="3" name="Content Placeholder 2">
-            <a:extLst>
-              <a:ext uri="{FF2B5EF4-FFF2-40B4-BE49-F238E27FC236}">
-                <a16:creationId xmlns:a16="http://schemas.microsoft.com/office/drawing/2014/main" id="{AE124A60-1A84-402B-8748-3D3E06D9E5B8}"/>
-              </a:ext>
-            </a:extLst>
-          </p:cNvPr>
-          <p:cNvSpPr>
-            <a:spLocks noGrp="1"/>
-          </p:cNvSpPr>
-          <p:nvPr>
-            <p:ph idx="1"/>
-          </p:nvPr>
-        </p:nvSpPr>
-        <p:spPr>
-          <a:xfrm>
-            <a:off x="609600" y="1219200"/>
-            <a:ext cx="10972800" cy="4525963"/>
-          </a:xfrm>
-        </p:spPr>
-        <p:txBody>
-          <a:bodyPr/>
-          <a:lstStyle/>
-          <a:p>
-            <a:r>
-              <a:rPr lang="en-US" dirty="0"/>
-              <a:t>I’d love to give extra credit to students who complete the  evaluation.</a:t>
-            </a:r>
-          </a:p>
-          <a:p>
-            <a:r>
-              <a:rPr lang="en-US" dirty="0"/>
-              <a:t>But I can never know who completed it.  </a:t>
-            </a:r>
-          </a:p>
-          <a:p>
-            <a:r>
-              <a:rPr lang="en-US" dirty="0"/>
-              <a:t>What I can see at any time is </a:t>
-            </a:r>
-            <a:r>
-              <a:rPr lang="en-US" b="1" dirty="0"/>
-              <a:t>how many </a:t>
-            </a:r>
-            <a:r>
-              <a:rPr lang="en-US" dirty="0"/>
-              <a:t>students from each section completed it.</a:t>
-            </a:r>
-          </a:p>
-          <a:p>
-            <a:r>
-              <a:rPr lang="en-US" dirty="0"/>
-              <a:t>I will give 5 extra-credit points on the final exam to everyone in a section if at least n-2 students complete the evaluation, where n is the number of students in that section.</a:t>
-            </a:r>
-          </a:p>
-        </p:txBody>
-      </p:sp>
-    </p:spTree>
-    <p:extLst>
-      <p:ext uri="{BB962C8B-B14F-4D97-AF65-F5344CB8AC3E}">
-        <p14:creationId xmlns:p14="http://schemas.microsoft.com/office/powerpoint/2010/main" val="3376190430"/>
-      </p:ext>
-    </p:extLst>
-  </p:cSld>
-  <p:clrMapOvr>
-    <a:masterClrMapping/>
-  </p:clrMapOvr>
-</p:sld>
-</file>
-
-<file path=ppt/slides/slide20.xml><?xml version="1.0" encoding="utf-8"?>
+<file path=ppt/slides/slide15.xml><?xml version="1.0" encoding="utf-8"?>
 <p:sld xmlns:a="http://schemas.openxmlformats.org/drawingml/2006/main" xmlns:r="http://schemas.openxmlformats.org/officeDocument/2006/relationships" xmlns:p="http://schemas.openxmlformats.org/presentationml/2006/main">
   <p:cSld>
     <p:spTree>
@@ -6162,7 +5348,7 @@
     </p:spTree>
     <p:extLst>
       <p:ext uri="{BB962C8B-B14F-4D97-AF65-F5344CB8AC3E}">
-        <p14:creationId xmlns:p14="http://schemas.microsoft.com/office/powerpoint/2010/main" val="3916388527"/>
+        <p14:creationId xmlns:p14="http://schemas.microsoft.com/office/powerpoint/2010/main" val="1697672594"/>
       </p:ext>
     </p:extLst>
   </p:cSld>
@@ -6172,7 +5358,7 @@
 </p:sld>
 </file>
 
-<file path=ppt/slides/slide21.xml><?xml version="1.0" encoding="utf-8"?>
+<file path=ppt/slides/slide16.xml><?xml version="1.0" encoding="utf-8"?>
 <p:sld xmlns:a="http://schemas.openxmlformats.org/drawingml/2006/main" xmlns:r="http://schemas.openxmlformats.org/officeDocument/2006/relationships" xmlns:p="http://schemas.openxmlformats.org/presentationml/2006/main">
   <p:cSld>
     <p:spTree>
@@ -6629,7 +5815,7 @@
     </p:spTree>
     <p:extLst>
       <p:ext uri="{BB962C8B-B14F-4D97-AF65-F5344CB8AC3E}">
-        <p14:creationId xmlns:p14="http://schemas.microsoft.com/office/powerpoint/2010/main" val="3548991072"/>
+        <p14:creationId xmlns:p14="http://schemas.microsoft.com/office/powerpoint/2010/main" val="3152717183"/>
       </p:ext>
     </p:extLst>
   </p:cSld>
@@ -6639,7 +5825,7 @@
 </p:sld>
 </file>
 
-<file path=ppt/slides/slide22.xml><?xml version="1.0" encoding="utf-8"?>
+<file path=ppt/slides/slide17.xml><?xml version="1.0" encoding="utf-8"?>
 <p:sld xmlns:a="http://schemas.openxmlformats.org/drawingml/2006/main" xmlns:r="http://schemas.openxmlformats.org/officeDocument/2006/relationships" xmlns:p="http://schemas.openxmlformats.org/presentationml/2006/main">
   <p:cSld>
     <p:spTree>
@@ -6726,7 +5912,7 @@
     </p:spTree>
     <p:extLst>
       <p:ext uri="{BB962C8B-B14F-4D97-AF65-F5344CB8AC3E}">
-        <p14:creationId xmlns:p14="http://schemas.microsoft.com/office/powerpoint/2010/main" val="3401134231"/>
+        <p14:creationId xmlns:p14="http://schemas.microsoft.com/office/powerpoint/2010/main" val="3899835771"/>
       </p:ext>
     </p:extLst>
   </p:cSld>
@@ -6736,7 +5922,7 @@
 </p:sld>
 </file>
 
-<file path=ppt/slides/slide23.xml><?xml version="1.0" encoding="utf-8"?>
+<file path=ppt/slides/slide18.xml><?xml version="1.0" encoding="utf-8"?>
 <p:sld xmlns:a="http://schemas.openxmlformats.org/drawingml/2006/main" xmlns:r="http://schemas.openxmlformats.org/officeDocument/2006/relationships" xmlns:p="http://schemas.openxmlformats.org/presentationml/2006/main">
   <p:cSld>
     <p:spTree>
@@ -7095,7 +6281,7 @@
     </p:spTree>
     <p:extLst>
       <p:ext uri="{BB962C8B-B14F-4D97-AF65-F5344CB8AC3E}">
-        <p14:creationId xmlns:p14="http://schemas.microsoft.com/office/powerpoint/2010/main" val="686266529"/>
+        <p14:creationId xmlns:p14="http://schemas.microsoft.com/office/powerpoint/2010/main" val="3552428195"/>
       </p:ext>
     </p:extLst>
   </p:cSld>
@@ -7105,7 +6291,7 @@
 </p:sld>
 </file>
 
-<file path=ppt/slides/slide24.xml><?xml version="1.0" encoding="utf-8"?>
+<file path=ppt/slides/slide19.xml><?xml version="1.0" encoding="utf-8"?>
 <p:sld xmlns:a="http://schemas.openxmlformats.org/drawingml/2006/main" xmlns:r="http://schemas.openxmlformats.org/officeDocument/2006/relationships" xmlns:p="http://schemas.openxmlformats.org/presentationml/2006/main">
   <p:cSld>
     <p:spTree>
@@ -7196,7 +6382,7 @@
     </p:spTree>
     <p:extLst>
       <p:ext uri="{BB962C8B-B14F-4D97-AF65-F5344CB8AC3E}">
-        <p14:creationId xmlns:p14="http://schemas.microsoft.com/office/powerpoint/2010/main" val="3046079731"/>
+        <p14:creationId xmlns:p14="http://schemas.microsoft.com/office/powerpoint/2010/main" val="2785939731"/>
       </p:ext>
     </p:extLst>
   </p:cSld>
@@ -7206,7 +6392,105 @@
 </p:sld>
 </file>
 
-<file path=ppt/slides/slide25.xml><?xml version="1.0" encoding="utf-8"?>
+<file path=ppt/slides/slide2.xml><?xml version="1.0" encoding="utf-8"?>
+<p:sld xmlns:a="http://schemas.openxmlformats.org/drawingml/2006/main" xmlns:r="http://schemas.openxmlformats.org/officeDocument/2006/relationships" xmlns:p="http://schemas.openxmlformats.org/presentationml/2006/main">
+  <p:cSld>
+    <p:spTree>
+      <p:nvGrpSpPr>
+        <p:cNvPr id="1" name=""/>
+        <p:cNvGrpSpPr/>
+        <p:nvPr/>
+      </p:nvGrpSpPr>
+      <p:grpSpPr>
+        <a:xfrm>
+          <a:off x="0" y="0"/>
+          <a:ext cx="0" cy="0"/>
+          <a:chOff x="0" y="0"/>
+          <a:chExt cx="0" cy="0"/>
+        </a:xfrm>
+      </p:grpSpPr>
+      <p:sp>
+        <p:nvSpPr>
+          <p:cNvPr id="2" name="Title 1">
+            <a:extLst>
+              <a:ext uri="{FF2B5EF4-FFF2-40B4-BE49-F238E27FC236}">
+                <a16:creationId xmlns:a16="http://schemas.microsoft.com/office/drawing/2014/main" id="{59A33BE2-DEEF-4BCE-BECD-D8427222B76C}"/>
+              </a:ext>
+            </a:extLst>
+          </p:cNvPr>
+          <p:cNvSpPr>
+            <a:spLocks noGrp="1"/>
+          </p:cNvSpPr>
+          <p:nvPr>
+            <p:ph type="title"/>
+          </p:nvPr>
+        </p:nvSpPr>
+        <p:spPr/>
+        <p:txBody>
+          <a:bodyPr/>
+          <a:lstStyle/>
+          <a:p>
+            <a:r>
+              <a:rPr lang="en-US" dirty="0"/>
+              <a:t>Course Evaluations</a:t>
+            </a:r>
+          </a:p>
+        </p:txBody>
+      </p:sp>
+      <p:sp>
+        <p:nvSpPr>
+          <p:cNvPr id="3" name="Content Placeholder 2">
+            <a:extLst>
+              <a:ext uri="{FF2B5EF4-FFF2-40B4-BE49-F238E27FC236}">
+                <a16:creationId xmlns:a16="http://schemas.microsoft.com/office/drawing/2014/main" id="{F443D27E-0E16-482F-B4CC-A5D0813F0C6B}"/>
+              </a:ext>
+            </a:extLst>
+          </p:cNvPr>
+          <p:cNvSpPr>
+            <a:spLocks noGrp="1"/>
+          </p:cNvSpPr>
+          <p:nvPr>
+            <p:ph idx="1"/>
+          </p:nvPr>
+        </p:nvSpPr>
+        <p:spPr/>
+        <p:txBody>
+          <a:bodyPr/>
+          <a:lstStyle/>
+          <a:p>
+            <a:r>
+              <a:rPr lang="en-US" dirty="0"/>
+              <a:t>Teaching a course for the first time is always a little rough…especially a course with a lot of difficult content</a:t>
+            </a:r>
+          </a:p>
+          <a:p>
+            <a:r>
+              <a:rPr lang="en-US" dirty="0"/>
+              <a:t>You’ve had to work really hard – hopefully you feel that’s paid off in terms of a deeper understanding of programming</a:t>
+            </a:r>
+          </a:p>
+          <a:p>
+            <a:r>
+              <a:rPr lang="en-US" dirty="0"/>
+              <a:t>I’ll be changing the course a fair bit in the coming terms – your ideas are welcome</a:t>
+            </a:r>
+          </a:p>
+        </p:txBody>
+      </p:sp>
+    </p:spTree>
+    <p:extLst>
+      <p:ext uri="{BB962C8B-B14F-4D97-AF65-F5344CB8AC3E}">
+        <p14:creationId xmlns:p14="http://schemas.microsoft.com/office/powerpoint/2010/main" val="3041442255"/>
+      </p:ext>
+    </p:extLst>
+  </p:cSld>
+  <p:clrMapOvr>
+    <a:masterClrMapping/>
+  </p:clrMapOvr>
+</p:sld>
+</file>
+
+<file path=ppt/slides/slide20.xml><?xml version="1.0" encoding="utf-8"?>
 <p:sld xmlns:a="http://schemas.openxmlformats.org/drawingml/2006/main" xmlns:r="http://schemas.openxmlformats.org/officeDocument/2006/relationships" xmlns:p="http://schemas.openxmlformats.org/presentationml/2006/main" showMasterPhAnim="0">
   <p:cSld>
     <p:spTree>
@@ -7393,7 +6677,7 @@
     </p:spTree>
     <p:extLst>
       <p:ext uri="{BB962C8B-B14F-4D97-AF65-F5344CB8AC3E}">
-        <p14:creationId xmlns:p14="http://schemas.microsoft.com/office/powerpoint/2010/main" val="1254299331"/>
+        <p14:creationId xmlns:p14="http://schemas.microsoft.com/office/powerpoint/2010/main" val="891612222"/>
       </p:ext>
     </p:extLst>
   </p:cSld>
@@ -7743,7 +7027,7 @@
 </p:sld>
 </file>
 
-<file path=ppt/slides/slide26.xml><?xml version="1.0" encoding="utf-8"?>
+<file path=ppt/slides/slide21.xml><?xml version="1.0" encoding="utf-8"?>
 <p:sld xmlns:a="http://schemas.openxmlformats.org/drawingml/2006/main" xmlns:r="http://schemas.openxmlformats.org/officeDocument/2006/relationships" xmlns:p="http://schemas.openxmlformats.org/presentationml/2006/main">
   <p:cSld>
     <p:spTree>
@@ -8669,7 +7953,7 @@
     </p:spTree>
     <p:extLst>
       <p:ext uri="{BB962C8B-B14F-4D97-AF65-F5344CB8AC3E}">
-        <p14:creationId xmlns:p14="http://schemas.microsoft.com/office/powerpoint/2010/main" val="1521699750"/>
+        <p14:creationId xmlns:p14="http://schemas.microsoft.com/office/powerpoint/2010/main" val="4117305652"/>
       </p:ext>
     </p:extLst>
   </p:cSld>
@@ -8679,7 +7963,7 @@
 </p:sld>
 </file>
 
-<file path=ppt/slides/slide27.xml><?xml version="1.0" encoding="utf-8"?>
+<file path=ppt/slides/slide22.xml><?xml version="1.0" encoding="utf-8"?>
 <p:sld xmlns:a="http://schemas.openxmlformats.org/drawingml/2006/main" xmlns:r="http://schemas.openxmlformats.org/officeDocument/2006/relationships" xmlns:p="http://schemas.openxmlformats.org/presentationml/2006/main">
   <p:cSld>
     <p:spTree>
@@ -9006,7 +8290,7 @@
     </p:spTree>
     <p:extLst>
       <p:ext uri="{BB962C8B-B14F-4D97-AF65-F5344CB8AC3E}">
-        <p14:creationId xmlns:p14="http://schemas.microsoft.com/office/powerpoint/2010/main" val="922723869"/>
+        <p14:creationId xmlns:p14="http://schemas.microsoft.com/office/powerpoint/2010/main" val="662006058"/>
       </p:ext>
     </p:extLst>
   </p:cSld>
@@ -9016,7 +8300,7 @@
 </p:sld>
 </file>
 
-<file path=ppt/slides/slide28.xml><?xml version="1.0" encoding="utf-8"?>
+<file path=ppt/slides/slide23.xml><?xml version="1.0" encoding="utf-8"?>
 <p:sld xmlns:a="http://schemas.openxmlformats.org/drawingml/2006/main" xmlns:r="http://schemas.openxmlformats.org/officeDocument/2006/relationships" xmlns:p="http://schemas.openxmlformats.org/presentationml/2006/main" show="0">
   <p:cSld>
     <p:spTree>
@@ -9105,7 +8389,7 @@
     </p:spTree>
     <p:extLst>
       <p:ext uri="{BB962C8B-B14F-4D97-AF65-F5344CB8AC3E}">
-        <p14:creationId xmlns:p14="http://schemas.microsoft.com/office/powerpoint/2010/main" val="1921174800"/>
+        <p14:creationId xmlns:p14="http://schemas.microsoft.com/office/powerpoint/2010/main" val="2395846445"/>
       </p:ext>
     </p:extLst>
   </p:cSld>
@@ -9115,7 +8399,7 @@
 </p:sld>
 </file>
 
-<file path=ppt/slides/slide29.xml><?xml version="1.0" encoding="utf-8"?>
+<file path=ppt/slides/slide24.xml><?xml version="1.0" encoding="utf-8"?>
 <p:sld xmlns:a="http://schemas.openxmlformats.org/drawingml/2006/main" xmlns:r="http://schemas.openxmlformats.org/officeDocument/2006/relationships" xmlns:p="http://schemas.openxmlformats.org/presentationml/2006/main">
   <p:cSld>
     <p:spTree>
@@ -9212,7 +8496,7 @@
     </p:spTree>
     <p:extLst>
       <p:ext uri="{BB962C8B-B14F-4D97-AF65-F5344CB8AC3E}">
-        <p14:creationId xmlns:p14="http://schemas.microsoft.com/office/powerpoint/2010/main" val="1232187089"/>
+        <p14:creationId xmlns:p14="http://schemas.microsoft.com/office/powerpoint/2010/main" val="1577671595"/>
       </p:ext>
     </p:extLst>
   </p:cSld>
@@ -9399,7 +8683,592 @@
 </p:sld>
 </file>
 
-<file path=ppt/slides/slide3.xml><?xml version="1.0" encoding="utf-8"?>
+<file path=ppt/slides/slide25.xml><?xml version="1.0" encoding="utf-8"?>
+<p:sld xmlns:a="http://schemas.openxmlformats.org/drawingml/2006/main" xmlns:r="http://schemas.openxmlformats.org/officeDocument/2006/relationships" xmlns:p="http://schemas.openxmlformats.org/presentationml/2006/main">
+  <p:cSld>
+    <p:spTree>
+      <p:nvGrpSpPr>
+        <p:cNvPr id="1" name=""/>
+        <p:cNvGrpSpPr/>
+        <p:nvPr/>
+      </p:nvGrpSpPr>
+      <p:grpSpPr>
+        <a:xfrm>
+          <a:off x="0" y="0"/>
+          <a:ext cx="0" cy="0"/>
+          <a:chOff x="0" y="0"/>
+          <a:chExt cx="0" cy="0"/>
+        </a:xfrm>
+      </p:grpSpPr>
+      <p:sp>
+        <p:nvSpPr>
+          <p:cNvPr id="109570" name="Rectangle 2"/>
+          <p:cNvSpPr>
+            <a:spLocks noGrp="1" noChangeArrowheads="1"/>
+          </p:cNvSpPr>
+          <p:nvPr>
+            <p:ph type="title"/>
+          </p:nvPr>
+        </p:nvSpPr>
+        <p:spPr/>
+        <p:txBody>
+          <a:bodyPr/>
+          <a:lstStyle/>
+          <a:p>
+            <a:r>
+              <a:rPr lang="en-US"/>
+              <a:t>same-fringe </a:t>
+            </a:r>
+            <a:r>
+              <a:rPr lang="en-US" i="1"/>
+              <a:t>via </a:t>
+            </a:r>
+            <a:r>
+              <a:rPr lang="en-US"/>
+              <a:t>coroutines</a:t>
+            </a:r>
+          </a:p>
+        </p:txBody>
+      </p:sp>
+      <p:sp>
+        <p:nvSpPr>
+          <p:cNvPr id="4" name="Text Placeholder 3"/>
+          <p:cNvSpPr>
+            <a:spLocks noGrp="1"/>
+          </p:cNvSpPr>
+          <p:nvPr>
+            <p:ph type="body" idx="1"/>
+          </p:nvPr>
+        </p:nvSpPr>
+        <p:spPr/>
+        <p:txBody>
+          <a:bodyPr/>
+          <a:lstStyle/>
+          <a:p>
+            <a:endParaRPr lang="en-US"/>
+          </a:p>
+        </p:txBody>
+      </p:sp>
+    </p:spTree>
+    <p:extLst>
+      <p:ext uri="{BB962C8B-B14F-4D97-AF65-F5344CB8AC3E}">
+        <p14:creationId xmlns:p14="http://schemas.microsoft.com/office/powerpoint/2010/main" val="3377334982"/>
+      </p:ext>
+    </p:extLst>
+  </p:cSld>
+  <p:clrMapOvr>
+    <a:masterClrMapping/>
+  </p:clrMapOvr>
+</p:sld>
+</file>
+
+<file path=ppt/slides/slide26.xml><?xml version="1.0" encoding="utf-8"?>
+<p:sld xmlns:a="http://schemas.openxmlformats.org/drawingml/2006/main" xmlns:r="http://schemas.openxmlformats.org/officeDocument/2006/relationships" xmlns:p="http://schemas.openxmlformats.org/presentationml/2006/main">
+  <p:cSld>
+    <p:spTree>
+      <p:nvGrpSpPr>
+        <p:cNvPr id="1" name=""/>
+        <p:cNvGrpSpPr/>
+        <p:nvPr/>
+      </p:nvGrpSpPr>
+      <p:grpSpPr>
+        <a:xfrm>
+          <a:off x="0" y="0"/>
+          <a:ext cx="0" cy="0"/>
+          <a:chOff x="0" y="0"/>
+          <a:chExt cx="0" cy="0"/>
+        </a:xfrm>
+      </p:grpSpPr>
+      <p:sp>
+        <p:nvSpPr>
+          <p:cNvPr id="4" name="TextBox 3"/>
+          <p:cNvSpPr txBox="1"/>
+          <p:nvPr/>
+        </p:nvSpPr>
+        <p:spPr>
+          <a:xfrm>
+            <a:off x="6477000" y="248484"/>
+            <a:ext cx="4343400" cy="4247317"/>
+          </a:xfrm>
+          <a:prstGeom prst="rect">
+            <a:avLst/>
+          </a:prstGeom>
+          <a:noFill/>
+        </p:spPr>
+        <p:txBody>
+          <a:bodyPr wrap="square" rtlCol="0">
+            <a:spAutoFit/>
+          </a:bodyPr>
+          <a:lstStyle/>
+          <a:p>
+            <a:r>
+              <a:rPr lang="en-US" dirty="0"/>
+              <a:t>(define make-</a:t>
+            </a:r>
+            <a:r>
+              <a:rPr lang="en-US" dirty="0" err="1"/>
+              <a:t>sf</a:t>
+            </a:r>
+            <a:r>
+              <a:rPr lang="en-US" dirty="0"/>
+              <a:t>-</a:t>
+            </a:r>
+            <a:r>
+              <a:rPr lang="en-US" dirty="0" err="1"/>
+              <a:t>coroutine</a:t>
+            </a:r>
+            <a:endParaRPr lang="en-US" dirty="0"/>
+          </a:p>
+          <a:p>
+            <a:r>
+              <a:rPr lang="en-US" dirty="0"/>
+              <a:t>  (lambda (driver tree)</a:t>
+            </a:r>
+          </a:p>
+          <a:p>
+            <a:r>
+              <a:rPr lang="en-US" dirty="0"/>
+              <a:t>    (make-</a:t>
+            </a:r>
+            <a:r>
+              <a:rPr lang="en-US" dirty="0" err="1"/>
+              <a:t>coroutine</a:t>
+            </a:r>
+            <a:endParaRPr lang="en-US" dirty="0"/>
+          </a:p>
+          <a:p>
+            <a:r>
+              <a:rPr lang="en-US" dirty="0"/>
+              <a:t>     (lambda (init-value)</a:t>
+            </a:r>
+          </a:p>
+          <a:p>
+            <a:r>
+              <a:rPr lang="en-US" dirty="0"/>
+              <a:t>       (letrec ([traverse</a:t>
+            </a:r>
+          </a:p>
+          <a:p>
+            <a:r>
+              <a:rPr lang="en-US" dirty="0"/>
+              <a:t>                 (lambda (tree)</a:t>
+            </a:r>
+          </a:p>
+          <a:p>
+            <a:r>
+              <a:rPr lang="en-US" dirty="0"/>
+              <a:t>                   (if (pair? tree)</a:t>
+            </a:r>
+          </a:p>
+          <a:p>
+            <a:r>
+              <a:rPr lang="en-US" dirty="0"/>
+              <a:t>                       (begin</a:t>
+            </a:r>
+          </a:p>
+          <a:p>
+            <a:r>
+              <a:rPr lang="en-US" dirty="0"/>
+              <a:t>                          (traverse (car tree))</a:t>
+            </a:r>
+          </a:p>
+          <a:p>
+            <a:r>
+              <a:rPr lang="en-US" dirty="0"/>
+              <a:t>                          (if (pair? (</a:t>
+            </a:r>
+            <a:r>
+              <a:rPr lang="en-US" dirty="0" err="1"/>
+              <a:t>cdr</a:t>
+            </a:r>
+            <a:r>
+              <a:rPr lang="en-US" dirty="0"/>
+              <a:t> tree))</a:t>
+            </a:r>
+          </a:p>
+          <a:p>
+            <a:r>
+              <a:rPr lang="en-US" dirty="0"/>
+              <a:t>                              (traverse (</a:t>
+            </a:r>
+            <a:r>
+              <a:rPr lang="en-US" dirty="0" err="1"/>
+              <a:t>cdr</a:t>
+            </a:r>
+            <a:r>
+              <a:rPr lang="en-US" dirty="0"/>
+              <a:t> tree))))</a:t>
+            </a:r>
+          </a:p>
+          <a:p>
+            <a:r>
+              <a:rPr lang="en-US" dirty="0"/>
+              <a:t>                       (resume driver tree)))])</a:t>
+            </a:r>
+          </a:p>
+          <a:p>
+            <a:r>
+              <a:rPr lang="en-US" dirty="0"/>
+              <a:t>           (traverse tree)</a:t>
+            </a:r>
+          </a:p>
+          <a:p>
+            <a:r>
+              <a:rPr lang="en-US" dirty="0"/>
+              <a:t>           (resume driver #f))))))</a:t>
+            </a:r>
+          </a:p>
+          <a:p>
+            <a:endParaRPr lang="en-US" dirty="0"/>
+          </a:p>
+        </p:txBody>
+      </p:sp>
+      <p:sp>
+        <p:nvSpPr>
+          <p:cNvPr id="5" name="TextBox 4"/>
+          <p:cNvSpPr txBox="1"/>
+          <p:nvPr/>
+        </p:nvSpPr>
+        <p:spPr>
+          <a:xfrm>
+            <a:off x="1524000" y="152401"/>
+            <a:ext cx="5334000" cy="6186309"/>
+          </a:xfrm>
+          <a:prstGeom prst="rect">
+            <a:avLst/>
+          </a:prstGeom>
+          <a:noFill/>
+        </p:spPr>
+        <p:txBody>
+          <a:bodyPr wrap="square" rtlCol="0">
+            <a:spAutoFit/>
+          </a:bodyPr>
+          <a:lstStyle/>
+          <a:p>
+            <a:endParaRPr lang="en-US" dirty="0"/>
+          </a:p>
+          <a:p>
+            <a:r>
+              <a:rPr lang="en-US" dirty="0"/>
+              <a:t>(define same-fringe</a:t>
+            </a:r>
+          </a:p>
+          <a:p>
+            <a:r>
+              <a:rPr lang="en-US" dirty="0"/>
+              <a:t>  (lambda (tree1 tree2)</a:t>
+            </a:r>
+          </a:p>
+          <a:p>
+            <a:r>
+              <a:rPr lang="en-US" dirty="0"/>
+              <a:t>    (call/cc</a:t>
+            </a:r>
+          </a:p>
+          <a:p>
+            <a:r>
+              <a:rPr lang="en-US" dirty="0"/>
+              <a:t>     (lambda (return-cont)</a:t>
+            </a:r>
+          </a:p>
+          <a:p>
+            <a:r>
+              <a:rPr lang="en-US" dirty="0"/>
+              <a:t>       (let ([co1 '()] [co2 '()] [driver '()])</a:t>
+            </a:r>
+          </a:p>
+          <a:p>
+            <a:r>
+              <a:rPr lang="en-US" dirty="0"/>
+              <a:t>         (set! driver</a:t>
+            </a:r>
+          </a:p>
+          <a:p>
+            <a:r>
+              <a:rPr lang="en-US" dirty="0"/>
+              <a:t>               (make-</a:t>
+            </a:r>
+            <a:r>
+              <a:rPr lang="en-US" dirty="0" err="1"/>
+              <a:t>coroutine</a:t>
+            </a:r>
+            <a:endParaRPr lang="en-US" dirty="0"/>
+          </a:p>
+          <a:p>
+            <a:r>
+              <a:rPr lang="en-US" dirty="0"/>
+              <a:t>                (lambda (init-value)</a:t>
+            </a:r>
+          </a:p>
+          <a:p>
+            <a:r>
+              <a:rPr lang="en-US" dirty="0"/>
+              <a:t>                  (let loop ()</a:t>
+            </a:r>
+          </a:p>
+          <a:p>
+            <a:r>
+              <a:rPr lang="en-US" dirty="0"/>
+              <a:t>                    (let ([leaf1 (resume co1 </a:t>
+            </a:r>
+            <a:br>
+              <a:rPr lang="en-US" dirty="0"/>
+            </a:br>
+            <a:r>
+              <a:rPr lang="en-US" dirty="0"/>
+              <a:t>                                                   '</a:t>
+            </a:r>
+            <a:r>
+              <a:rPr lang="en-US" dirty="0" err="1"/>
+              <a:t>whocares</a:t>
+            </a:r>
+            <a:r>
+              <a:rPr lang="en-US" dirty="0"/>
+              <a:t>)]</a:t>
+            </a:r>
+          </a:p>
+          <a:p>
+            <a:r>
+              <a:rPr lang="en-US" dirty="0"/>
+              <a:t>                          [leaf2 (resume co2 </a:t>
+            </a:r>
+          </a:p>
+          <a:p>
+            <a:r>
+              <a:rPr lang="en-US" dirty="0"/>
+              <a:t>                                                   'whocare2)])</a:t>
+            </a:r>
+          </a:p>
+          <a:p>
+            <a:r>
+              <a:rPr lang="en-US" dirty="0"/>
+              <a:t>                      (if (equal? leaf1 leaf2)</a:t>
+            </a:r>
+          </a:p>
+          <a:p>
+            <a:r>
+              <a:rPr lang="en-US" dirty="0"/>
+              <a:t>                          (if (</a:t>
+            </a:r>
+            <a:r>
+              <a:rPr lang="en-US" dirty="0" err="1"/>
+              <a:t>eq</a:t>
+            </a:r>
+            <a:r>
+              <a:rPr lang="en-US" dirty="0"/>
+              <a:t>? leaf1 #f) </a:t>
+            </a:r>
+            <a:br>
+              <a:rPr lang="en-US" dirty="0"/>
+            </a:br>
+            <a:r>
+              <a:rPr lang="en-US" dirty="0"/>
+              <a:t>                              (return-cont #t) </a:t>
+            </a:r>
+          </a:p>
+          <a:p>
+            <a:r>
+              <a:rPr lang="en-US" dirty="0"/>
+              <a:t>                              (loop))</a:t>
+            </a:r>
+          </a:p>
+          <a:p>
+            <a:r>
+              <a:rPr lang="en-US" dirty="0"/>
+              <a:t>                          (return-cont #f)))))))</a:t>
+            </a:r>
+          </a:p>
+          <a:p>
+            <a:r>
+              <a:rPr lang="en-US" dirty="0"/>
+              <a:t>         (set! co1 (make-</a:t>
+            </a:r>
+            <a:r>
+              <a:rPr lang="en-US" dirty="0" err="1"/>
+              <a:t>sf</a:t>
+            </a:r>
+            <a:r>
+              <a:rPr lang="en-US" dirty="0"/>
+              <a:t>-</a:t>
+            </a:r>
+            <a:r>
+              <a:rPr lang="en-US" dirty="0" err="1"/>
+              <a:t>coroutine</a:t>
+            </a:r>
+            <a:r>
+              <a:rPr lang="en-US" dirty="0"/>
+              <a:t> driver tree1))</a:t>
+            </a:r>
+          </a:p>
+          <a:p>
+            <a:r>
+              <a:rPr lang="en-US" dirty="0"/>
+              <a:t>         (set! co2 (make-</a:t>
+            </a:r>
+            <a:r>
+              <a:rPr lang="en-US" dirty="0" err="1"/>
+              <a:t>sf</a:t>
+            </a:r>
+            <a:r>
+              <a:rPr lang="en-US" dirty="0"/>
+              <a:t>-</a:t>
+            </a:r>
+            <a:r>
+              <a:rPr lang="en-US" dirty="0" err="1"/>
+              <a:t>coroutine</a:t>
+            </a:r>
+            <a:r>
+              <a:rPr lang="en-US" dirty="0"/>
+              <a:t> driver tree2))</a:t>
+            </a:r>
+          </a:p>
+          <a:p>
+            <a:r>
+              <a:rPr lang="en-US" dirty="0"/>
+              <a:t>         (driver '</a:t>
+            </a:r>
+            <a:r>
+              <a:rPr lang="en-US" dirty="0" err="1"/>
+              <a:t>Whatsittoya</a:t>
+            </a:r>
+            <a:r>
+              <a:rPr lang="en-US" dirty="0"/>
+              <a:t>?))))))</a:t>
+            </a:r>
+          </a:p>
+        </p:txBody>
+      </p:sp>
+    </p:spTree>
+    <p:extLst>
+      <p:ext uri="{BB962C8B-B14F-4D97-AF65-F5344CB8AC3E}">
+        <p14:creationId xmlns:p14="http://schemas.microsoft.com/office/powerpoint/2010/main" val="1207694950"/>
+      </p:ext>
+    </p:extLst>
+  </p:cSld>
+  <p:clrMapOvr>
+    <a:masterClrMapping/>
+  </p:clrMapOvr>
+</p:sld>
+</file>
+
+<file path=ppt/slides/slide27.xml><?xml version="1.0" encoding="utf-8"?>
+<p:sld xmlns:a="http://schemas.openxmlformats.org/drawingml/2006/main" xmlns:r="http://schemas.openxmlformats.org/officeDocument/2006/relationships" xmlns:p="http://schemas.openxmlformats.org/presentationml/2006/main">
+  <p:cSld>
+    <p:spTree>
+      <p:nvGrpSpPr>
+        <p:cNvPr id="1" name=""/>
+        <p:cNvGrpSpPr/>
+        <p:nvPr/>
+      </p:nvGrpSpPr>
+      <p:grpSpPr>
+        <a:xfrm>
+          <a:off x="0" y="0"/>
+          <a:ext cx="0" cy="0"/>
+          <a:chOff x="0" y="0"/>
+          <a:chExt cx="0" cy="0"/>
+        </a:xfrm>
+      </p:grpSpPr>
+      <p:sp>
+        <p:nvSpPr>
+          <p:cNvPr id="2" name="Title 1">
+            <a:extLst>
+              <a:ext uri="{FF2B5EF4-FFF2-40B4-BE49-F238E27FC236}">
+                <a16:creationId xmlns:a16="http://schemas.microsoft.com/office/drawing/2014/main" id="{676339CC-D362-43F8-A617-0084D61C2892}"/>
+              </a:ext>
+            </a:extLst>
+          </p:cNvPr>
+          <p:cNvSpPr>
+            <a:spLocks noGrp="1"/>
+          </p:cNvSpPr>
+          <p:nvPr>
+            <p:ph type="title"/>
+          </p:nvPr>
+        </p:nvSpPr>
+        <p:spPr/>
+        <p:txBody>
+          <a:bodyPr/>
+          <a:lstStyle/>
+          <a:p>
+            <a:r>
+              <a:rPr lang="en-US" dirty="0"/>
+              <a:t>Course evals</a:t>
+            </a:r>
+          </a:p>
+        </p:txBody>
+      </p:sp>
+      <p:sp>
+        <p:nvSpPr>
+          <p:cNvPr id="3" name="Content Placeholder 2">
+            <a:extLst>
+              <a:ext uri="{FF2B5EF4-FFF2-40B4-BE49-F238E27FC236}">
+                <a16:creationId xmlns:a16="http://schemas.microsoft.com/office/drawing/2014/main" id="{AE124A60-1A84-402B-8748-3D3E06D9E5B8}"/>
+              </a:ext>
+            </a:extLst>
+          </p:cNvPr>
+          <p:cNvSpPr>
+            <a:spLocks noGrp="1"/>
+          </p:cNvSpPr>
+          <p:nvPr>
+            <p:ph idx="1"/>
+          </p:nvPr>
+        </p:nvSpPr>
+        <p:spPr>
+          <a:xfrm>
+            <a:off x="609600" y="1219200"/>
+            <a:ext cx="10972800" cy="4525963"/>
+          </a:xfrm>
+        </p:spPr>
+        <p:txBody>
+          <a:bodyPr/>
+          <a:lstStyle/>
+          <a:p>
+            <a:r>
+              <a:rPr lang="en-US" dirty="0"/>
+              <a:t>I’d love to give extra credit to students who complete the  evaluation.</a:t>
+            </a:r>
+          </a:p>
+          <a:p>
+            <a:r>
+              <a:rPr lang="en-US" dirty="0"/>
+              <a:t>But I can never know who completed it.  </a:t>
+            </a:r>
+          </a:p>
+          <a:p>
+            <a:r>
+              <a:rPr lang="en-US" dirty="0"/>
+              <a:t>What I can see at any time is </a:t>
+            </a:r>
+            <a:r>
+              <a:rPr lang="en-US" b="1" dirty="0"/>
+              <a:t>how many </a:t>
+            </a:r>
+            <a:r>
+              <a:rPr lang="en-US" dirty="0"/>
+              <a:t>students from each section completed it.</a:t>
+            </a:r>
+          </a:p>
+          <a:p>
+            <a:r>
+              <a:rPr lang="en-US" dirty="0"/>
+              <a:t>I will give 5 extra-credit points on the final exam to everyone in a section if at least n-2 students complete the evaluation, where n is the number of students in that section.</a:t>
+            </a:r>
+          </a:p>
+        </p:txBody>
+      </p:sp>
+    </p:spTree>
+    <p:extLst>
+      <p:ext uri="{BB962C8B-B14F-4D97-AF65-F5344CB8AC3E}">
+        <p14:creationId xmlns:p14="http://schemas.microsoft.com/office/powerpoint/2010/main" val="3376190430"/>
+      </p:ext>
+    </p:extLst>
+  </p:cSld>
+  <p:clrMapOvr>
+    <a:masterClrMapping/>
+  </p:clrMapOvr>
+</p:sld>
+</file>
+
+<file path=ppt/slides/slide28.xml><?xml version="1.0" encoding="utf-8"?>
 <p:sld xmlns:a="http://schemas.openxmlformats.org/drawingml/2006/main" xmlns:r="http://schemas.openxmlformats.org/officeDocument/2006/relationships" xmlns:p="http://schemas.openxmlformats.org/presentationml/2006/main">
   <p:cSld>
     <p:spTree>
@@ -9510,475 +9379,7 @@
 </p:sld>
 </file>
 
-<file path=ppt/slides/slide30.xml><?xml version="1.0" encoding="utf-8"?>
-<p:sld xmlns:a="http://schemas.openxmlformats.org/drawingml/2006/main" xmlns:r="http://schemas.openxmlformats.org/officeDocument/2006/relationships" xmlns:p="http://schemas.openxmlformats.org/presentationml/2006/main">
-  <p:cSld>
-    <p:spTree>
-      <p:nvGrpSpPr>
-        <p:cNvPr id="1" name=""/>
-        <p:cNvGrpSpPr/>
-        <p:nvPr/>
-      </p:nvGrpSpPr>
-      <p:grpSpPr>
-        <a:xfrm>
-          <a:off x="0" y="0"/>
-          <a:ext cx="0" cy="0"/>
-          <a:chOff x="0" y="0"/>
-          <a:chExt cx="0" cy="0"/>
-        </a:xfrm>
-      </p:grpSpPr>
-      <p:sp>
-        <p:nvSpPr>
-          <p:cNvPr id="109570" name="Rectangle 2"/>
-          <p:cNvSpPr>
-            <a:spLocks noGrp="1" noChangeArrowheads="1"/>
-          </p:cNvSpPr>
-          <p:nvPr>
-            <p:ph type="title"/>
-          </p:nvPr>
-        </p:nvSpPr>
-        <p:spPr/>
-        <p:txBody>
-          <a:bodyPr/>
-          <a:lstStyle/>
-          <a:p>
-            <a:r>
-              <a:rPr lang="en-US"/>
-              <a:t>same-fringe </a:t>
-            </a:r>
-            <a:r>
-              <a:rPr lang="en-US" i="1"/>
-              <a:t>via </a:t>
-            </a:r>
-            <a:r>
-              <a:rPr lang="en-US"/>
-              <a:t>coroutines</a:t>
-            </a:r>
-          </a:p>
-        </p:txBody>
-      </p:sp>
-      <p:sp>
-        <p:nvSpPr>
-          <p:cNvPr id="4" name="Text Placeholder 3"/>
-          <p:cNvSpPr>
-            <a:spLocks noGrp="1"/>
-          </p:cNvSpPr>
-          <p:nvPr>
-            <p:ph type="body" idx="1"/>
-          </p:nvPr>
-        </p:nvSpPr>
-        <p:spPr/>
-        <p:txBody>
-          <a:bodyPr/>
-          <a:lstStyle/>
-          <a:p>
-            <a:endParaRPr lang="en-US"/>
-          </a:p>
-        </p:txBody>
-      </p:sp>
-    </p:spTree>
-    <p:extLst>
-      <p:ext uri="{BB962C8B-B14F-4D97-AF65-F5344CB8AC3E}">
-        <p14:creationId xmlns:p14="http://schemas.microsoft.com/office/powerpoint/2010/main" val="2039000614"/>
-      </p:ext>
-    </p:extLst>
-  </p:cSld>
-  <p:clrMapOvr>
-    <a:masterClrMapping/>
-  </p:clrMapOvr>
-</p:sld>
-</file>
-
-<file path=ppt/slides/slide31.xml><?xml version="1.0" encoding="utf-8"?>
-<p:sld xmlns:a="http://schemas.openxmlformats.org/drawingml/2006/main" xmlns:r="http://schemas.openxmlformats.org/officeDocument/2006/relationships" xmlns:p="http://schemas.openxmlformats.org/presentationml/2006/main">
-  <p:cSld>
-    <p:spTree>
-      <p:nvGrpSpPr>
-        <p:cNvPr id="1" name=""/>
-        <p:cNvGrpSpPr/>
-        <p:nvPr/>
-      </p:nvGrpSpPr>
-      <p:grpSpPr>
-        <a:xfrm>
-          <a:off x="0" y="0"/>
-          <a:ext cx="0" cy="0"/>
-          <a:chOff x="0" y="0"/>
-          <a:chExt cx="0" cy="0"/>
-        </a:xfrm>
-      </p:grpSpPr>
-      <p:sp>
-        <p:nvSpPr>
-          <p:cNvPr id="4" name="TextBox 3"/>
-          <p:cNvSpPr txBox="1"/>
-          <p:nvPr/>
-        </p:nvSpPr>
-        <p:spPr>
-          <a:xfrm>
-            <a:off x="6477000" y="248484"/>
-            <a:ext cx="4343400" cy="4247317"/>
-          </a:xfrm>
-          <a:prstGeom prst="rect">
-            <a:avLst/>
-          </a:prstGeom>
-          <a:noFill/>
-        </p:spPr>
-        <p:txBody>
-          <a:bodyPr wrap="square" rtlCol="0">
-            <a:spAutoFit/>
-          </a:bodyPr>
-          <a:lstStyle/>
-          <a:p>
-            <a:r>
-              <a:rPr lang="en-US" dirty="0"/>
-              <a:t>(define make-</a:t>
-            </a:r>
-            <a:r>
-              <a:rPr lang="en-US" dirty="0" err="1"/>
-              <a:t>sf</a:t>
-            </a:r>
-            <a:r>
-              <a:rPr lang="en-US" dirty="0"/>
-              <a:t>-</a:t>
-            </a:r>
-            <a:r>
-              <a:rPr lang="en-US" dirty="0" err="1"/>
-              <a:t>coroutine</a:t>
-            </a:r>
-            <a:endParaRPr lang="en-US" dirty="0"/>
-          </a:p>
-          <a:p>
-            <a:r>
-              <a:rPr lang="en-US" dirty="0"/>
-              <a:t>  (lambda (driver tree)</a:t>
-            </a:r>
-          </a:p>
-          <a:p>
-            <a:r>
-              <a:rPr lang="en-US" dirty="0"/>
-              <a:t>    (make-</a:t>
-            </a:r>
-            <a:r>
-              <a:rPr lang="en-US" dirty="0" err="1"/>
-              <a:t>coroutine</a:t>
-            </a:r>
-            <a:endParaRPr lang="en-US" dirty="0"/>
-          </a:p>
-          <a:p>
-            <a:r>
-              <a:rPr lang="en-US" dirty="0"/>
-              <a:t>     (lambda (init-value)</a:t>
-            </a:r>
-          </a:p>
-          <a:p>
-            <a:r>
-              <a:rPr lang="en-US" dirty="0"/>
-              <a:t>       (letrec ([traverse</a:t>
-            </a:r>
-          </a:p>
-          <a:p>
-            <a:r>
-              <a:rPr lang="en-US" dirty="0"/>
-              <a:t>                 (lambda (tree)</a:t>
-            </a:r>
-          </a:p>
-          <a:p>
-            <a:r>
-              <a:rPr lang="en-US" dirty="0"/>
-              <a:t>                   (if (pair? tree)</a:t>
-            </a:r>
-          </a:p>
-          <a:p>
-            <a:r>
-              <a:rPr lang="en-US" dirty="0"/>
-              <a:t>                       (begin</a:t>
-            </a:r>
-          </a:p>
-          <a:p>
-            <a:r>
-              <a:rPr lang="en-US" dirty="0"/>
-              <a:t>                          (traverse (car tree))</a:t>
-            </a:r>
-          </a:p>
-          <a:p>
-            <a:r>
-              <a:rPr lang="en-US" dirty="0"/>
-              <a:t>                          (if (pair? (</a:t>
-            </a:r>
-            <a:r>
-              <a:rPr lang="en-US" dirty="0" err="1"/>
-              <a:t>cdr</a:t>
-            </a:r>
-            <a:r>
-              <a:rPr lang="en-US" dirty="0"/>
-              <a:t> tree))</a:t>
-            </a:r>
-          </a:p>
-          <a:p>
-            <a:r>
-              <a:rPr lang="en-US" dirty="0"/>
-              <a:t>                              (traverse (</a:t>
-            </a:r>
-            <a:r>
-              <a:rPr lang="en-US" dirty="0" err="1"/>
-              <a:t>cdr</a:t>
-            </a:r>
-            <a:r>
-              <a:rPr lang="en-US" dirty="0"/>
-              <a:t> tree))))</a:t>
-            </a:r>
-          </a:p>
-          <a:p>
-            <a:r>
-              <a:rPr lang="en-US" dirty="0"/>
-              <a:t>                       (resume driver tree)))])</a:t>
-            </a:r>
-          </a:p>
-          <a:p>
-            <a:r>
-              <a:rPr lang="en-US" dirty="0"/>
-              <a:t>           (traverse tree)</a:t>
-            </a:r>
-          </a:p>
-          <a:p>
-            <a:r>
-              <a:rPr lang="en-US" dirty="0"/>
-              <a:t>           (resume driver #f))))))</a:t>
-            </a:r>
-          </a:p>
-          <a:p>
-            <a:endParaRPr lang="en-US" dirty="0"/>
-          </a:p>
-        </p:txBody>
-      </p:sp>
-      <p:sp>
-        <p:nvSpPr>
-          <p:cNvPr id="5" name="TextBox 4"/>
-          <p:cNvSpPr txBox="1"/>
-          <p:nvPr/>
-        </p:nvSpPr>
-        <p:spPr>
-          <a:xfrm>
-            <a:off x="1524000" y="152401"/>
-            <a:ext cx="5334000" cy="6186309"/>
-          </a:xfrm>
-          <a:prstGeom prst="rect">
-            <a:avLst/>
-          </a:prstGeom>
-          <a:noFill/>
-        </p:spPr>
-        <p:txBody>
-          <a:bodyPr wrap="square" rtlCol="0">
-            <a:spAutoFit/>
-          </a:bodyPr>
-          <a:lstStyle/>
-          <a:p>
-            <a:endParaRPr lang="en-US" dirty="0"/>
-          </a:p>
-          <a:p>
-            <a:r>
-              <a:rPr lang="en-US" dirty="0"/>
-              <a:t>(define same-fringe</a:t>
-            </a:r>
-          </a:p>
-          <a:p>
-            <a:r>
-              <a:rPr lang="en-US" dirty="0"/>
-              <a:t>  (lambda (tree1 tree2)</a:t>
-            </a:r>
-          </a:p>
-          <a:p>
-            <a:r>
-              <a:rPr lang="en-US" dirty="0"/>
-              <a:t>    (call/cc</a:t>
-            </a:r>
-          </a:p>
-          <a:p>
-            <a:r>
-              <a:rPr lang="en-US" dirty="0"/>
-              <a:t>     (lambda (return-cont)</a:t>
-            </a:r>
-          </a:p>
-          <a:p>
-            <a:r>
-              <a:rPr lang="en-US" dirty="0"/>
-              <a:t>       (let ([co1 '()] [co2 '()] [driver '()])</a:t>
-            </a:r>
-          </a:p>
-          <a:p>
-            <a:r>
-              <a:rPr lang="en-US" dirty="0"/>
-              <a:t>         (set! driver</a:t>
-            </a:r>
-          </a:p>
-          <a:p>
-            <a:r>
-              <a:rPr lang="en-US" dirty="0"/>
-              <a:t>               (make-</a:t>
-            </a:r>
-            <a:r>
-              <a:rPr lang="en-US" dirty="0" err="1"/>
-              <a:t>coroutine</a:t>
-            </a:r>
-            <a:endParaRPr lang="en-US" dirty="0"/>
-          </a:p>
-          <a:p>
-            <a:r>
-              <a:rPr lang="en-US" dirty="0"/>
-              <a:t>                (lambda (init-value)</a:t>
-            </a:r>
-          </a:p>
-          <a:p>
-            <a:r>
-              <a:rPr lang="en-US" dirty="0"/>
-              <a:t>                  (let loop ()</a:t>
-            </a:r>
-          </a:p>
-          <a:p>
-            <a:r>
-              <a:rPr lang="en-US" dirty="0"/>
-              <a:t>                    (let ([leaf1 (resume co1 </a:t>
-            </a:r>
-            <a:br>
-              <a:rPr lang="en-US" dirty="0"/>
-            </a:br>
-            <a:r>
-              <a:rPr lang="en-US" dirty="0"/>
-              <a:t>                                                   '</a:t>
-            </a:r>
-            <a:r>
-              <a:rPr lang="en-US" dirty="0" err="1"/>
-              <a:t>whocares</a:t>
-            </a:r>
-            <a:r>
-              <a:rPr lang="en-US" dirty="0"/>
-              <a:t>)]</a:t>
-            </a:r>
-          </a:p>
-          <a:p>
-            <a:r>
-              <a:rPr lang="en-US" dirty="0"/>
-              <a:t>                          [leaf2 (resume co2 </a:t>
-            </a:r>
-          </a:p>
-          <a:p>
-            <a:r>
-              <a:rPr lang="en-US" dirty="0"/>
-              <a:t>                                                   'whocare2)])</a:t>
-            </a:r>
-          </a:p>
-          <a:p>
-            <a:r>
-              <a:rPr lang="en-US" dirty="0"/>
-              <a:t>                      (if (equal? leaf1 leaf2)</a:t>
-            </a:r>
-          </a:p>
-          <a:p>
-            <a:r>
-              <a:rPr lang="en-US" dirty="0"/>
-              <a:t>                          (if (</a:t>
-            </a:r>
-            <a:r>
-              <a:rPr lang="en-US" dirty="0" err="1"/>
-              <a:t>eq</a:t>
-            </a:r>
-            <a:r>
-              <a:rPr lang="en-US" dirty="0"/>
-              <a:t>? leaf1 #f) </a:t>
-            </a:r>
-            <a:br>
-              <a:rPr lang="en-US" dirty="0"/>
-            </a:br>
-            <a:r>
-              <a:rPr lang="en-US" dirty="0"/>
-              <a:t>                              (return-cont #t) </a:t>
-            </a:r>
-          </a:p>
-          <a:p>
-            <a:r>
-              <a:rPr lang="en-US" dirty="0"/>
-              <a:t>                              (loop))</a:t>
-            </a:r>
-          </a:p>
-          <a:p>
-            <a:r>
-              <a:rPr lang="en-US" dirty="0"/>
-              <a:t>                          (return-cont #f)))))))</a:t>
-            </a:r>
-          </a:p>
-          <a:p>
-            <a:r>
-              <a:rPr lang="en-US" dirty="0"/>
-              <a:t>         (set! co1 (make-</a:t>
-            </a:r>
-            <a:r>
-              <a:rPr lang="en-US" dirty="0" err="1"/>
-              <a:t>sf</a:t>
-            </a:r>
-            <a:r>
-              <a:rPr lang="en-US" dirty="0"/>
-              <a:t>-</a:t>
-            </a:r>
-            <a:r>
-              <a:rPr lang="en-US" dirty="0" err="1"/>
-              <a:t>coroutine</a:t>
-            </a:r>
-            <a:r>
-              <a:rPr lang="en-US" dirty="0"/>
-              <a:t> driver tree1))</a:t>
-            </a:r>
-          </a:p>
-          <a:p>
-            <a:r>
-              <a:rPr lang="en-US" dirty="0"/>
-              <a:t>         (set! co2 (make-</a:t>
-            </a:r>
-            <a:r>
-              <a:rPr lang="en-US" dirty="0" err="1"/>
-              <a:t>sf</a:t>
-            </a:r>
-            <a:r>
-              <a:rPr lang="en-US" dirty="0"/>
-              <a:t>-</a:t>
-            </a:r>
-            <a:r>
-              <a:rPr lang="en-US" dirty="0" err="1"/>
-              <a:t>coroutine</a:t>
-            </a:r>
-            <a:r>
-              <a:rPr lang="en-US" dirty="0"/>
-              <a:t> driver tree2))</a:t>
-            </a:r>
-          </a:p>
-          <a:p>
-            <a:r>
-              <a:rPr lang="en-US" dirty="0"/>
-              <a:t>         (driver '</a:t>
-            </a:r>
-            <a:r>
-              <a:rPr lang="en-US" dirty="0" err="1"/>
-              <a:t>Whatsittoya</a:t>
-            </a:r>
-            <a:r>
-              <a:rPr lang="en-US" dirty="0"/>
-              <a:t>?))))))</a:t>
-            </a:r>
-          </a:p>
-        </p:txBody>
-      </p:sp>
-    </p:spTree>
-    <p:extLst>
-      <p:ext uri="{BB962C8B-B14F-4D97-AF65-F5344CB8AC3E}">
-        <p14:creationId xmlns:p14="http://schemas.microsoft.com/office/powerpoint/2010/main" val="356423784"/>
-      </p:ext>
-    </p:extLst>
-  </p:cSld>
-  <p:clrMapOvr>
-    <a:masterClrMapping/>
-  </p:clrMapOvr>
-</p:sld>
-</file>
-
-<file path=ppt/slides/slide4.xml><?xml version="1.0" encoding="utf-8"?>
+<file path=ppt/slides/slide29.xml><?xml version="1.0" encoding="utf-8"?>
 <p:sld xmlns:a="http://schemas.openxmlformats.org/drawingml/2006/main" xmlns:r="http://schemas.openxmlformats.org/officeDocument/2006/relationships" xmlns:p="http://schemas.openxmlformats.org/presentationml/2006/main">
   <p:cSld>
     <p:spTree>
@@ -10074,7 +9475,107 @@
 </p:sld>
 </file>
 
-<file path=ppt/slides/slide5.xml><?xml version="1.0" encoding="utf-8"?>
+<file path=ppt/slides/slide3.xml><?xml version="1.0" encoding="utf-8"?>
+<p:sld xmlns:a="http://schemas.openxmlformats.org/drawingml/2006/main" xmlns:r="http://schemas.openxmlformats.org/officeDocument/2006/relationships" xmlns:p="http://schemas.openxmlformats.org/presentationml/2006/main">
+  <p:cSld>
+    <p:spTree>
+      <p:nvGrpSpPr>
+        <p:cNvPr id="1" name=""/>
+        <p:cNvGrpSpPr/>
+        <p:nvPr/>
+      </p:nvGrpSpPr>
+      <p:grpSpPr>
+        <a:xfrm>
+          <a:off x="0" y="0"/>
+          <a:ext cx="0" cy="0"/>
+          <a:chOff x="0" y="0"/>
+          <a:chExt cx="0" cy="0"/>
+        </a:xfrm>
+      </p:grpSpPr>
+      <p:sp>
+        <p:nvSpPr>
+          <p:cNvPr id="2" name="Title 1">
+            <a:extLst>
+              <a:ext uri="{FF2B5EF4-FFF2-40B4-BE49-F238E27FC236}">
+                <a16:creationId xmlns:a16="http://schemas.microsoft.com/office/drawing/2014/main" id="{7B35E25C-9CA5-4A75-9234-1E1EF5D7DDC2}"/>
+              </a:ext>
+            </a:extLst>
+          </p:cNvPr>
+          <p:cNvSpPr>
+            <a:spLocks noGrp="1"/>
+          </p:cNvSpPr>
+          <p:nvPr>
+            <p:ph type="title"/>
+          </p:nvPr>
+        </p:nvSpPr>
+        <p:spPr>
+          <a:xfrm>
+            <a:off x="76200" y="274638"/>
+            <a:ext cx="11963400" cy="1143000"/>
+          </a:xfrm>
+        </p:spPr>
+        <p:txBody>
+          <a:bodyPr/>
+          <a:lstStyle/>
+          <a:p>
+            <a:r>
+              <a:rPr lang="en-US" dirty="0"/>
+              <a:t>Please be as honest and detailed as you can!</a:t>
+            </a:r>
+          </a:p>
+        </p:txBody>
+      </p:sp>
+      <p:sp>
+        <p:nvSpPr>
+          <p:cNvPr id="3" name="Content Placeholder 2">
+            <a:extLst>
+              <a:ext uri="{FF2B5EF4-FFF2-40B4-BE49-F238E27FC236}">
+                <a16:creationId xmlns:a16="http://schemas.microsoft.com/office/drawing/2014/main" id="{734A4FB0-84B6-4BAA-8B7B-51DB89FBE533}"/>
+              </a:ext>
+            </a:extLst>
+          </p:cNvPr>
+          <p:cNvSpPr>
+            <a:spLocks noGrp="1"/>
+          </p:cNvSpPr>
+          <p:nvPr>
+            <p:ph idx="1"/>
+          </p:nvPr>
+        </p:nvSpPr>
+        <p:spPr/>
+        <p:txBody>
+          <a:bodyPr/>
+          <a:lstStyle/>
+          <a:p>
+            <a:r>
+              <a:rPr lang="en-US" dirty="0"/>
+              <a:t>I often find it instructive if folks tell me how they came to understand concepts that were difficult for them</a:t>
+            </a:r>
+          </a:p>
+          <a:p>
+            <a:r>
+              <a:rPr lang="en-US" dirty="0"/>
+              <a:t>Complaints are useful too – just realize if your complaint is something like “this course should not be a requirement at all” its sort of beyond the scope of what I can accomplish</a:t>
+            </a:r>
+          </a:p>
+          <a:p>
+            <a:endParaRPr lang="en-US" dirty="0"/>
+          </a:p>
+        </p:txBody>
+      </p:sp>
+    </p:spTree>
+    <p:extLst>
+      <p:ext uri="{BB962C8B-B14F-4D97-AF65-F5344CB8AC3E}">
+        <p14:creationId xmlns:p14="http://schemas.microsoft.com/office/powerpoint/2010/main" val="3737567314"/>
+      </p:ext>
+    </p:extLst>
+  </p:cSld>
+  <p:clrMapOvr>
+    <a:masterClrMapping/>
+  </p:clrMapOvr>
+</p:sld>
+</file>
+
+<file path=ppt/slides/slide30.xml><?xml version="1.0" encoding="utf-8"?>
 <p:sld xmlns:a="http://schemas.openxmlformats.org/drawingml/2006/main" xmlns:r="http://schemas.openxmlformats.org/officeDocument/2006/relationships" xmlns:p="http://schemas.openxmlformats.org/presentationml/2006/main">
   <p:cSld>
     <p:spTree>
@@ -10175,7 +9676,7 @@
 </p:sld>
 </file>
 
-<file path=ppt/slides/slide6.xml><?xml version="1.0" encoding="utf-8"?>
+<file path=ppt/slides/slide31.xml><?xml version="1.0" encoding="utf-8"?>
 <p:sld xmlns:a="http://schemas.openxmlformats.org/drawingml/2006/main" xmlns:r="http://schemas.openxmlformats.org/officeDocument/2006/relationships" xmlns:p="http://schemas.openxmlformats.org/presentationml/2006/main">
   <p:cSld>
     <p:spTree>
@@ -10630,7 +10131,7 @@
 </p:sld>
 </file>
 
-<file path=ppt/slides/slide7.xml><?xml version="1.0" encoding="utf-8"?>
+<file path=ppt/slides/slide32.xml><?xml version="1.0" encoding="utf-8"?>
 <p:sld xmlns:a="http://schemas.openxmlformats.org/drawingml/2006/main" xmlns:r="http://schemas.openxmlformats.org/officeDocument/2006/relationships" xmlns:p="http://schemas.openxmlformats.org/presentationml/2006/main">
   <p:cSld>
     <p:spTree>
@@ -10808,7 +10309,7 @@
 </p:sld>
 </file>
 
-<file path=ppt/slides/slide8.xml><?xml version="1.0" encoding="utf-8"?>
+<file path=ppt/slides/slide33.xml><?xml version="1.0" encoding="utf-8"?>
 <p:sld xmlns:a="http://schemas.openxmlformats.org/drawingml/2006/main" xmlns:r="http://schemas.openxmlformats.org/officeDocument/2006/relationships" xmlns:p="http://schemas.openxmlformats.org/presentationml/2006/main">
   <p:cSld>
     <p:spTree>
@@ -11128,7 +10629,7 @@
 </p:sld>
 </file>
 
-<file path=ppt/slides/slide9.xml><?xml version="1.0" encoding="utf-8"?>
+<file path=ppt/slides/slide4.xml><?xml version="1.0" encoding="utf-8"?>
 <p:sld xmlns:a="http://schemas.openxmlformats.org/drawingml/2006/main" xmlns:r="http://schemas.openxmlformats.org/officeDocument/2006/relationships" xmlns:p="http://schemas.openxmlformats.org/presentationml/2006/main">
   <p:cSld>
     <p:spTree>
@@ -11238,7 +10739,7 @@
     </p:spTree>
     <p:extLst>
       <p:ext uri="{BB962C8B-B14F-4D97-AF65-F5344CB8AC3E}">
-        <p14:creationId xmlns:p14="http://schemas.microsoft.com/office/powerpoint/2010/main" val="411167819"/>
+        <p14:creationId xmlns:p14="http://schemas.microsoft.com/office/powerpoint/2010/main" val="810649289"/>
       </p:ext>
     </p:extLst>
   </p:cSld>
@@ -11246,6 +10747,1103 @@
     <a:masterClrMapping/>
   </p:clrMapOvr>
   <p:transition/>
+</p:sld>
+</file>
+
+<file path=ppt/slides/slide5.xml><?xml version="1.0" encoding="utf-8"?>
+<p:sld xmlns:a="http://schemas.openxmlformats.org/drawingml/2006/main" xmlns:r="http://schemas.openxmlformats.org/officeDocument/2006/relationships" xmlns:p="http://schemas.openxmlformats.org/presentationml/2006/main">
+  <p:cSld>
+    <p:spTree>
+      <p:nvGrpSpPr>
+        <p:cNvPr id="1" name=""/>
+        <p:cNvGrpSpPr/>
+        <p:nvPr/>
+      </p:nvGrpSpPr>
+      <p:grpSpPr>
+        <a:xfrm>
+          <a:off x="0" y="0"/>
+          <a:ext cx="0" cy="0"/>
+          <a:chOff x="0" y="0"/>
+          <a:chExt cx="0" cy="0"/>
+        </a:xfrm>
+      </p:grpSpPr>
+      <p:sp>
+        <p:nvSpPr>
+          <p:cNvPr id="4" name="Title 3">
+            <a:extLst>
+              <a:ext uri="{FF2B5EF4-FFF2-40B4-BE49-F238E27FC236}">
+                <a16:creationId xmlns:a16="http://schemas.microsoft.com/office/drawing/2014/main" id="{79BC89A3-F323-4B04-B2A8-FBE0FF20CE99}"/>
+              </a:ext>
+            </a:extLst>
+          </p:cNvPr>
+          <p:cNvSpPr>
+            <a:spLocks noGrp="1"/>
+          </p:cNvSpPr>
+          <p:nvPr>
+            <p:ph type="title"/>
+          </p:nvPr>
+        </p:nvSpPr>
+        <p:spPr>
+          <a:xfrm>
+            <a:off x="609600" y="-304800"/>
+            <a:ext cx="10972800" cy="1143000"/>
+          </a:xfrm>
+        </p:spPr>
+        <p:txBody>
+          <a:bodyPr/>
+          <a:lstStyle/>
+          <a:p>
+            <a:r>
+              <a:rPr lang="en-US" dirty="0"/>
+              <a:t>Coroutines are being introduced into C++</a:t>
+            </a:r>
+          </a:p>
+        </p:txBody>
+      </p:sp>
+      <p:sp>
+        <p:nvSpPr>
+          <p:cNvPr id="5" name="Content Placeholder 4">
+            <a:extLst>
+              <a:ext uri="{FF2B5EF4-FFF2-40B4-BE49-F238E27FC236}">
+                <a16:creationId xmlns:a16="http://schemas.microsoft.com/office/drawing/2014/main" id="{B66E29E1-D41A-4002-B261-263033B15F0B}"/>
+              </a:ext>
+            </a:extLst>
+          </p:cNvPr>
+          <p:cNvSpPr>
+            <a:spLocks noGrp="1"/>
+          </p:cNvSpPr>
+          <p:nvPr>
+            <p:ph idx="1"/>
+          </p:nvPr>
+        </p:nvSpPr>
+        <p:spPr/>
+        <p:txBody>
+          <a:bodyPr/>
+          <a:lstStyle/>
+          <a:p>
+            <a:endParaRPr lang="en-US"/>
+          </a:p>
+        </p:txBody>
+      </p:sp>
+      <p:pic>
+        <p:nvPicPr>
+          <p:cNvPr id="6" name="Picture 5">
+            <a:extLst>
+              <a:ext uri="{FF2B5EF4-FFF2-40B4-BE49-F238E27FC236}">
+                <a16:creationId xmlns:a16="http://schemas.microsoft.com/office/drawing/2014/main" id="{87341617-F2F7-42CD-B033-B1C48798BF28}"/>
+              </a:ext>
+            </a:extLst>
+          </p:cNvPr>
+          <p:cNvPicPr>
+            <a:picLocks noChangeAspect="1"/>
+          </p:cNvPicPr>
+          <p:nvPr/>
+        </p:nvPicPr>
+        <p:blipFill>
+          <a:blip r:embed="rId2"/>
+          <a:stretch>
+            <a:fillRect/>
+          </a:stretch>
+        </p:blipFill>
+        <p:spPr>
+          <a:xfrm>
+            <a:off x="0" y="628650"/>
+            <a:ext cx="9067800" cy="7185804"/>
+          </a:xfrm>
+          <a:prstGeom prst="rect">
+            <a:avLst/>
+          </a:prstGeom>
+        </p:spPr>
+      </p:pic>
+    </p:spTree>
+    <p:extLst>
+      <p:ext uri="{BB962C8B-B14F-4D97-AF65-F5344CB8AC3E}">
+        <p14:creationId xmlns:p14="http://schemas.microsoft.com/office/powerpoint/2010/main" val="3442580525"/>
+      </p:ext>
+    </p:extLst>
+  </p:cSld>
+  <p:clrMapOvr>
+    <a:masterClrMapping/>
+  </p:clrMapOvr>
+</p:sld>
+</file>
+
+<file path=ppt/slides/slide6.xml><?xml version="1.0" encoding="utf-8"?>
+<p:sld xmlns:a="http://schemas.openxmlformats.org/drawingml/2006/main" xmlns:r="http://schemas.openxmlformats.org/officeDocument/2006/relationships" xmlns:p="http://schemas.openxmlformats.org/presentationml/2006/main">
+  <p:cSld>
+    <p:spTree>
+      <p:nvGrpSpPr>
+        <p:cNvPr id="1" name=""/>
+        <p:cNvGrpSpPr/>
+        <p:nvPr/>
+      </p:nvGrpSpPr>
+      <p:grpSpPr>
+        <a:xfrm>
+          <a:off x="0" y="0"/>
+          <a:ext cx="0" cy="0"/>
+          <a:chOff x="0" y="0"/>
+          <a:chExt cx="0" cy="0"/>
+        </a:xfrm>
+      </p:grpSpPr>
+      <p:sp>
+        <p:nvSpPr>
+          <p:cNvPr id="2" name="Title 1">
+            <a:extLst>
+              <a:ext uri="{FF2B5EF4-FFF2-40B4-BE49-F238E27FC236}">
+                <a16:creationId xmlns:a16="http://schemas.microsoft.com/office/drawing/2014/main" id="{8C300165-125B-488E-BCCD-B61B56825964}"/>
+              </a:ext>
+            </a:extLst>
+          </p:cNvPr>
+          <p:cNvSpPr>
+            <a:spLocks noGrp="1"/>
+          </p:cNvSpPr>
+          <p:nvPr>
+            <p:ph type="title"/>
+          </p:nvPr>
+        </p:nvSpPr>
+        <p:spPr/>
+        <p:txBody>
+          <a:bodyPr/>
+          <a:lstStyle/>
+          <a:p>
+            <a:r>
+              <a:rPr lang="en-US" dirty="0"/>
+              <a:t>Coroutines in Kotlin</a:t>
+            </a:r>
+          </a:p>
+        </p:txBody>
+      </p:sp>
+      <p:sp>
+        <p:nvSpPr>
+          <p:cNvPr id="3" name="Content Placeholder 2">
+            <a:extLst>
+              <a:ext uri="{FF2B5EF4-FFF2-40B4-BE49-F238E27FC236}">
+                <a16:creationId xmlns:a16="http://schemas.microsoft.com/office/drawing/2014/main" id="{9F193B74-2F58-4F4B-9B0B-FE669D7A2B79}"/>
+              </a:ext>
+            </a:extLst>
+          </p:cNvPr>
+          <p:cNvSpPr>
+            <a:spLocks noGrp="1"/>
+          </p:cNvSpPr>
+          <p:nvPr>
+            <p:ph idx="1"/>
+          </p:nvPr>
+        </p:nvSpPr>
+        <p:spPr/>
+        <p:txBody>
+          <a:bodyPr/>
+          <a:lstStyle/>
+          <a:p>
+            <a:r>
+              <a:rPr lang="en-US">
+                <a:hlinkClick r:id="rId2"/>
+              </a:rPr>
+              <a:t>https://kotlinlang.org/docs/coroutines-overview.html</a:t>
+            </a:r>
+            <a:r>
+              <a:rPr lang="en-US"/>
+              <a:t> </a:t>
+            </a:r>
+          </a:p>
+        </p:txBody>
+      </p:sp>
+    </p:spTree>
+    <p:extLst>
+      <p:ext uri="{BB962C8B-B14F-4D97-AF65-F5344CB8AC3E}">
+        <p14:creationId xmlns:p14="http://schemas.microsoft.com/office/powerpoint/2010/main" val="301188897"/>
+      </p:ext>
+    </p:extLst>
+  </p:cSld>
+  <p:clrMapOvr>
+    <a:masterClrMapping/>
+  </p:clrMapOvr>
+</p:sld>
+</file>
+
+<file path=ppt/slides/slide7.xml><?xml version="1.0" encoding="utf-8"?>
+<p:sld xmlns:a="http://schemas.openxmlformats.org/drawingml/2006/main" xmlns:r="http://schemas.openxmlformats.org/officeDocument/2006/relationships" xmlns:p="http://schemas.openxmlformats.org/presentationml/2006/main">
+  <p:cSld>
+    <p:spTree>
+      <p:nvGrpSpPr>
+        <p:cNvPr id="1" name=""/>
+        <p:cNvGrpSpPr/>
+        <p:nvPr/>
+      </p:nvGrpSpPr>
+      <p:grpSpPr>
+        <a:xfrm>
+          <a:off x="0" y="0"/>
+          <a:ext cx="0" cy="0"/>
+          <a:chOff x="0" y="0"/>
+          <a:chExt cx="0" cy="0"/>
+        </a:xfrm>
+      </p:grpSpPr>
+      <p:sp>
+        <p:nvSpPr>
+          <p:cNvPr id="106498" name="Rectangle 2"/>
+          <p:cNvSpPr>
+            <a:spLocks noGrp="1" noChangeArrowheads="1"/>
+          </p:cNvSpPr>
+          <p:nvPr>
+            <p:ph type="title"/>
+          </p:nvPr>
+        </p:nvSpPr>
+        <p:spPr/>
+        <p:txBody>
+          <a:bodyPr/>
+          <a:lstStyle/>
+          <a:p>
+            <a:r>
+              <a:rPr lang="en-US" dirty="0"/>
+              <a:t>Coroutine </a:t>
+            </a:r>
+            <a:r>
+              <a:rPr lang="en-US" i="1" dirty="0"/>
+              <a:t>vs</a:t>
+            </a:r>
+            <a:r>
+              <a:rPr lang="en-US" dirty="0"/>
+              <a:t>. subroutine</a:t>
+            </a:r>
+          </a:p>
+        </p:txBody>
+      </p:sp>
+      <p:sp>
+        <p:nvSpPr>
+          <p:cNvPr id="106499" name="Rectangle 3"/>
+          <p:cNvSpPr>
+            <a:spLocks noGrp="1" noChangeArrowheads="1"/>
+          </p:cNvSpPr>
+          <p:nvPr>
+            <p:ph type="body" idx="1"/>
+          </p:nvPr>
+        </p:nvSpPr>
+        <p:spPr/>
+        <p:txBody>
+          <a:bodyPr/>
+          <a:lstStyle/>
+          <a:p>
+            <a:r>
+              <a:rPr lang="en-US" dirty="0"/>
+              <a:t>Subordination </a:t>
+            </a:r>
+            <a:r>
+              <a:rPr lang="en-US" i="1" dirty="0"/>
+              <a:t>vs</a:t>
+            </a:r>
+            <a:r>
+              <a:rPr lang="en-US" dirty="0"/>
+              <a:t>. equal partners</a:t>
+            </a:r>
+          </a:p>
+          <a:p>
+            <a:r>
+              <a:rPr lang="en-US" i="1" dirty="0"/>
+              <a:t>Apply a procedure vs</a:t>
+            </a:r>
+            <a:r>
+              <a:rPr lang="en-US" dirty="0"/>
+              <a:t>. </a:t>
+            </a:r>
+            <a:r>
+              <a:rPr lang="en-US" i="1" dirty="0"/>
+              <a:t>resume a coroutine</a:t>
+            </a:r>
+          </a:p>
+          <a:p>
+            <a:r>
+              <a:rPr lang="en-US" dirty="0"/>
+              <a:t>Monopoly analogy</a:t>
+            </a:r>
+          </a:p>
+          <a:p>
+            <a:r>
+              <a:rPr lang="en-US" dirty="0"/>
+              <a:t>Coroutines do not involve concurrency</a:t>
+            </a:r>
+          </a:p>
+        </p:txBody>
+      </p:sp>
+    </p:spTree>
+    <p:extLst>
+      <p:ext uri="{BB962C8B-B14F-4D97-AF65-F5344CB8AC3E}">
+        <p14:creationId xmlns:p14="http://schemas.microsoft.com/office/powerpoint/2010/main" val="2532260538"/>
+      </p:ext>
+    </p:extLst>
+  </p:cSld>
+  <p:clrMapOvr>
+    <a:masterClrMapping/>
+  </p:clrMapOvr>
+  <p:timing>
+    <p:tnLst>
+      <p:par>
+        <p:cTn id="1" dur="indefinite" restart="never" nodeType="tmRoot">
+          <p:childTnLst>
+            <p:seq concurrent="1" nextAc="seek">
+              <p:cTn id="2" dur="indefinite" nodeType="mainSeq">
+                <p:childTnLst>
+                  <p:par>
+                    <p:cTn id="3" fill="hold">
+                      <p:stCondLst>
+                        <p:cond delay="indefinite"/>
+                      </p:stCondLst>
+                      <p:childTnLst>
+                        <p:par>
+                          <p:cTn id="4" fill="hold">
+                            <p:stCondLst>
+                              <p:cond delay="0"/>
+                            </p:stCondLst>
+                            <p:childTnLst>
+                              <p:par>
+                                <p:cTn id="5" presetID="1" presetClass="entr" presetSubtype="0" fill="hold" nodeType="clickEffect">
+                                  <p:stCondLst>
+                                    <p:cond delay="0"/>
+                                  </p:stCondLst>
+                                  <p:childTnLst>
+                                    <p:set>
+                                      <p:cBhvr>
+                                        <p:cTn id="6" dur="1" fill="hold">
+                                          <p:stCondLst>
+                                            <p:cond delay="0"/>
+                                          </p:stCondLst>
+                                        </p:cTn>
+                                        <p:tgtEl>
+                                          <p:spTgt spid="106499">
+                                            <p:txEl>
+                                              <p:pRg st="0" end="0"/>
+                                            </p:txEl>
+                                          </p:spTgt>
+                                        </p:tgtEl>
+                                        <p:attrNameLst>
+                                          <p:attrName>style.visibility</p:attrName>
+                                        </p:attrNameLst>
+                                      </p:cBhvr>
+                                      <p:to>
+                                        <p:strVal val="visible"/>
+                                      </p:to>
+                                    </p:set>
+                                  </p:childTnLst>
+                                </p:cTn>
+                              </p:par>
+                            </p:childTnLst>
+                          </p:cTn>
+                        </p:par>
+                      </p:childTnLst>
+                    </p:cTn>
+                  </p:par>
+                  <p:par>
+                    <p:cTn id="7" fill="hold">
+                      <p:stCondLst>
+                        <p:cond delay="indefinite"/>
+                      </p:stCondLst>
+                      <p:childTnLst>
+                        <p:par>
+                          <p:cTn id="8" fill="hold">
+                            <p:stCondLst>
+                              <p:cond delay="0"/>
+                            </p:stCondLst>
+                            <p:childTnLst>
+                              <p:par>
+                                <p:cTn id="9" presetID="1" presetClass="entr" presetSubtype="0" fill="hold" nodeType="clickEffect">
+                                  <p:stCondLst>
+                                    <p:cond delay="0"/>
+                                  </p:stCondLst>
+                                  <p:childTnLst>
+                                    <p:set>
+                                      <p:cBhvr>
+                                        <p:cTn id="10" dur="1" fill="hold">
+                                          <p:stCondLst>
+                                            <p:cond delay="0"/>
+                                          </p:stCondLst>
+                                        </p:cTn>
+                                        <p:tgtEl>
+                                          <p:spTgt spid="106499">
+                                            <p:txEl>
+                                              <p:pRg st="1" end="1"/>
+                                            </p:txEl>
+                                          </p:spTgt>
+                                        </p:tgtEl>
+                                        <p:attrNameLst>
+                                          <p:attrName>style.visibility</p:attrName>
+                                        </p:attrNameLst>
+                                      </p:cBhvr>
+                                      <p:to>
+                                        <p:strVal val="visible"/>
+                                      </p:to>
+                                    </p:set>
+                                  </p:childTnLst>
+                                </p:cTn>
+                              </p:par>
+                            </p:childTnLst>
+                          </p:cTn>
+                        </p:par>
+                      </p:childTnLst>
+                    </p:cTn>
+                  </p:par>
+                  <p:par>
+                    <p:cTn id="11" fill="hold">
+                      <p:stCondLst>
+                        <p:cond delay="indefinite"/>
+                      </p:stCondLst>
+                      <p:childTnLst>
+                        <p:par>
+                          <p:cTn id="12" fill="hold">
+                            <p:stCondLst>
+                              <p:cond delay="0"/>
+                            </p:stCondLst>
+                            <p:childTnLst>
+                              <p:par>
+                                <p:cTn id="13" presetID="1" presetClass="entr" presetSubtype="0" fill="hold" nodeType="clickEffect">
+                                  <p:stCondLst>
+                                    <p:cond delay="0"/>
+                                  </p:stCondLst>
+                                  <p:childTnLst>
+                                    <p:set>
+                                      <p:cBhvr>
+                                        <p:cTn id="14" dur="1" fill="hold">
+                                          <p:stCondLst>
+                                            <p:cond delay="0"/>
+                                          </p:stCondLst>
+                                        </p:cTn>
+                                        <p:tgtEl>
+                                          <p:spTgt spid="106499">
+                                            <p:txEl>
+                                              <p:pRg st="2" end="2"/>
+                                            </p:txEl>
+                                          </p:spTgt>
+                                        </p:tgtEl>
+                                        <p:attrNameLst>
+                                          <p:attrName>style.visibility</p:attrName>
+                                        </p:attrNameLst>
+                                      </p:cBhvr>
+                                      <p:to>
+                                        <p:strVal val="visible"/>
+                                      </p:to>
+                                    </p:set>
+                                  </p:childTnLst>
+                                </p:cTn>
+                              </p:par>
+                            </p:childTnLst>
+                          </p:cTn>
+                        </p:par>
+                      </p:childTnLst>
+                    </p:cTn>
+                  </p:par>
+                  <p:par>
+                    <p:cTn id="15" fill="hold">
+                      <p:stCondLst>
+                        <p:cond delay="indefinite"/>
+                      </p:stCondLst>
+                      <p:childTnLst>
+                        <p:par>
+                          <p:cTn id="16" fill="hold">
+                            <p:stCondLst>
+                              <p:cond delay="0"/>
+                            </p:stCondLst>
+                            <p:childTnLst>
+                              <p:par>
+                                <p:cTn id="17" presetID="1" presetClass="entr" presetSubtype="0" fill="hold" nodeType="clickEffect">
+                                  <p:stCondLst>
+                                    <p:cond delay="0"/>
+                                  </p:stCondLst>
+                                  <p:childTnLst>
+                                    <p:set>
+                                      <p:cBhvr>
+                                        <p:cTn id="18" dur="1" fill="hold">
+                                          <p:stCondLst>
+                                            <p:cond delay="0"/>
+                                          </p:stCondLst>
+                                        </p:cTn>
+                                        <p:tgtEl>
+                                          <p:spTgt spid="106499">
+                                            <p:txEl>
+                                              <p:pRg st="3" end="3"/>
+                                            </p:txEl>
+                                          </p:spTgt>
+                                        </p:tgtEl>
+                                        <p:attrNameLst>
+                                          <p:attrName>style.visibility</p:attrName>
+                                        </p:attrNameLst>
+                                      </p:cBhvr>
+                                      <p:to>
+                                        <p:strVal val="visible"/>
+                                      </p:to>
+                                    </p:set>
+                                  </p:childTnLst>
+                                </p:cTn>
+                              </p:par>
+                            </p:childTnLst>
+                          </p:cTn>
+                        </p:par>
+                      </p:childTnLst>
+                    </p:cTn>
+                  </p:par>
+                </p:childTnLst>
+              </p:cTn>
+              <p:prevCondLst>
+                <p:cond evt="onPrev" delay="0">
+                  <p:tgtEl>
+                    <p:sldTgt/>
+                  </p:tgtEl>
+                </p:cond>
+              </p:prevCondLst>
+              <p:nextCondLst>
+                <p:cond evt="onNext" delay="0">
+                  <p:tgtEl>
+                    <p:sldTgt/>
+                  </p:tgtEl>
+                </p:cond>
+              </p:nextCondLst>
+            </p:seq>
+          </p:childTnLst>
+        </p:cTn>
+      </p:par>
+    </p:tnLst>
+  </p:timing>
+</p:sld>
+</file>
+
+<file path=ppt/slides/slide8.xml><?xml version="1.0" encoding="utf-8"?>
+<p:sld xmlns:a="http://schemas.openxmlformats.org/drawingml/2006/main" xmlns:r="http://schemas.openxmlformats.org/officeDocument/2006/relationships" xmlns:p="http://schemas.openxmlformats.org/presentationml/2006/main">
+  <p:cSld>
+    <p:spTree>
+      <p:nvGrpSpPr>
+        <p:cNvPr id="1" name=""/>
+        <p:cNvGrpSpPr/>
+        <p:nvPr/>
+      </p:nvGrpSpPr>
+      <p:grpSpPr>
+        <a:xfrm>
+          <a:off x="0" y="0"/>
+          <a:ext cx="0" cy="0"/>
+          <a:chOff x="0" y="0"/>
+          <a:chExt cx="0" cy="0"/>
+        </a:xfrm>
+      </p:grpSpPr>
+      <p:sp>
+        <p:nvSpPr>
+          <p:cNvPr id="107522" name="Rectangle 2"/>
+          <p:cNvSpPr>
+            <a:spLocks noGrp="1" noChangeArrowheads="1"/>
+          </p:cNvSpPr>
+          <p:nvPr>
+            <p:ph type="title"/>
+          </p:nvPr>
+        </p:nvSpPr>
+        <p:spPr>
+          <a:xfrm>
+            <a:off x="3071813" y="1125538"/>
+            <a:ext cx="7086600" cy="914400"/>
+          </a:xfrm>
+        </p:spPr>
+        <p:txBody>
+          <a:bodyPr/>
+          <a:lstStyle/>
+          <a:p>
+            <a:r>
+              <a:rPr lang="en-US" sz="4000" dirty="0"/>
+              <a:t>Example to illustrate coroutines</a:t>
+            </a:r>
+          </a:p>
+        </p:txBody>
+      </p:sp>
+      <p:sp>
+        <p:nvSpPr>
+          <p:cNvPr id="107523" name="Rectangle 3"/>
+          <p:cNvSpPr>
+            <a:spLocks noGrp="1" noChangeArrowheads="1"/>
+          </p:cNvSpPr>
+          <p:nvPr>
+            <p:ph type="body" idx="1"/>
+          </p:nvPr>
+        </p:nvSpPr>
+        <p:spPr>
+          <a:xfrm>
+            <a:off x="1981200" y="2312988"/>
+            <a:ext cx="8915400" cy="4876800"/>
+          </a:xfrm>
+        </p:spPr>
+        <p:txBody>
+          <a:bodyPr/>
+          <a:lstStyle/>
+          <a:p>
+            <a:r>
+              <a:rPr lang="en-US" dirty="0"/>
+              <a:t>(make-</a:t>
+            </a:r>
+            <a:r>
+              <a:rPr lang="en-US" dirty="0" err="1"/>
+              <a:t>coroutine</a:t>
+            </a:r>
+            <a:r>
+              <a:rPr lang="en-US" dirty="0"/>
+              <a:t> receiver) creates a </a:t>
+            </a:r>
+            <a:r>
+              <a:rPr lang="en-US" dirty="0" err="1"/>
+              <a:t>coroutine</a:t>
+            </a:r>
+            <a:r>
+              <a:rPr lang="en-US" dirty="0"/>
+              <a:t> that executes the code in </a:t>
+            </a:r>
+            <a:r>
+              <a:rPr lang="en-US" dirty="0">
+                <a:latin typeface="Courier New" pitchFamily="49" charset="0"/>
+              </a:rPr>
+              <a:t>receiver.</a:t>
+            </a:r>
+          </a:p>
+          <a:p>
+            <a:r>
+              <a:rPr lang="en-US" dirty="0">
+                <a:latin typeface="Courier New" pitchFamily="49" charset="0"/>
+              </a:rPr>
+              <a:t>(resume </a:t>
+            </a:r>
+            <a:r>
+              <a:rPr lang="en-US" dirty="0" err="1">
+                <a:latin typeface="Courier New" pitchFamily="49" charset="0"/>
+              </a:rPr>
+              <a:t>cor</a:t>
+            </a:r>
+            <a:r>
+              <a:rPr lang="en-US" dirty="0">
+                <a:latin typeface="Courier New" pitchFamily="49" charset="0"/>
+              </a:rPr>
+              <a:t> value) </a:t>
+            </a:r>
+            <a:r>
+              <a:rPr lang="en-US" dirty="0"/>
+              <a:t>resumes the </a:t>
+            </a:r>
+            <a:r>
+              <a:rPr lang="en-US" dirty="0" err="1">
+                <a:latin typeface="Courier New" pitchFamily="49" charset="0"/>
+              </a:rPr>
+              <a:t>cor</a:t>
+            </a:r>
+            <a:r>
+              <a:rPr lang="en-US" dirty="0">
+                <a:latin typeface="Courier New" pitchFamily="49" charset="0"/>
+              </a:rPr>
+              <a:t> </a:t>
+            </a:r>
+            <a:r>
+              <a:rPr lang="en-US" dirty="0" err="1"/>
+              <a:t>coroutine</a:t>
+            </a:r>
+            <a:r>
+              <a:rPr lang="en-US" dirty="0"/>
+              <a:t>.</a:t>
+            </a:r>
+          </a:p>
+          <a:p>
+            <a:pPr lvl="1">
+              <a:buFontTx/>
+              <a:buNone/>
+            </a:pPr>
+            <a:r>
+              <a:rPr lang="en-US" dirty="0"/>
+              <a:t>Examples are </a:t>
+            </a:r>
+            <a:r>
+              <a:rPr lang="en-US"/>
+              <a:t>in coroutines.ss</a:t>
+            </a:r>
+            <a:endParaRPr lang="en-US" dirty="0"/>
+          </a:p>
+          <a:p>
+            <a:pPr lvl="1">
+              <a:buFontTx/>
+              <a:buNone/>
+            </a:pPr>
+            <a:r>
+              <a:rPr lang="en-US" dirty="0"/>
+              <a:t>Running the first example:</a:t>
+            </a:r>
+          </a:p>
+          <a:p>
+            <a:pPr lvl="1"/>
+            <a:r>
+              <a:rPr lang="en-US" dirty="0">
+                <a:latin typeface="Courier New" pitchFamily="49" charset="0"/>
+              </a:rPr>
+              <a:t>&gt;</a:t>
+            </a:r>
+            <a:r>
+              <a:rPr lang="en-US" b="1" dirty="0">
+                <a:latin typeface="Courier New" pitchFamily="49" charset="0"/>
+              </a:rPr>
+              <a:t>(example)</a:t>
+            </a:r>
+            <a:endParaRPr lang="en-US" dirty="0">
+              <a:latin typeface="Courier New" pitchFamily="49" charset="0"/>
+            </a:endParaRPr>
+          </a:p>
+          <a:p>
+            <a:pPr lvl="1"/>
+            <a:r>
+              <a:rPr lang="en-US" dirty="0">
+                <a:latin typeface="Courier New" pitchFamily="49" charset="0"/>
+              </a:rPr>
+              <a:t>1-a 33 2-a 34 1-b 35 2-b 36 1-c 37</a:t>
+            </a:r>
+          </a:p>
+        </p:txBody>
+      </p:sp>
+    </p:spTree>
+    <p:extLst>
+      <p:ext uri="{BB962C8B-B14F-4D97-AF65-F5344CB8AC3E}">
+        <p14:creationId xmlns:p14="http://schemas.microsoft.com/office/powerpoint/2010/main" val="2990101727"/>
+      </p:ext>
+    </p:extLst>
+  </p:cSld>
+  <p:clrMapOvr>
+    <a:masterClrMapping/>
+  </p:clrMapOvr>
+</p:sld>
+</file>
+
+<file path=ppt/slides/slide9.xml><?xml version="1.0" encoding="utf-8"?>
+<p:sld xmlns:a="http://schemas.openxmlformats.org/drawingml/2006/main" xmlns:r="http://schemas.openxmlformats.org/officeDocument/2006/relationships" xmlns:p="http://schemas.openxmlformats.org/presentationml/2006/main">
+  <p:cSld>
+    <p:spTree>
+      <p:nvGrpSpPr>
+        <p:cNvPr id="1" name=""/>
+        <p:cNvGrpSpPr/>
+        <p:nvPr/>
+      </p:nvGrpSpPr>
+      <p:grpSpPr>
+        <a:xfrm>
+          <a:off x="0" y="0"/>
+          <a:ext cx="0" cy="0"/>
+          <a:chOff x="0" y="0"/>
+          <a:chExt cx="0" cy="0"/>
+        </a:xfrm>
+      </p:grpSpPr>
+      <p:sp>
+        <p:nvSpPr>
+          <p:cNvPr id="4" name="TextBox 3"/>
+          <p:cNvSpPr txBox="1"/>
+          <p:nvPr/>
+        </p:nvSpPr>
+        <p:spPr>
+          <a:xfrm>
+            <a:off x="228600" y="304800"/>
+            <a:ext cx="10210800" cy="6463308"/>
+          </a:xfrm>
+          <a:prstGeom prst="rect">
+            <a:avLst/>
+          </a:prstGeom>
+          <a:noFill/>
+        </p:spPr>
+        <p:txBody>
+          <a:bodyPr wrap="square" rtlCol="0">
+            <a:spAutoFit/>
+          </a:bodyPr>
+          <a:lstStyle/>
+          <a:p>
+            <a:r>
+              <a:rPr lang="en-US" sz="2200" dirty="0"/>
+              <a:t> </a:t>
+            </a:r>
+            <a:r>
+              <a:rPr lang="en-US" sz="2200" b="1" dirty="0" err="1">
+                <a:solidFill>
+                  <a:srgbClr val="FF0000"/>
+                </a:solidFill>
+              </a:rPr>
+              <a:t>Coroutine</a:t>
+            </a:r>
+            <a:r>
+              <a:rPr lang="en-US" sz="2200" b="1" dirty="0">
+                <a:solidFill>
+                  <a:srgbClr val="FF0000"/>
+                </a:solidFill>
+              </a:rPr>
+              <a:t> example  adapted from EoPL, first edition, Chapter 9</a:t>
+            </a:r>
+          </a:p>
+          <a:p>
+            <a:endParaRPr lang="en-US" dirty="0"/>
+          </a:p>
+          <a:p>
+            <a:r>
+              <a:rPr lang="en-US" dirty="0"/>
+              <a:t>(define example </a:t>
+            </a:r>
+          </a:p>
+          <a:p>
+            <a:r>
+              <a:rPr lang="en-US" dirty="0"/>
+              <a:t>  (lambda ()</a:t>
+            </a:r>
+          </a:p>
+          <a:p>
+            <a:r>
+              <a:rPr lang="en-US" dirty="0"/>
+              <a:t>    (call/cc</a:t>
+            </a:r>
+          </a:p>
+          <a:p>
+            <a:r>
+              <a:rPr lang="en-US" dirty="0"/>
+              <a:t>     (lambda  (return-cont)</a:t>
+            </a:r>
+          </a:p>
+          <a:p>
+            <a:r>
+              <a:rPr lang="en-US" dirty="0"/>
+              <a:t>       (let ([co1 'undefined]</a:t>
+            </a:r>
+          </a:p>
+          <a:p>
+            <a:r>
+              <a:rPr lang="en-US" dirty="0"/>
+              <a:t>             [co2 'undefined])</a:t>
+            </a:r>
+          </a:p>
+          <a:p>
+            <a:r>
+              <a:rPr lang="en-US" dirty="0"/>
+              <a:t>         (set! co1 (make-</a:t>
+            </a:r>
+            <a:r>
+              <a:rPr lang="en-US" dirty="0" err="1"/>
+              <a:t>coroutine</a:t>
+            </a:r>
+            <a:endParaRPr lang="en-US" dirty="0"/>
+          </a:p>
+          <a:p>
+            <a:r>
+              <a:rPr lang="en-US" dirty="0"/>
+              <a:t>                    (lambda (init-val1)</a:t>
+            </a:r>
+          </a:p>
+          <a:p>
+            <a:r>
+              <a:rPr lang="en-US" dirty="0"/>
+              <a:t>                      (display " 1-a ")</a:t>
+            </a:r>
+          </a:p>
+          <a:p>
+            <a:r>
+              <a:rPr lang="en-US" dirty="0"/>
+              <a:t>                      (display init-val1)</a:t>
+            </a:r>
+          </a:p>
+          <a:p>
+            <a:r>
+              <a:rPr lang="en-US" dirty="0"/>
+              <a:t>                      (set! init-val1</a:t>
+            </a:r>
+          </a:p>
+          <a:p>
+            <a:r>
+              <a:rPr lang="en-US" dirty="0"/>
+              <a:t>                            (resume co2 </a:t>
+            </a:r>
+            <a:br>
+              <a:rPr lang="en-US" dirty="0"/>
+            </a:br>
+            <a:r>
+              <a:rPr lang="en-US" dirty="0"/>
+              <a:t>                                          (+ 1 init-val1)))</a:t>
+            </a:r>
+          </a:p>
+          <a:p>
+            <a:r>
+              <a:rPr lang="en-US" dirty="0"/>
+              <a:t>                      (display " 1-b ")</a:t>
+            </a:r>
+          </a:p>
+          <a:p>
+            <a:r>
+              <a:rPr lang="en-US" dirty="0"/>
+              <a:t>                      (display init-val1)</a:t>
+            </a:r>
+          </a:p>
+          <a:p>
+            <a:r>
+              <a:rPr lang="en-US" dirty="0"/>
+              <a:t>                      (set! init-val1</a:t>
+            </a:r>
+          </a:p>
+          <a:p>
+            <a:r>
+              <a:rPr lang="en-US" dirty="0"/>
+              <a:t>                            (resume co2 </a:t>
+            </a:r>
+            <a:br>
+              <a:rPr lang="en-US" dirty="0"/>
+            </a:br>
+            <a:r>
+              <a:rPr lang="en-US" dirty="0"/>
+              <a:t>                                          (+ 1 init-val1)))</a:t>
+            </a:r>
+          </a:p>
+          <a:p>
+            <a:r>
+              <a:rPr lang="en-US" dirty="0"/>
+              <a:t>	        (display " 1-c ")</a:t>
+            </a:r>
+          </a:p>
+          <a:p>
+            <a:r>
+              <a:rPr lang="en-US" dirty="0"/>
+              <a:t>                      (return-cont init-val1))))</a:t>
+            </a:r>
+          </a:p>
+          <a:p>
+            <a:r>
+              <a:rPr lang="en-US" dirty="0"/>
+              <a:t>        </a:t>
+            </a:r>
+          </a:p>
+        </p:txBody>
+      </p:sp>
+      <p:sp>
+        <p:nvSpPr>
+          <p:cNvPr id="5" name="TextBox 4"/>
+          <p:cNvSpPr txBox="1"/>
+          <p:nvPr/>
+        </p:nvSpPr>
+        <p:spPr>
+          <a:xfrm>
+            <a:off x="6400800" y="838201"/>
+            <a:ext cx="4419600" cy="5078313"/>
+          </a:xfrm>
+          <a:prstGeom prst="rect">
+            <a:avLst/>
+          </a:prstGeom>
+          <a:noFill/>
+        </p:spPr>
+        <p:txBody>
+          <a:bodyPr wrap="square" rtlCol="0">
+            <a:spAutoFit/>
+          </a:bodyPr>
+          <a:lstStyle/>
+          <a:p>
+            <a:r>
+              <a:rPr lang="en-US" dirty="0"/>
+              <a:t>  (set! co2 (make-</a:t>
+            </a:r>
+            <a:r>
+              <a:rPr lang="en-US" dirty="0" err="1"/>
+              <a:t>coroutine</a:t>
+            </a:r>
+            <a:endParaRPr lang="en-US" dirty="0"/>
+          </a:p>
+          <a:p>
+            <a:r>
+              <a:rPr lang="en-US" dirty="0"/>
+              <a:t>                    (lambda  (init-val2)</a:t>
+            </a:r>
+          </a:p>
+          <a:p>
+            <a:r>
+              <a:rPr lang="en-US" dirty="0"/>
+              <a:t>                      (display " 2-a ")</a:t>
+            </a:r>
+          </a:p>
+          <a:p>
+            <a:r>
+              <a:rPr lang="en-US" dirty="0"/>
+              <a:t>                      (display init-val2)</a:t>
+            </a:r>
+          </a:p>
+          <a:p>
+            <a:r>
+              <a:rPr lang="en-US" dirty="0"/>
+              <a:t>                      (set! init-val2</a:t>
+            </a:r>
+          </a:p>
+          <a:p>
+            <a:r>
+              <a:rPr lang="en-US" dirty="0"/>
+              <a:t>                            (resume co1 </a:t>
+            </a:r>
+            <a:br>
+              <a:rPr lang="en-US" dirty="0"/>
+            </a:br>
+            <a:r>
+              <a:rPr lang="en-US" dirty="0"/>
+              <a:t>                                         (+ 1 init-val2)))</a:t>
+            </a:r>
+          </a:p>
+          <a:p>
+            <a:r>
+              <a:rPr lang="en-US" dirty="0"/>
+              <a:t>                      (display " 2-b ")</a:t>
+            </a:r>
+          </a:p>
+          <a:p>
+            <a:r>
+              <a:rPr lang="en-US" dirty="0"/>
+              <a:t>                      (display init-val2)</a:t>
+            </a:r>
+          </a:p>
+          <a:p>
+            <a:r>
+              <a:rPr lang="en-US" dirty="0"/>
+              <a:t>                      (set! init-val2</a:t>
+            </a:r>
+          </a:p>
+          <a:p>
+            <a:r>
+              <a:rPr lang="en-US" dirty="0"/>
+              <a:t>                            (resume co1</a:t>
+            </a:r>
+            <a:br>
+              <a:rPr lang="en-US" dirty="0"/>
+            </a:br>
+            <a:r>
+              <a:rPr lang="en-US" dirty="0"/>
+              <a:t>                                         (+ 1 init-val2)))</a:t>
+            </a:r>
+          </a:p>
+          <a:p>
+            <a:r>
+              <a:rPr lang="en-US" dirty="0"/>
+              <a:t>	        (display " 2-c "))))</a:t>
+            </a:r>
+          </a:p>
+          <a:p>
+            <a:r>
+              <a:rPr lang="en-US" dirty="0"/>
+              <a:t>         (co1 33))))))</a:t>
+            </a:r>
+          </a:p>
+          <a:p>
+            <a:endParaRPr lang="en-US" dirty="0"/>
+          </a:p>
+          <a:p>
+            <a:r>
+              <a:rPr lang="en-US" dirty="0"/>
+              <a:t>;; &gt;(example)</a:t>
+            </a:r>
+          </a:p>
+          <a:p>
+            <a:r>
+              <a:rPr lang="en-US" dirty="0"/>
+              <a:t>;;  1-a 33 2-a 34 1-b 35 2-b 36 1-c 37</a:t>
+            </a:r>
+          </a:p>
+          <a:p>
+            <a:endParaRPr lang="en-US" dirty="0"/>
+          </a:p>
+        </p:txBody>
+      </p:sp>
+    </p:spTree>
+    <p:extLst>
+      <p:ext uri="{BB962C8B-B14F-4D97-AF65-F5344CB8AC3E}">
+        <p14:creationId xmlns:p14="http://schemas.microsoft.com/office/powerpoint/2010/main" val="129248325"/>
+      </p:ext>
+    </p:extLst>
+  </p:cSld>
+  <p:clrMapOvr>
+    <a:masterClrMapping/>
+  </p:clrMapOvr>
 </p:sld>
 </file>
 

--- a/ClassMaterials/RefParamsCorountines/37_refParams_coroutines.pptx
+++ b/ClassMaterials/RefParamsCorountines/37_refParams_coroutines.pptx
@@ -191,16 +191,32 @@
 </p:presentation>
 </file>
 
-<file path=ppt/revisionInfo.xml><?xml version="1.0" encoding="utf-8"?>
-<p1510:revInfo xmlns:a="http://schemas.openxmlformats.org/drawingml/2006/main" xmlns:r="http://schemas.openxmlformats.org/officeDocument/2006/relationships" xmlns:p1510="http://schemas.microsoft.com/office/powerpoint/2015/10/main">
-  <p1510:revLst>
-    <p1510:client id="{0BFB2295-5BD8-4317-B4D2-52CE0DAFAEB3}" v="1" dt="2021-11-11T14:40:31.034"/>
-  </p1510:revLst>
-</p1510:revInfo>
-</file>
-
 <file path=ppt/changesInfos/changesInfo1.xml><?xml version="1.0" encoding="utf-8"?>
 <pc:chgInfo xmlns:a="http://schemas.openxmlformats.org/drawingml/2006/main" xmlns:r="http://schemas.openxmlformats.org/officeDocument/2006/relationships" xmlns:ac="http://schemas.microsoft.com/office/drawing/2013/main/command" xmlns:pc="http://schemas.microsoft.com/office/powerpoint/2013/main/command">
+  <pc:docChgLst>
+    <pc:chgData name="Hewner, Mike" userId="7f3f83dd-6dfb-4127-a87f-c1714bd4fac9" providerId="ADAL" clId="{76FEDA98-5770-4FC9-97FA-A79D546FBB83}"/>
+    <pc:docChg chg="modSld">
+      <pc:chgData name="Hewner, Mike" userId="7f3f83dd-6dfb-4127-a87f-c1714bd4fac9" providerId="ADAL" clId="{76FEDA98-5770-4FC9-97FA-A79D546FBB83}" dt="2022-02-17T15:52:01.625" v="4" actId="20577"/>
+      <pc:docMkLst>
+        <pc:docMk/>
+      </pc:docMkLst>
+      <pc:sldChg chg="modSp mod">
+        <pc:chgData name="Hewner, Mike" userId="7f3f83dd-6dfb-4127-a87f-c1714bd4fac9" providerId="ADAL" clId="{76FEDA98-5770-4FC9-97FA-A79D546FBB83}" dt="2022-02-17T15:52:01.625" v="4" actId="20577"/>
+        <pc:sldMkLst>
+          <pc:docMk/>
+          <pc:sldMk cId="3041442255" sldId="456"/>
+        </pc:sldMkLst>
+        <pc:spChg chg="mod">
+          <ac:chgData name="Hewner, Mike" userId="7f3f83dd-6dfb-4127-a87f-c1714bd4fac9" providerId="ADAL" clId="{76FEDA98-5770-4FC9-97FA-A79D546FBB83}" dt="2022-02-17T15:52:01.625" v="4" actId="20577"/>
+          <ac:spMkLst>
+            <pc:docMk/>
+            <pc:sldMk cId="3041442255" sldId="456"/>
+            <ac:spMk id="3" creationId="{F443D27E-0E16-482F-B4CC-A5D0813F0C6B}"/>
+          </ac:spMkLst>
+        </pc:spChg>
+      </pc:sldChg>
+    </pc:docChg>
+  </pc:docChgLst>
   <pc:docChgLst>
     <pc:chgData name="Hewner, Mike" userId="7f3f83dd-6dfb-4127-a87f-c1714bd4fac9" providerId="ADAL" clId="{0BFB2295-5BD8-4317-B4D2-52CE0DAFAEB3}"/>
     <pc:docChg chg="custSel addSld delSld modSld">
@@ -6460,7 +6476,15 @@
           <a:p>
             <a:r>
               <a:rPr lang="en-US" dirty="0"/>
-              <a:t>Teaching a course for the first time is always a little rough…especially a course with a lot of difficult content</a:t>
+              <a:t>Teaching a course for the </a:t>
+            </a:r>
+            <a:r>
+              <a:rPr lang="en-US"/>
+              <a:t>first few times </a:t>
+            </a:r>
+            <a:r>
+              <a:rPr lang="en-US" dirty="0"/>
+              <a:t>is always a little rough…especially a course with a lot of difficult content</a:t>
             </a:r>
           </a:p>
           <a:p>

--- a/ClassMaterials/RefParamsCorountines/37_refParams_coroutines.pptx
+++ b/ClassMaterials/RefParamsCorountines/37_refParams_coroutines.pptx
@@ -5,10 +5,10 @@
     <p:sldMasterId id="2147483648" r:id="rId1"/>
   </p:sldMasterIdLst>
   <p:notesMasterIdLst>
-    <p:notesMasterId r:id="rId35"/>
+    <p:notesMasterId r:id="rId31"/>
   </p:notesMasterIdLst>
   <p:handoutMasterIdLst>
-    <p:handoutMasterId r:id="rId36"/>
+    <p:handoutMasterId r:id="rId32"/>
   </p:handoutMasterIdLst>
   <p:sldIdLst>
     <p:sldId id="304" r:id="rId2"/>
@@ -40,10 +40,6 @@
     <p:sldId id="454" r:id="rId28"/>
     <p:sldId id="401" r:id="rId29"/>
     <p:sldId id="400" r:id="rId30"/>
-    <p:sldId id="448" r:id="rId31"/>
-    <p:sldId id="450" r:id="rId32"/>
-    <p:sldId id="451" r:id="rId33"/>
-    <p:sldId id="452" r:id="rId34"/>
   </p:sldIdLst>
   <p:sldSz cx="12192000" cy="6858000"/>
   <p:notesSz cx="7315200" cy="9601200"/>
@@ -193,6 +189,43 @@
 
 <file path=ppt/changesInfos/changesInfo1.xml><?xml version="1.0" encoding="utf-8"?>
 <pc:chgInfo xmlns:a="http://schemas.openxmlformats.org/drawingml/2006/main" xmlns:r="http://schemas.openxmlformats.org/officeDocument/2006/relationships" xmlns:ac="http://schemas.microsoft.com/office/drawing/2013/main/command" xmlns:pc="http://schemas.microsoft.com/office/powerpoint/2013/main/command">
+  <pc:docChgLst>
+    <pc:chgData name="Mike Hewner" userId="7f3f83dd-6dfb-4127-a87f-c1714bd4fac9" providerId="ADAL" clId="{1757374B-378E-457D-BEFA-6C2F4048CEC8}"/>
+    <pc:docChg chg="delSld">
+      <pc:chgData name="Mike Hewner" userId="7f3f83dd-6dfb-4127-a87f-c1714bd4fac9" providerId="ADAL" clId="{1757374B-378E-457D-BEFA-6C2F4048CEC8}" dt="2022-10-31T13:47:56.073" v="1" actId="47"/>
+      <pc:docMkLst>
+        <pc:docMk/>
+      </pc:docMkLst>
+      <pc:sldChg chg="del">
+        <pc:chgData name="Mike Hewner" userId="7f3f83dd-6dfb-4127-a87f-c1714bd4fac9" providerId="ADAL" clId="{1757374B-378E-457D-BEFA-6C2F4048CEC8}" dt="2022-10-31T13:47:56.073" v="1" actId="47"/>
+        <pc:sldMkLst>
+          <pc:docMk/>
+          <pc:sldMk cId="3014537070" sldId="448"/>
+        </pc:sldMkLst>
+      </pc:sldChg>
+      <pc:sldChg chg="del">
+        <pc:chgData name="Mike Hewner" userId="7f3f83dd-6dfb-4127-a87f-c1714bd4fac9" providerId="ADAL" clId="{1757374B-378E-457D-BEFA-6C2F4048CEC8}" dt="2022-10-31T13:47:56.073" v="1" actId="47"/>
+        <pc:sldMkLst>
+          <pc:docMk/>
+          <pc:sldMk cId="387688988" sldId="450"/>
+        </pc:sldMkLst>
+      </pc:sldChg>
+      <pc:sldChg chg="del">
+        <pc:chgData name="Mike Hewner" userId="7f3f83dd-6dfb-4127-a87f-c1714bd4fac9" providerId="ADAL" clId="{1757374B-378E-457D-BEFA-6C2F4048CEC8}" dt="2022-10-31T13:47:56.073" v="1" actId="47"/>
+        <pc:sldMkLst>
+          <pc:docMk/>
+          <pc:sldMk cId="1500992104" sldId="451"/>
+        </pc:sldMkLst>
+      </pc:sldChg>
+      <pc:sldChg chg="del">
+        <pc:chgData name="Mike Hewner" userId="7f3f83dd-6dfb-4127-a87f-c1714bd4fac9" providerId="ADAL" clId="{1757374B-378E-457D-BEFA-6C2F4048CEC8}" dt="2022-10-31T13:47:04.952" v="0" actId="47"/>
+        <pc:sldMkLst>
+          <pc:docMk/>
+          <pc:sldMk cId="2142160123" sldId="452"/>
+        </pc:sldMkLst>
+      </pc:sldChg>
+    </pc:docChg>
+  </pc:docChgLst>
   <pc:docChgLst>
     <pc:chgData name="Hewner, Mike" userId="7f3f83dd-6dfb-4127-a87f-c1714bd4fac9" providerId="ADAL" clId="{76FEDA98-5770-4FC9-97FA-A79D546FBB83}"/>
     <pc:docChg chg="modSld">
@@ -1568,99 +1601,6 @@
 </p:notes>
 </file>
 
-<file path=ppt/notesSlides/notesSlide4.xml><?xml version="1.0" encoding="utf-8"?>
-<p:notes xmlns:a="http://schemas.openxmlformats.org/drawingml/2006/main" xmlns:r="http://schemas.openxmlformats.org/officeDocument/2006/relationships" xmlns:p="http://schemas.openxmlformats.org/presentationml/2006/main">
-  <p:cSld>
-    <p:spTree>
-      <p:nvGrpSpPr>
-        <p:cNvPr id="1" name=""/>
-        <p:cNvGrpSpPr/>
-        <p:nvPr/>
-      </p:nvGrpSpPr>
-      <p:grpSpPr>
-        <a:xfrm>
-          <a:off x="0" y="0"/>
-          <a:ext cx="0" cy="0"/>
-          <a:chOff x="0" y="0"/>
-          <a:chExt cx="0" cy="0"/>
-        </a:xfrm>
-      </p:grpSpPr>
-      <p:sp>
-        <p:nvSpPr>
-          <p:cNvPr id="2" name="Slide Image Placeholder 1"/>
-          <p:cNvSpPr>
-            <a:spLocks noGrp="1" noRot="1" noChangeAspect="1"/>
-          </p:cNvSpPr>
-          <p:nvPr>
-            <p:ph type="sldImg"/>
-          </p:nvPr>
-        </p:nvSpPr>
-        <p:spPr>
-          <a:xfrm>
-            <a:off x="457200" y="720725"/>
-            <a:ext cx="6400800" cy="3600450"/>
-          </a:xfrm>
-        </p:spPr>
-      </p:sp>
-      <p:sp>
-        <p:nvSpPr>
-          <p:cNvPr id="3" name="Notes Placeholder 2"/>
-          <p:cNvSpPr>
-            <a:spLocks noGrp="1"/>
-          </p:cNvSpPr>
-          <p:nvPr>
-            <p:ph type="body" idx="1"/>
-          </p:nvPr>
-        </p:nvSpPr>
-        <p:spPr/>
-        <p:txBody>
-          <a:bodyPr/>
-          <a:lstStyle/>
-          <a:p>
-            <a:r>
-              <a:rPr lang="en-US" dirty="0"/>
-              <a:t>Draw the diagram on the board</a:t>
-            </a:r>
-          </a:p>
-        </p:txBody>
-      </p:sp>
-      <p:sp>
-        <p:nvSpPr>
-          <p:cNvPr id="4" name="Slide Number Placeholder 3"/>
-          <p:cNvSpPr>
-            <a:spLocks noGrp="1"/>
-          </p:cNvSpPr>
-          <p:nvPr>
-            <p:ph type="sldNum" sz="quarter" idx="5"/>
-          </p:nvPr>
-        </p:nvSpPr>
-        <p:spPr/>
-        <p:txBody>
-          <a:bodyPr/>
-          <a:lstStyle/>
-          <a:p>
-            <a:fld id="{76265C54-799C-4F9B-B21B-5E9FC6A82654}" type="slidenum">
-              <a:rPr lang="en-US" smtClean="0"/>
-              <a:pPr/>
-              <a:t>31</a:t>
-            </a:fld>
-            <a:endParaRPr lang="en-US"/>
-          </a:p>
-        </p:txBody>
-      </p:sp>
-    </p:spTree>
-    <p:extLst>
-      <p:ext uri="{BB962C8B-B14F-4D97-AF65-F5344CB8AC3E}">
-        <p14:creationId xmlns:p14="http://schemas.microsoft.com/office/powerpoint/2010/main" val="3977948186"/>
-      </p:ext>
-    </p:extLst>
-  </p:cSld>
-  <p:clrMapOvr>
-    <a:masterClrMapping/>
-  </p:clrMapOvr>
-</p:notes>
-</file>
-
 <file path=ppt/slideLayouts/slideLayout1.xml><?xml version="1.0" encoding="utf-8"?>
 <p:sldLayout xmlns:a="http://schemas.openxmlformats.org/drawingml/2006/main" xmlns:r="http://schemas.openxmlformats.org/officeDocument/2006/relationships" xmlns:p="http://schemas.openxmlformats.org/presentationml/2006/main" type="title" preserve="1">
   <p:cSld name="Title Slide">
@@ -9590,1060 +9530,6 @@
     <p:extLst>
       <p:ext uri="{BB962C8B-B14F-4D97-AF65-F5344CB8AC3E}">
         <p14:creationId xmlns:p14="http://schemas.microsoft.com/office/powerpoint/2010/main" val="3737567314"/>
-      </p:ext>
-    </p:extLst>
-  </p:cSld>
-  <p:clrMapOvr>
-    <a:masterClrMapping/>
-  </p:clrMapOvr>
-</p:sld>
-</file>
-
-<file path=ppt/slides/slide30.xml><?xml version="1.0" encoding="utf-8"?>
-<p:sld xmlns:a="http://schemas.openxmlformats.org/drawingml/2006/main" xmlns:r="http://schemas.openxmlformats.org/officeDocument/2006/relationships" xmlns:p="http://schemas.openxmlformats.org/presentationml/2006/main">
-  <p:cSld>
-    <p:spTree>
-      <p:nvGrpSpPr>
-        <p:cNvPr id="1" name=""/>
-        <p:cNvGrpSpPr/>
-        <p:nvPr/>
-      </p:nvGrpSpPr>
-      <p:grpSpPr>
-        <a:xfrm>
-          <a:off x="0" y="0"/>
-          <a:ext cx="0" cy="0"/>
-          <a:chOff x="0" y="0"/>
-          <a:chExt cx="0" cy="0"/>
-        </a:xfrm>
-      </p:grpSpPr>
-      <p:sp>
-        <p:nvSpPr>
-          <p:cNvPr id="2" name="Title 1">
-            <a:extLst>
-              <a:ext uri="{FF2B5EF4-FFF2-40B4-BE49-F238E27FC236}">
-                <a16:creationId xmlns:a16="http://schemas.microsoft.com/office/drawing/2014/main" id="{E39C180B-8782-4028-9DF9-7A67CDC0B0F9}"/>
-              </a:ext>
-            </a:extLst>
-          </p:cNvPr>
-          <p:cNvSpPr>
-            <a:spLocks noGrp="1"/>
-          </p:cNvSpPr>
-          <p:nvPr>
-            <p:ph type="title"/>
-          </p:nvPr>
-        </p:nvSpPr>
-        <p:spPr/>
-        <p:txBody>
-          <a:bodyPr/>
-          <a:lstStyle/>
-          <a:p>
-            <a:r>
-              <a:rPr lang="en-US" dirty="0"/>
-              <a:t>Implementing Reference parameters</a:t>
-            </a:r>
-          </a:p>
-        </p:txBody>
-      </p:sp>
-      <p:sp>
-        <p:nvSpPr>
-          <p:cNvPr id="3" name="Text Placeholder 2">
-            <a:extLst>
-              <a:ext uri="{FF2B5EF4-FFF2-40B4-BE49-F238E27FC236}">
-                <a16:creationId xmlns:a16="http://schemas.microsoft.com/office/drawing/2014/main" id="{A8C68B11-491F-41D4-BA61-3791853199C3}"/>
-              </a:ext>
-            </a:extLst>
-          </p:cNvPr>
-          <p:cNvSpPr>
-            <a:spLocks noGrp="1"/>
-          </p:cNvSpPr>
-          <p:nvPr>
-            <p:ph type="body" idx="1"/>
-          </p:nvPr>
-        </p:nvSpPr>
-        <p:spPr>
-          <a:xfrm>
-            <a:off x="2838452" y="1943101"/>
-            <a:ext cx="4887515" cy="1125140"/>
-          </a:xfrm>
-        </p:spPr>
-        <p:txBody>
-          <a:bodyPr/>
-          <a:lstStyle/>
-          <a:p>
-            <a:r>
-              <a:rPr lang="en-US" sz="2100" dirty="0"/>
-              <a:t>For definiteness, I use an “each value in an environment is in a cell” approach.</a:t>
-            </a:r>
-            <a:br>
-              <a:rPr lang="en-US" sz="2100" dirty="0"/>
-            </a:br>
-            <a:br>
-              <a:rPr lang="en-US" sz="2100" dirty="0"/>
-            </a:br>
-            <a:r>
-              <a:rPr lang="en-US" sz="2100" dirty="0"/>
-              <a:t>This should be easily adaptable to the “vector of values” or ”list of values” approaches to references.</a:t>
-            </a:r>
-          </a:p>
-        </p:txBody>
-      </p:sp>
-    </p:spTree>
-    <p:extLst>
-      <p:ext uri="{BB962C8B-B14F-4D97-AF65-F5344CB8AC3E}">
-        <p14:creationId xmlns:p14="http://schemas.microsoft.com/office/powerpoint/2010/main" val="3014537070"/>
-      </p:ext>
-    </p:extLst>
-  </p:cSld>
-  <p:clrMapOvr>
-    <a:masterClrMapping/>
-  </p:clrMapOvr>
-</p:sld>
-</file>
-
-<file path=ppt/slides/slide31.xml><?xml version="1.0" encoding="utf-8"?>
-<p:sld xmlns:a="http://schemas.openxmlformats.org/drawingml/2006/main" xmlns:r="http://schemas.openxmlformats.org/officeDocument/2006/relationships" xmlns:p="http://schemas.openxmlformats.org/presentationml/2006/main">
-  <p:cSld>
-    <p:spTree>
-      <p:nvGrpSpPr>
-        <p:cNvPr id="1" name=""/>
-        <p:cNvGrpSpPr/>
-        <p:nvPr/>
-      </p:nvGrpSpPr>
-      <p:grpSpPr>
-        <a:xfrm>
-          <a:off x="0" y="0"/>
-          <a:ext cx="0" cy="0"/>
-          <a:chOff x="0" y="0"/>
-          <a:chExt cx="0" cy="0"/>
-        </a:xfrm>
-      </p:grpSpPr>
-      <p:sp>
-        <p:nvSpPr>
-          <p:cNvPr id="3" name="Content Placeholder 2">
-            <a:extLst>
-              <a:ext uri="{FF2B5EF4-FFF2-40B4-BE49-F238E27FC236}">
-                <a16:creationId xmlns:a16="http://schemas.microsoft.com/office/drawing/2014/main" id="{CE98D5F7-052A-400E-800B-6D599061E750}"/>
-              </a:ext>
-            </a:extLst>
-          </p:cNvPr>
-          <p:cNvSpPr>
-            <a:spLocks noGrp="1"/>
-          </p:cNvSpPr>
-          <p:nvPr>
-            <p:ph idx="1"/>
-          </p:nvPr>
-        </p:nvSpPr>
-        <p:spPr>
-          <a:xfrm>
-            <a:off x="457200" y="845219"/>
-            <a:ext cx="9925050" cy="3965972"/>
-          </a:xfrm>
-        </p:spPr>
-        <p:txBody>
-          <a:bodyPr/>
-          <a:lstStyle/>
-          <a:p>
-            <a:pPr marL="0" indent="0">
-              <a:buNone/>
-            </a:pPr>
-            <a:r>
-              <a:rPr lang="en-US" sz="1800" b="1" dirty="0">
-                <a:latin typeface="Courier New" panose="02070309020205020404" pitchFamily="49" charset="0"/>
-                <a:cs typeface="Courier New" panose="02070309020205020404" pitchFamily="49" charset="0"/>
-              </a:rPr>
-              <a:t>(let ([a 3]</a:t>
-            </a:r>
-          </a:p>
-          <a:p>
-            <a:pPr marL="0" indent="0">
-              <a:buNone/>
-            </a:pPr>
-            <a:r>
-              <a:rPr lang="en-US" sz="1800" b="1" dirty="0">
-                <a:latin typeface="Courier New" panose="02070309020205020404" pitchFamily="49" charset="0"/>
-                <a:cs typeface="Courier New" panose="02070309020205020404" pitchFamily="49" charset="0"/>
-              </a:rPr>
-              <a:t>      [b 4]</a:t>
-            </a:r>
-          </a:p>
-          <a:p>
-            <a:pPr marL="0" indent="0">
-              <a:buNone/>
-            </a:pPr>
-            <a:r>
-              <a:rPr lang="en-US" sz="1800" b="1" dirty="0">
-                <a:latin typeface="Courier New" panose="02070309020205020404" pitchFamily="49" charset="0"/>
-                <a:cs typeface="Courier New" panose="02070309020205020404" pitchFamily="49" charset="0"/>
-              </a:rPr>
-              <a:t>      [rotate (lambda (x (ref y) (ref z)) </a:t>
-            </a:r>
-          </a:p>
-          <a:p>
-            <a:pPr marL="0" indent="0">
-              <a:buNone/>
-            </a:pPr>
-            <a:r>
-              <a:rPr lang="en-US" sz="1800" b="1" dirty="0">
-                <a:latin typeface="Courier New" panose="02070309020205020404" pitchFamily="49" charset="0"/>
-                <a:cs typeface="Courier New" panose="02070309020205020404" pitchFamily="49" charset="0"/>
-              </a:rPr>
-              <a:t>		(let ([temp x])</a:t>
-            </a:r>
-          </a:p>
-          <a:p>
-            <a:pPr marL="0" indent="0">
-              <a:buNone/>
-            </a:pPr>
-            <a:r>
-              <a:rPr lang="en-US" sz="1800" b="1" dirty="0">
-                <a:latin typeface="Courier New" panose="02070309020205020404" pitchFamily="49" charset="0"/>
-                <a:cs typeface="Courier New" panose="02070309020205020404" pitchFamily="49" charset="0"/>
-              </a:rPr>
-              <a:t>		  (set! x y)</a:t>
-            </a:r>
-          </a:p>
-          <a:p>
-            <a:pPr marL="0" indent="0">
-              <a:buNone/>
-            </a:pPr>
-            <a:r>
-              <a:rPr lang="en-US" sz="1800" b="1" dirty="0">
-                <a:latin typeface="Courier New" panose="02070309020205020404" pitchFamily="49" charset="0"/>
-                <a:cs typeface="Courier New" panose="02070309020205020404" pitchFamily="49" charset="0"/>
-              </a:rPr>
-              <a:t>		  (set! y z)</a:t>
-            </a:r>
-          </a:p>
-          <a:p>
-            <a:pPr marL="0" indent="0">
-              <a:buNone/>
-            </a:pPr>
-            <a:r>
-              <a:rPr lang="en-US" sz="1800" b="1" dirty="0">
-                <a:latin typeface="Courier New" panose="02070309020205020404" pitchFamily="49" charset="0"/>
-                <a:cs typeface="Courier New" panose="02070309020205020404" pitchFamily="49" charset="0"/>
-              </a:rPr>
-              <a:t>		  (set! z temp)</a:t>
-            </a:r>
-          </a:p>
-          <a:p>
-            <a:pPr marL="0" indent="0">
-              <a:buNone/>
-            </a:pPr>
-            <a:r>
-              <a:rPr lang="en-US" sz="1800" b="1" dirty="0">
-                <a:latin typeface="Courier New" panose="02070309020205020404" pitchFamily="49" charset="0"/>
-                <a:cs typeface="Courier New" panose="02070309020205020404" pitchFamily="49" charset="0"/>
-              </a:rPr>
-              <a:t>		  (list x y z)))])</a:t>
-            </a:r>
-          </a:p>
-          <a:p>
-            <a:pPr marL="0" indent="0">
-              <a:buNone/>
-            </a:pPr>
-            <a:r>
-              <a:rPr lang="en-US" sz="1800" b="1" dirty="0">
-                <a:latin typeface="Courier New" panose="02070309020205020404" pitchFamily="49" charset="0"/>
-                <a:cs typeface="Courier New" panose="02070309020205020404" pitchFamily="49" charset="0"/>
-              </a:rPr>
-              <a:t>  (let ([result (rotate a b (+ a b))])</a:t>
-            </a:r>
-          </a:p>
-          <a:p>
-            <a:pPr marL="0" indent="0">
-              <a:buNone/>
-            </a:pPr>
-            <a:r>
-              <a:rPr lang="en-US" sz="1800" b="1" dirty="0">
-                <a:latin typeface="Courier New" panose="02070309020205020404" pitchFamily="49" charset="0"/>
-                <a:cs typeface="Courier New" panose="02070309020205020404" pitchFamily="49" charset="0"/>
-              </a:rPr>
-              <a:t>    (list a b result)))</a:t>
-            </a:r>
-          </a:p>
-          <a:p>
-            <a:pPr marL="0" indent="0">
-              <a:buNone/>
-            </a:pPr>
-            <a:endParaRPr lang="en-US" sz="675" b="1" dirty="0">
-              <a:latin typeface="Courier New" panose="02070309020205020404" pitchFamily="49" charset="0"/>
-              <a:cs typeface="Courier New" panose="02070309020205020404" pitchFamily="49" charset="0"/>
-            </a:endParaRPr>
-          </a:p>
-          <a:p>
-            <a:pPr marL="0" indent="0">
-              <a:buNone/>
-            </a:pPr>
-            <a:r>
-              <a:rPr lang="en-US" sz="2400" b="1" dirty="0">
-                <a:solidFill>
-                  <a:srgbClr val="FF0000"/>
-                </a:solidFill>
-                <a:cs typeface="Courier New" panose="02070309020205020404" pitchFamily="49" charset="0"/>
-              </a:rPr>
-              <a:t>What interpreter changes are needed before we call </a:t>
-            </a:r>
-            <a:r>
-              <a:rPr lang="en-US" sz="2400" b="1" dirty="0">
-                <a:solidFill>
-                  <a:srgbClr val="FF0000"/>
-                </a:solidFill>
-                <a:latin typeface="Courier New" panose="02070309020205020404" pitchFamily="49" charset="0"/>
-                <a:cs typeface="Courier New" panose="02070309020205020404" pitchFamily="49" charset="0"/>
-              </a:rPr>
-              <a:t>apply-proc</a:t>
-            </a:r>
-            <a:r>
-              <a:rPr lang="en-US" sz="2400" b="1" dirty="0">
-                <a:solidFill>
-                  <a:srgbClr val="FF0000"/>
-                </a:solidFill>
-                <a:cs typeface="Courier New" panose="02070309020205020404" pitchFamily="49" charset="0"/>
-              </a:rPr>
-              <a:t>?  </a:t>
-            </a:r>
-            <a:r>
-              <a:rPr lang="en-US" sz="1600" b="1" dirty="0">
-                <a:solidFill>
-                  <a:schemeClr val="accent1">
-                    <a:lumMod val="10000"/>
-                  </a:schemeClr>
-                </a:solidFill>
-                <a:cs typeface="Courier New" panose="02070309020205020404" pitchFamily="49" charset="0"/>
-              </a:rPr>
-              <a:t>Mainly a change to </a:t>
-            </a:r>
-            <a:r>
-              <a:rPr lang="en-US" sz="1600" b="1" dirty="0">
-                <a:solidFill>
-                  <a:schemeClr val="accent1">
-                    <a:lumMod val="10000"/>
-                  </a:schemeClr>
-                </a:solidFill>
-                <a:latin typeface="Courier New" panose="02070309020205020404" pitchFamily="49" charset="0"/>
-                <a:cs typeface="Courier New" panose="02070309020205020404" pitchFamily="49" charset="0"/>
-              </a:rPr>
-              <a:t>eval-</a:t>
-            </a:r>
-            <a:r>
-              <a:rPr lang="en-US" sz="1600" b="1" dirty="0" err="1">
-                <a:solidFill>
-                  <a:schemeClr val="accent1">
-                    <a:lumMod val="10000"/>
-                  </a:schemeClr>
-                </a:solidFill>
-                <a:latin typeface="Courier New" panose="02070309020205020404" pitchFamily="49" charset="0"/>
-                <a:cs typeface="Courier New" panose="02070309020205020404" pitchFamily="49" charset="0"/>
-              </a:rPr>
-              <a:t>rands</a:t>
-            </a:r>
-            <a:r>
-              <a:rPr lang="en-US" sz="1600" b="1" dirty="0">
-                <a:solidFill>
-                  <a:schemeClr val="accent1">
-                    <a:lumMod val="10000"/>
-                  </a:schemeClr>
-                </a:solidFill>
-                <a:cs typeface="Courier New" panose="02070309020205020404" pitchFamily="49" charset="0"/>
-              </a:rPr>
-              <a:t>: return a list of cells instead of a list of values.</a:t>
-            </a:r>
-            <a:br>
-              <a:rPr lang="en-US" sz="1600" b="1" dirty="0">
-                <a:solidFill>
-                  <a:schemeClr val="accent1">
-                    <a:lumMod val="10000"/>
-                  </a:schemeClr>
-                </a:solidFill>
-                <a:cs typeface="Courier New" panose="02070309020205020404" pitchFamily="49" charset="0"/>
-              </a:rPr>
-            </a:br>
-            <a:endParaRPr lang="en-US" sz="1600" b="1" dirty="0">
-              <a:solidFill>
-                <a:schemeClr val="accent1">
-                  <a:lumMod val="10000"/>
-                </a:schemeClr>
-              </a:solidFill>
-              <a:cs typeface="Courier New" panose="02070309020205020404" pitchFamily="49" charset="0"/>
-            </a:endParaRPr>
-          </a:p>
-          <a:p>
-            <a:pPr marL="0" indent="0">
-              <a:buNone/>
-            </a:pPr>
-            <a:r>
-              <a:rPr lang="en-US" sz="2400" b="1" dirty="0">
-                <a:solidFill>
-                  <a:srgbClr val="FF3300"/>
-                </a:solidFill>
-                <a:cs typeface="Courier New" panose="02070309020205020404" pitchFamily="49" charset="0"/>
-              </a:rPr>
-              <a:t>What interpreter changes are needed in the </a:t>
-            </a:r>
-            <a:r>
-              <a:rPr lang="en-US" sz="2400" b="1" dirty="0">
-                <a:solidFill>
-                  <a:srgbClr val="FF3300"/>
-                </a:solidFill>
-                <a:latin typeface="Courier New" panose="02070309020205020404" pitchFamily="49" charset="0"/>
-                <a:cs typeface="Courier New" panose="02070309020205020404" pitchFamily="49" charset="0"/>
-              </a:rPr>
-              <a:t>apply-proc</a:t>
-            </a:r>
-            <a:r>
-              <a:rPr lang="en-US" sz="2400" b="1" dirty="0">
-                <a:solidFill>
-                  <a:srgbClr val="FF3300"/>
-                </a:solidFill>
-                <a:cs typeface="Courier New" panose="02070309020205020404" pitchFamily="49" charset="0"/>
-              </a:rPr>
-              <a:t> closure case?  </a:t>
-            </a:r>
-            <a:r>
-              <a:rPr lang="en-US" sz="1600" b="1" dirty="0">
-                <a:solidFill>
-                  <a:schemeClr val="accent1">
-                    <a:lumMod val="10000"/>
-                  </a:schemeClr>
-                </a:solidFill>
-                <a:cs typeface="Courier New" panose="02070309020205020404" pitchFamily="49" charset="0"/>
-              </a:rPr>
-              <a:t>If it’s not a </a:t>
-            </a:r>
-            <a:r>
-              <a:rPr lang="en-US" sz="1600" b="1" dirty="0">
-                <a:solidFill>
-                  <a:schemeClr val="accent1">
-                    <a:lumMod val="10000"/>
-                  </a:schemeClr>
-                </a:solidFill>
-                <a:latin typeface="Courier New" panose="02070309020205020404" pitchFamily="49" charset="0"/>
-                <a:cs typeface="Courier New" panose="02070309020205020404" pitchFamily="49" charset="0"/>
-              </a:rPr>
-              <a:t>ref</a:t>
-            </a:r>
-            <a:r>
-              <a:rPr lang="en-US" sz="1600" b="1" dirty="0">
-                <a:solidFill>
-                  <a:schemeClr val="accent1">
-                    <a:lumMod val="10000"/>
-                  </a:schemeClr>
-                </a:solidFill>
-                <a:cs typeface="Courier New" panose="02070309020205020404" pitchFamily="49" charset="0"/>
-              </a:rPr>
-              <a:t> param, put the corresponding argument value in a </a:t>
-            </a:r>
-            <a:r>
-              <a:rPr lang="en-US" sz="1600" b="1" i="1" dirty="0">
-                <a:solidFill>
-                  <a:schemeClr val="accent1">
-                    <a:lumMod val="10000"/>
-                  </a:schemeClr>
-                </a:solidFill>
-                <a:cs typeface="Courier New" panose="02070309020205020404" pitchFamily="49" charset="0"/>
-              </a:rPr>
-              <a:t>new</a:t>
-            </a:r>
-            <a:r>
-              <a:rPr lang="en-US" sz="1600" b="1" dirty="0">
-                <a:solidFill>
-                  <a:schemeClr val="accent1">
-                    <a:lumMod val="10000"/>
-                  </a:schemeClr>
-                </a:solidFill>
-                <a:cs typeface="Courier New" panose="02070309020205020404" pitchFamily="49" charset="0"/>
-              </a:rPr>
-              <a:t> cell.</a:t>
-            </a:r>
-            <a:endParaRPr lang="en-US" sz="2400" b="1" dirty="0">
-              <a:solidFill>
-                <a:schemeClr val="accent1">
-                  <a:lumMod val="10000"/>
-                </a:schemeClr>
-              </a:solidFill>
-              <a:cs typeface="Courier New" panose="02070309020205020404" pitchFamily="49" charset="0"/>
-            </a:endParaRPr>
-          </a:p>
-        </p:txBody>
-      </p:sp>
-      <p:sp>
-        <p:nvSpPr>
-          <p:cNvPr id="2" name="TextBox 1">
-            <a:extLst>
-              <a:ext uri="{FF2B5EF4-FFF2-40B4-BE49-F238E27FC236}">
-                <a16:creationId xmlns:a16="http://schemas.microsoft.com/office/drawing/2014/main" id="{8B3E152A-066A-427C-BF1E-67384419E704}"/>
-              </a:ext>
-            </a:extLst>
-          </p:cNvPr>
-          <p:cNvSpPr txBox="1"/>
-          <p:nvPr/>
-        </p:nvSpPr>
-        <p:spPr>
-          <a:xfrm>
-            <a:off x="6858000" y="1752600"/>
-            <a:ext cx="3657600" cy="1200329"/>
-          </a:xfrm>
-          <a:prstGeom prst="rect">
-            <a:avLst/>
-          </a:prstGeom>
-          <a:noFill/>
-          <a:ln w="28575">
-            <a:solidFill>
-              <a:srgbClr val="FF3300"/>
-            </a:solidFill>
-          </a:ln>
-        </p:spPr>
-        <p:txBody>
-          <a:bodyPr wrap="square" rtlCol="0">
-            <a:spAutoFit/>
-          </a:bodyPr>
-          <a:lstStyle/>
-          <a:p>
-            <a:r>
-              <a:rPr lang="en-US" dirty="0"/>
-              <a:t>A small change to the </a:t>
-            </a:r>
-            <a:r>
-              <a:rPr lang="en-US" dirty="0">
-                <a:latin typeface="Courier New" panose="02070309020205020404" pitchFamily="49" charset="0"/>
-                <a:cs typeface="Courier New" panose="02070309020205020404" pitchFamily="49" charset="0"/>
-              </a:rPr>
-              <a:t>expression</a:t>
-            </a:r>
-            <a:r>
-              <a:rPr lang="en-US" dirty="0"/>
-              <a:t> datatype definition.</a:t>
-            </a:r>
-          </a:p>
-          <a:p>
-            <a:r>
-              <a:rPr lang="en-US" dirty="0"/>
-              <a:t>No changes to </a:t>
-            </a:r>
-            <a:r>
-              <a:rPr lang="en-US" dirty="0">
-                <a:latin typeface="Courier New" panose="02070309020205020404" pitchFamily="49" charset="0"/>
-                <a:cs typeface="Courier New" panose="02070309020205020404" pitchFamily="49" charset="0"/>
-              </a:rPr>
-              <a:t>parse-exp</a:t>
-            </a:r>
-            <a:r>
-              <a:rPr lang="en-US" dirty="0"/>
-              <a:t> or </a:t>
-            </a:r>
-            <a:r>
-              <a:rPr lang="en-US" dirty="0">
-                <a:latin typeface="Courier New" panose="02070309020205020404" pitchFamily="49" charset="0"/>
-                <a:cs typeface="Courier New" panose="02070309020205020404" pitchFamily="49" charset="0"/>
-              </a:rPr>
-              <a:t>syntax-expand</a:t>
-            </a:r>
-          </a:p>
-        </p:txBody>
-      </p:sp>
-    </p:spTree>
-    <p:extLst>
-      <p:ext uri="{BB962C8B-B14F-4D97-AF65-F5344CB8AC3E}">
-        <p14:creationId xmlns:p14="http://schemas.microsoft.com/office/powerpoint/2010/main" val="387688988"/>
-      </p:ext>
-    </p:extLst>
-  </p:cSld>
-  <p:clrMapOvr>
-    <a:masterClrMapping/>
-  </p:clrMapOvr>
-</p:sld>
-</file>
-
-<file path=ppt/slides/slide32.xml><?xml version="1.0" encoding="utf-8"?>
-<p:sld xmlns:a="http://schemas.openxmlformats.org/drawingml/2006/main" xmlns:r="http://schemas.openxmlformats.org/officeDocument/2006/relationships" xmlns:p="http://schemas.openxmlformats.org/presentationml/2006/main">
-  <p:cSld>
-    <p:spTree>
-      <p:nvGrpSpPr>
-        <p:cNvPr id="1" name=""/>
-        <p:cNvGrpSpPr/>
-        <p:nvPr/>
-      </p:nvGrpSpPr>
-      <p:grpSpPr>
-        <a:xfrm>
-          <a:off x="0" y="0"/>
-          <a:ext cx="0" cy="0"/>
-          <a:chOff x="0" y="0"/>
-          <a:chExt cx="0" cy="0"/>
-        </a:xfrm>
-      </p:grpSpPr>
-      <p:sp>
-        <p:nvSpPr>
-          <p:cNvPr id="2" name="Title 1">
-            <a:extLst>
-              <a:ext uri="{FF2B5EF4-FFF2-40B4-BE49-F238E27FC236}">
-                <a16:creationId xmlns:a16="http://schemas.microsoft.com/office/drawing/2014/main" id="{FE8F4ECD-81DB-43C2-8248-B77C28B3A1CF}"/>
-              </a:ext>
-            </a:extLst>
-          </p:cNvPr>
-          <p:cNvSpPr>
-            <a:spLocks noGrp="1"/>
-          </p:cNvSpPr>
-          <p:nvPr>
-            <p:ph type="title"/>
-          </p:nvPr>
-        </p:nvSpPr>
-        <p:spPr>
-          <a:xfrm>
-            <a:off x="3009900" y="742950"/>
-            <a:ext cx="6172200" cy="857250"/>
-          </a:xfrm>
-        </p:spPr>
-        <p:txBody>
-          <a:bodyPr/>
-          <a:lstStyle/>
-          <a:p>
-            <a:r>
-              <a:rPr lang="en-US" dirty="0"/>
-              <a:t>A change to extend-env</a:t>
-            </a:r>
-          </a:p>
-        </p:txBody>
-      </p:sp>
-      <p:sp>
-        <p:nvSpPr>
-          <p:cNvPr id="3" name="Content Placeholder 2">
-            <a:extLst>
-              <a:ext uri="{FF2B5EF4-FFF2-40B4-BE49-F238E27FC236}">
-                <a16:creationId xmlns:a16="http://schemas.microsoft.com/office/drawing/2014/main" id="{6161216A-C798-4F3D-894C-AEFE695C0CD6}"/>
-              </a:ext>
-            </a:extLst>
-          </p:cNvPr>
-          <p:cNvSpPr>
-            <a:spLocks noGrp="1"/>
-          </p:cNvSpPr>
-          <p:nvPr>
-            <p:ph idx="1"/>
-          </p:nvPr>
-        </p:nvSpPr>
-        <p:spPr>
-          <a:xfrm>
-            <a:off x="381000" y="1485901"/>
-            <a:ext cx="10744200" cy="3394472"/>
-          </a:xfrm>
-        </p:spPr>
-        <p:txBody>
-          <a:bodyPr/>
-          <a:lstStyle/>
-          <a:p>
-            <a:pPr>
-              <a:spcBef>
-                <a:spcPts val="1800"/>
-              </a:spcBef>
-            </a:pPr>
-            <a:r>
-              <a:rPr lang="en-US" dirty="0"/>
-              <a:t>This works for the “cell” representation of references.  It’s slightly more complex for the ribcage representation without cells.</a:t>
-            </a:r>
-          </a:p>
-          <a:p>
-            <a:pPr>
-              <a:spcBef>
-                <a:spcPts val="1800"/>
-              </a:spcBef>
-            </a:pPr>
-            <a:r>
-              <a:rPr lang="en-US" dirty="0"/>
-              <a:t>First, </a:t>
-            </a:r>
-            <a:r>
-              <a:rPr lang="en-US" b="1" dirty="0"/>
-              <a:t>modify </a:t>
-            </a:r>
-            <a:r>
-              <a:rPr lang="en-US" dirty="0">
-                <a:latin typeface="Courier New" panose="02070309020205020404" pitchFamily="49" charset="0"/>
-                <a:cs typeface="Courier New" panose="02070309020205020404" pitchFamily="49" charset="0"/>
-              </a:rPr>
-              <a:t>extend-env</a:t>
-            </a:r>
-            <a:r>
-              <a:rPr lang="en-US" b="1" dirty="0"/>
-              <a:t> </a:t>
-            </a:r>
-            <a:r>
-              <a:rPr lang="en-US" dirty="0"/>
-              <a:t>so that its second argument is a list of cells containing the values.  Thus the values are put into the cells </a:t>
-            </a:r>
-            <a:r>
-              <a:rPr lang="en-US" i="1" dirty="0"/>
-              <a:t>before</a:t>
-            </a:r>
-            <a:r>
-              <a:rPr lang="en-US" dirty="0"/>
-              <a:t> calling </a:t>
-            </a:r>
-            <a:r>
-              <a:rPr lang="en-US" dirty="0">
-                <a:latin typeface="Courier New" panose="02070309020205020404" pitchFamily="49" charset="0"/>
-                <a:cs typeface="Courier New" panose="02070309020205020404" pitchFamily="49" charset="0"/>
-              </a:rPr>
-              <a:t>extend-env</a:t>
-            </a:r>
-            <a:r>
-              <a:rPr lang="en-US" dirty="0"/>
-              <a:t>.</a:t>
-            </a:r>
-          </a:p>
-          <a:p>
-            <a:pPr>
-              <a:spcBef>
-                <a:spcPts val="1800"/>
-              </a:spcBef>
-            </a:pPr>
-            <a:r>
-              <a:rPr lang="en-US" dirty="0"/>
-              <a:t>Each level of extended environment will still contain a list or vector of cells, but these cells will not be created by </a:t>
-            </a:r>
-            <a:r>
-              <a:rPr lang="en-US" dirty="0">
-                <a:latin typeface="Courier New" panose="02070309020205020404" pitchFamily="49" charset="0"/>
-                <a:cs typeface="Courier New" panose="02070309020205020404" pitchFamily="49" charset="0"/>
-              </a:rPr>
-              <a:t>extend-env</a:t>
-            </a:r>
-            <a:r>
-              <a:rPr lang="en-US" dirty="0"/>
-              <a:t>.</a:t>
-            </a:r>
-          </a:p>
-          <a:p>
-            <a:endParaRPr lang="en-US" dirty="0"/>
-          </a:p>
-          <a:p>
-            <a:endParaRPr lang="en-US" dirty="0"/>
-          </a:p>
-        </p:txBody>
-      </p:sp>
-    </p:spTree>
-    <p:extLst>
-      <p:ext uri="{BB962C8B-B14F-4D97-AF65-F5344CB8AC3E}">
-        <p14:creationId xmlns:p14="http://schemas.microsoft.com/office/powerpoint/2010/main" val="1500992104"/>
-      </p:ext>
-    </p:extLst>
-  </p:cSld>
-  <p:clrMapOvr>
-    <a:masterClrMapping/>
-  </p:clrMapOvr>
-</p:sld>
-</file>
-
-<file path=ppt/slides/slide33.xml><?xml version="1.0" encoding="utf-8"?>
-<p:sld xmlns:a="http://schemas.openxmlformats.org/drawingml/2006/main" xmlns:r="http://schemas.openxmlformats.org/officeDocument/2006/relationships" xmlns:p="http://schemas.openxmlformats.org/presentationml/2006/main">
-  <p:cSld>
-    <p:spTree>
-      <p:nvGrpSpPr>
-        <p:cNvPr id="1" name=""/>
-        <p:cNvGrpSpPr/>
-        <p:nvPr/>
-      </p:nvGrpSpPr>
-      <p:grpSpPr>
-        <a:xfrm>
-          <a:off x="0" y="0"/>
-          <a:ext cx="0" cy="0"/>
-          <a:chOff x="0" y="0"/>
-          <a:chExt cx="0" cy="0"/>
-        </a:xfrm>
-      </p:grpSpPr>
-      <p:sp>
-        <p:nvSpPr>
-          <p:cNvPr id="2" name="Title 1">
-            <a:extLst>
-              <a:ext uri="{FF2B5EF4-FFF2-40B4-BE49-F238E27FC236}">
-                <a16:creationId xmlns:a16="http://schemas.microsoft.com/office/drawing/2014/main" id="{E0A8CA43-7B34-4C9D-9022-A3CC24F29165}"/>
-              </a:ext>
-            </a:extLst>
-          </p:cNvPr>
-          <p:cNvSpPr>
-            <a:spLocks noGrp="1"/>
-          </p:cNvSpPr>
-          <p:nvPr>
-            <p:ph type="title"/>
-          </p:nvPr>
-        </p:nvSpPr>
-        <p:spPr/>
-        <p:txBody>
-          <a:bodyPr/>
-          <a:lstStyle/>
-          <a:p>
-            <a:endParaRPr lang="en-US" dirty="0"/>
-          </a:p>
-        </p:txBody>
-      </p:sp>
-      <p:sp>
-        <p:nvSpPr>
-          <p:cNvPr id="3" name="Content Placeholder 2">
-            <a:extLst>
-              <a:ext uri="{FF2B5EF4-FFF2-40B4-BE49-F238E27FC236}">
-                <a16:creationId xmlns:a16="http://schemas.microsoft.com/office/drawing/2014/main" id="{68DE55E9-A094-4481-AF2F-37228EDF83A9}"/>
-              </a:ext>
-            </a:extLst>
-          </p:cNvPr>
-          <p:cNvSpPr>
-            <a:spLocks noGrp="1"/>
-          </p:cNvSpPr>
-          <p:nvPr>
-            <p:ph idx="1"/>
-          </p:nvPr>
-        </p:nvSpPr>
-        <p:spPr/>
-        <p:txBody>
-          <a:bodyPr/>
-          <a:lstStyle/>
-          <a:p>
-            <a:endParaRPr lang="en-US" dirty="0"/>
-          </a:p>
-        </p:txBody>
-      </p:sp>
-      <p:pic>
-        <p:nvPicPr>
-          <p:cNvPr id="7" name="Picture 6">
-            <a:extLst>
-              <a:ext uri="{FF2B5EF4-FFF2-40B4-BE49-F238E27FC236}">
-                <a16:creationId xmlns:a16="http://schemas.microsoft.com/office/drawing/2014/main" id="{FF6CC2E6-A23F-4351-B76D-1BFA14BCC180}"/>
-              </a:ext>
-            </a:extLst>
-          </p:cNvPr>
-          <p:cNvPicPr>
-            <a:picLocks noChangeAspect="1"/>
-          </p:cNvPicPr>
-          <p:nvPr/>
-        </p:nvPicPr>
-        <p:blipFill>
-          <a:blip r:embed="rId2"/>
-          <a:stretch>
-            <a:fillRect/>
-          </a:stretch>
-        </p:blipFill>
-        <p:spPr>
-          <a:xfrm>
-            <a:off x="0" y="237039"/>
-            <a:ext cx="8229600" cy="6535271"/>
-          </a:xfrm>
-          <a:prstGeom prst="rect">
-            <a:avLst/>
-          </a:prstGeom>
-        </p:spPr>
-      </p:pic>
-      <p:sp>
-        <p:nvSpPr>
-          <p:cNvPr id="4" name="TextBox 3">
-            <a:extLst>
-              <a:ext uri="{FF2B5EF4-FFF2-40B4-BE49-F238E27FC236}">
-                <a16:creationId xmlns:a16="http://schemas.microsoft.com/office/drawing/2014/main" id="{D915EDAE-9D09-4BE8-8731-BFC9EDF9895C}"/>
-              </a:ext>
-            </a:extLst>
-          </p:cNvPr>
-          <p:cNvSpPr txBox="1"/>
-          <p:nvPr/>
-        </p:nvSpPr>
-        <p:spPr>
-          <a:xfrm>
-            <a:off x="7772400" y="925103"/>
-            <a:ext cx="4343400" cy="1323439"/>
-          </a:xfrm>
-          <a:prstGeom prst="rect">
-            <a:avLst/>
-          </a:prstGeom>
-          <a:noFill/>
-          <a:ln>
-            <a:solidFill>
-              <a:srgbClr val="FF0000"/>
-            </a:solidFill>
-          </a:ln>
-        </p:spPr>
-        <p:txBody>
-          <a:bodyPr wrap="square" rtlCol="0">
-            <a:spAutoFit/>
-          </a:bodyPr>
-          <a:lstStyle/>
-          <a:p>
-            <a:r>
-              <a:rPr lang="en-US" sz="2000" b="1" dirty="0">
-                <a:latin typeface="Courier New" panose="02070309020205020404" pitchFamily="49" charset="0"/>
-                <a:cs typeface="Courier New" panose="02070309020205020404" pitchFamily="49" charset="0"/>
-              </a:rPr>
-              <a:t>(define extend-env</a:t>
-            </a:r>
-          </a:p>
-          <a:p>
-            <a:r>
-              <a:rPr lang="en-US" sz="2000" b="1" dirty="0">
-                <a:latin typeface="Courier New" panose="02070309020205020404" pitchFamily="49" charset="0"/>
-                <a:cs typeface="Courier New" panose="02070309020205020404" pitchFamily="49" charset="0"/>
-              </a:rPr>
-              <a:t> (lambda (vars </a:t>
-            </a:r>
-            <a:r>
-              <a:rPr lang="en-US" sz="2000" b="1" dirty="0">
-                <a:highlight>
-                  <a:srgbClr val="FFFF00"/>
-                </a:highlight>
-                <a:latin typeface="Courier New" panose="02070309020205020404" pitchFamily="49" charset="0"/>
-                <a:cs typeface="Courier New" panose="02070309020205020404" pitchFamily="49" charset="0"/>
-              </a:rPr>
-              <a:t>cells</a:t>
-            </a:r>
-            <a:r>
-              <a:rPr lang="en-US" sz="2000" b="1" dirty="0">
-                <a:latin typeface="Courier New" panose="02070309020205020404" pitchFamily="49" charset="0"/>
-                <a:cs typeface="Courier New" panose="02070309020205020404" pitchFamily="49" charset="0"/>
-              </a:rPr>
-              <a:t> env)</a:t>
-            </a:r>
-          </a:p>
-          <a:p>
-            <a:r>
-              <a:rPr lang="en-US" sz="2000" b="1" dirty="0">
-                <a:latin typeface="Courier New" panose="02070309020205020404" pitchFamily="49" charset="0"/>
-                <a:cs typeface="Courier New" panose="02070309020205020404" pitchFamily="49" charset="0"/>
-              </a:rPr>
-              <a:t>   (extended-env-record</a:t>
-            </a:r>
-          </a:p>
-          <a:p>
-            <a:r>
-              <a:rPr lang="en-US" sz="2000" b="1" dirty="0">
-                <a:latin typeface="Courier New" panose="02070309020205020404" pitchFamily="49" charset="0"/>
-                <a:cs typeface="Courier New" panose="02070309020205020404" pitchFamily="49" charset="0"/>
-              </a:rPr>
-              <a:t>     vars </a:t>
-            </a:r>
-            <a:r>
-              <a:rPr lang="en-US" sz="2000" b="1" dirty="0">
-                <a:highlight>
-                  <a:srgbClr val="FFFF00"/>
-                </a:highlight>
-                <a:latin typeface="Courier New" panose="02070309020205020404" pitchFamily="49" charset="0"/>
-                <a:cs typeface="Courier New" panose="02070309020205020404" pitchFamily="49" charset="0"/>
-              </a:rPr>
-              <a:t>cells</a:t>
-            </a:r>
-            <a:r>
-              <a:rPr lang="en-US" sz="2000" b="1" dirty="0">
-                <a:latin typeface="Courier New" panose="02070309020205020404" pitchFamily="49" charset="0"/>
-                <a:cs typeface="Courier New" panose="02070309020205020404" pitchFamily="49" charset="0"/>
-              </a:rPr>
-              <a:t> env)))</a:t>
-            </a:r>
-          </a:p>
-        </p:txBody>
-      </p:sp>
-      <p:sp>
-        <p:nvSpPr>
-          <p:cNvPr id="5" name="Rectangle 4">
-            <a:extLst>
-              <a:ext uri="{FF2B5EF4-FFF2-40B4-BE49-F238E27FC236}">
-                <a16:creationId xmlns:a16="http://schemas.microsoft.com/office/drawing/2014/main" id="{3C627244-9332-43B2-B08E-9F4451E8E7CC}"/>
-              </a:ext>
-            </a:extLst>
-          </p:cNvPr>
-          <p:cNvSpPr/>
-          <p:nvPr/>
-        </p:nvSpPr>
-        <p:spPr>
-          <a:xfrm>
-            <a:off x="1447800" y="1108472"/>
-            <a:ext cx="4191000" cy="491729"/>
-          </a:xfrm>
-          <a:prstGeom prst="rect">
-            <a:avLst/>
-          </a:prstGeom>
-          <a:solidFill>
-            <a:srgbClr val="FFFF00">
-              <a:alpha val="34000"/>
-            </a:srgbClr>
-          </a:solidFill>
-          <a:ln>
-            <a:noFill/>
-          </a:ln>
-        </p:spPr>
-        <p:style>
-          <a:lnRef idx="2">
-            <a:schemeClr val="accent1">
-              <a:shade val="50000"/>
-            </a:schemeClr>
-          </a:lnRef>
-          <a:fillRef idx="1">
-            <a:schemeClr val="accent1"/>
-          </a:fillRef>
-          <a:effectRef idx="0">
-            <a:schemeClr val="accent1"/>
-          </a:effectRef>
-          <a:fontRef idx="minor">
-            <a:schemeClr val="lt1"/>
-          </a:fontRef>
-        </p:style>
-        <p:txBody>
-          <a:bodyPr rtlCol="0" anchor="ctr"/>
-          <a:lstStyle/>
-          <a:p>
-            <a:pPr algn="ctr"/>
-            <a:endParaRPr lang="en-US"/>
-          </a:p>
-        </p:txBody>
-      </p:sp>
-      <p:sp>
-        <p:nvSpPr>
-          <p:cNvPr id="6" name="Rectangle 5">
-            <a:extLst>
-              <a:ext uri="{FF2B5EF4-FFF2-40B4-BE49-F238E27FC236}">
-                <a16:creationId xmlns:a16="http://schemas.microsoft.com/office/drawing/2014/main" id="{8FFA1965-B8E7-4769-9880-4C801A3771DD}"/>
-              </a:ext>
-            </a:extLst>
-          </p:cNvPr>
-          <p:cNvSpPr/>
-          <p:nvPr/>
-        </p:nvSpPr>
-        <p:spPr>
-          <a:xfrm>
-            <a:off x="1981200" y="4876800"/>
-            <a:ext cx="152400" cy="304800"/>
-          </a:xfrm>
-          <a:prstGeom prst="rect">
-            <a:avLst/>
-          </a:prstGeom>
-          <a:solidFill>
-            <a:schemeClr val="bg1"/>
-          </a:solidFill>
-          <a:ln>
-            <a:noFill/>
-          </a:ln>
-        </p:spPr>
-        <p:style>
-          <a:lnRef idx="2">
-            <a:schemeClr val="accent1">
-              <a:shade val="50000"/>
-            </a:schemeClr>
-          </a:lnRef>
-          <a:fillRef idx="1">
-            <a:schemeClr val="accent1"/>
-          </a:fillRef>
-          <a:effectRef idx="0">
-            <a:schemeClr val="accent1"/>
-          </a:effectRef>
-          <a:fontRef idx="minor">
-            <a:schemeClr val="lt1"/>
-          </a:fontRef>
-        </p:style>
-        <p:txBody>
-          <a:bodyPr rtlCol="0" anchor="ctr"/>
-          <a:lstStyle/>
-          <a:p>
-            <a:pPr algn="ctr"/>
-            <a:endParaRPr lang="en-US"/>
-          </a:p>
-        </p:txBody>
-      </p:sp>
-    </p:spTree>
-    <p:extLst>
-      <p:ext uri="{BB962C8B-B14F-4D97-AF65-F5344CB8AC3E}">
-        <p14:creationId xmlns:p14="http://schemas.microsoft.com/office/powerpoint/2010/main" val="2142160123"/>
       </p:ext>
     </p:extLst>
   </p:cSld>

--- a/ClassMaterials/RefParamsCorountines/37_refParams_coroutines.pptx
+++ b/ClassMaterials/RefParamsCorountines/37_refParams_coroutines.pptx
@@ -189,67 +189,6 @@
 
 <file path=ppt/changesInfos/changesInfo1.xml><?xml version="1.0" encoding="utf-8"?>
 <pc:chgInfo xmlns:a="http://schemas.openxmlformats.org/drawingml/2006/main" xmlns:r="http://schemas.openxmlformats.org/officeDocument/2006/relationships" xmlns:ac="http://schemas.microsoft.com/office/drawing/2013/main/command" xmlns:pc="http://schemas.microsoft.com/office/powerpoint/2013/main/command">
-  <pc:docChgLst>
-    <pc:chgData name="Mike Hewner" userId="7f3f83dd-6dfb-4127-a87f-c1714bd4fac9" providerId="ADAL" clId="{1757374B-378E-457D-BEFA-6C2F4048CEC8}"/>
-    <pc:docChg chg="delSld">
-      <pc:chgData name="Mike Hewner" userId="7f3f83dd-6dfb-4127-a87f-c1714bd4fac9" providerId="ADAL" clId="{1757374B-378E-457D-BEFA-6C2F4048CEC8}" dt="2022-10-31T13:47:56.073" v="1" actId="47"/>
-      <pc:docMkLst>
-        <pc:docMk/>
-      </pc:docMkLst>
-      <pc:sldChg chg="del">
-        <pc:chgData name="Mike Hewner" userId="7f3f83dd-6dfb-4127-a87f-c1714bd4fac9" providerId="ADAL" clId="{1757374B-378E-457D-BEFA-6C2F4048CEC8}" dt="2022-10-31T13:47:56.073" v="1" actId="47"/>
-        <pc:sldMkLst>
-          <pc:docMk/>
-          <pc:sldMk cId="3014537070" sldId="448"/>
-        </pc:sldMkLst>
-      </pc:sldChg>
-      <pc:sldChg chg="del">
-        <pc:chgData name="Mike Hewner" userId="7f3f83dd-6dfb-4127-a87f-c1714bd4fac9" providerId="ADAL" clId="{1757374B-378E-457D-BEFA-6C2F4048CEC8}" dt="2022-10-31T13:47:56.073" v="1" actId="47"/>
-        <pc:sldMkLst>
-          <pc:docMk/>
-          <pc:sldMk cId="387688988" sldId="450"/>
-        </pc:sldMkLst>
-      </pc:sldChg>
-      <pc:sldChg chg="del">
-        <pc:chgData name="Mike Hewner" userId="7f3f83dd-6dfb-4127-a87f-c1714bd4fac9" providerId="ADAL" clId="{1757374B-378E-457D-BEFA-6C2F4048CEC8}" dt="2022-10-31T13:47:56.073" v="1" actId="47"/>
-        <pc:sldMkLst>
-          <pc:docMk/>
-          <pc:sldMk cId="1500992104" sldId="451"/>
-        </pc:sldMkLst>
-      </pc:sldChg>
-      <pc:sldChg chg="del">
-        <pc:chgData name="Mike Hewner" userId="7f3f83dd-6dfb-4127-a87f-c1714bd4fac9" providerId="ADAL" clId="{1757374B-378E-457D-BEFA-6C2F4048CEC8}" dt="2022-10-31T13:47:04.952" v="0" actId="47"/>
-        <pc:sldMkLst>
-          <pc:docMk/>
-          <pc:sldMk cId="2142160123" sldId="452"/>
-        </pc:sldMkLst>
-      </pc:sldChg>
-    </pc:docChg>
-  </pc:docChgLst>
-  <pc:docChgLst>
-    <pc:chgData name="Hewner, Mike" userId="7f3f83dd-6dfb-4127-a87f-c1714bd4fac9" providerId="ADAL" clId="{76FEDA98-5770-4FC9-97FA-A79D546FBB83}"/>
-    <pc:docChg chg="modSld">
-      <pc:chgData name="Hewner, Mike" userId="7f3f83dd-6dfb-4127-a87f-c1714bd4fac9" providerId="ADAL" clId="{76FEDA98-5770-4FC9-97FA-A79D546FBB83}" dt="2022-02-17T15:52:01.625" v="4" actId="20577"/>
-      <pc:docMkLst>
-        <pc:docMk/>
-      </pc:docMkLst>
-      <pc:sldChg chg="modSp mod">
-        <pc:chgData name="Hewner, Mike" userId="7f3f83dd-6dfb-4127-a87f-c1714bd4fac9" providerId="ADAL" clId="{76FEDA98-5770-4FC9-97FA-A79D546FBB83}" dt="2022-02-17T15:52:01.625" v="4" actId="20577"/>
-        <pc:sldMkLst>
-          <pc:docMk/>
-          <pc:sldMk cId="3041442255" sldId="456"/>
-        </pc:sldMkLst>
-        <pc:spChg chg="mod">
-          <ac:chgData name="Hewner, Mike" userId="7f3f83dd-6dfb-4127-a87f-c1714bd4fac9" providerId="ADAL" clId="{76FEDA98-5770-4FC9-97FA-A79D546FBB83}" dt="2022-02-17T15:52:01.625" v="4" actId="20577"/>
-          <ac:spMkLst>
-            <pc:docMk/>
-            <pc:sldMk cId="3041442255" sldId="456"/>
-            <ac:spMk id="3" creationId="{F443D27E-0E16-482F-B4CC-A5D0813F0C6B}"/>
-          </ac:spMkLst>
-        </pc:spChg>
-      </pc:sldChg>
-    </pc:docChg>
-  </pc:docChgLst>
   <pc:docChgLst>
     <pc:chgData name="Hewner, Mike" userId="7f3f83dd-6dfb-4127-a87f-c1714bd4fac9" providerId="ADAL" clId="{0BFB2295-5BD8-4317-B4D2-52CE0DAFAEB3}"/>
     <pc:docChg chg="custSel addSld delSld modSld">
@@ -637,6 +576,67 @@
             <pc:docMk/>
             <pc:sldMk cId="3737567314" sldId="457"/>
             <ac:spMk id="3" creationId="{734A4FB0-84B6-4BAA-8B7B-51DB89FBE533}"/>
+          </ac:spMkLst>
+        </pc:spChg>
+      </pc:sldChg>
+    </pc:docChg>
+  </pc:docChgLst>
+  <pc:docChgLst>
+    <pc:chgData name="Mike Hewner" userId="7f3f83dd-6dfb-4127-a87f-c1714bd4fac9" providerId="ADAL" clId="{1757374B-378E-457D-BEFA-6C2F4048CEC8}"/>
+    <pc:docChg chg="delSld">
+      <pc:chgData name="Mike Hewner" userId="7f3f83dd-6dfb-4127-a87f-c1714bd4fac9" providerId="ADAL" clId="{1757374B-378E-457D-BEFA-6C2F4048CEC8}" dt="2022-10-31T13:47:56.073" v="1" actId="47"/>
+      <pc:docMkLst>
+        <pc:docMk/>
+      </pc:docMkLst>
+      <pc:sldChg chg="del">
+        <pc:chgData name="Mike Hewner" userId="7f3f83dd-6dfb-4127-a87f-c1714bd4fac9" providerId="ADAL" clId="{1757374B-378E-457D-BEFA-6C2F4048CEC8}" dt="2022-10-31T13:47:56.073" v="1" actId="47"/>
+        <pc:sldMkLst>
+          <pc:docMk/>
+          <pc:sldMk cId="3014537070" sldId="448"/>
+        </pc:sldMkLst>
+      </pc:sldChg>
+      <pc:sldChg chg="del">
+        <pc:chgData name="Mike Hewner" userId="7f3f83dd-6dfb-4127-a87f-c1714bd4fac9" providerId="ADAL" clId="{1757374B-378E-457D-BEFA-6C2F4048CEC8}" dt="2022-10-31T13:47:56.073" v="1" actId="47"/>
+        <pc:sldMkLst>
+          <pc:docMk/>
+          <pc:sldMk cId="387688988" sldId="450"/>
+        </pc:sldMkLst>
+      </pc:sldChg>
+      <pc:sldChg chg="del">
+        <pc:chgData name="Mike Hewner" userId="7f3f83dd-6dfb-4127-a87f-c1714bd4fac9" providerId="ADAL" clId="{1757374B-378E-457D-BEFA-6C2F4048CEC8}" dt="2022-10-31T13:47:56.073" v="1" actId="47"/>
+        <pc:sldMkLst>
+          <pc:docMk/>
+          <pc:sldMk cId="1500992104" sldId="451"/>
+        </pc:sldMkLst>
+      </pc:sldChg>
+      <pc:sldChg chg="del">
+        <pc:chgData name="Mike Hewner" userId="7f3f83dd-6dfb-4127-a87f-c1714bd4fac9" providerId="ADAL" clId="{1757374B-378E-457D-BEFA-6C2F4048CEC8}" dt="2022-10-31T13:47:04.952" v="0" actId="47"/>
+        <pc:sldMkLst>
+          <pc:docMk/>
+          <pc:sldMk cId="2142160123" sldId="452"/>
+        </pc:sldMkLst>
+      </pc:sldChg>
+    </pc:docChg>
+  </pc:docChgLst>
+  <pc:docChgLst>
+    <pc:chgData name="Hewner, Mike" userId="7f3f83dd-6dfb-4127-a87f-c1714bd4fac9" providerId="ADAL" clId="{76FEDA98-5770-4FC9-97FA-A79D546FBB83}"/>
+    <pc:docChg chg="modSld">
+      <pc:chgData name="Hewner, Mike" userId="7f3f83dd-6dfb-4127-a87f-c1714bd4fac9" providerId="ADAL" clId="{76FEDA98-5770-4FC9-97FA-A79D546FBB83}" dt="2022-02-17T15:52:01.625" v="4" actId="20577"/>
+      <pc:docMkLst>
+        <pc:docMk/>
+      </pc:docMkLst>
+      <pc:sldChg chg="modSp mod">
+        <pc:chgData name="Hewner, Mike" userId="7f3f83dd-6dfb-4127-a87f-c1714bd4fac9" providerId="ADAL" clId="{76FEDA98-5770-4FC9-97FA-A79D546FBB83}" dt="2022-02-17T15:52:01.625" v="4" actId="20577"/>
+        <pc:sldMkLst>
+          <pc:docMk/>
+          <pc:sldMk cId="3041442255" sldId="456"/>
+        </pc:sldMkLst>
+        <pc:spChg chg="mod">
+          <ac:chgData name="Hewner, Mike" userId="7f3f83dd-6dfb-4127-a87f-c1714bd4fac9" providerId="ADAL" clId="{76FEDA98-5770-4FC9-97FA-A79D546FBB83}" dt="2022-02-17T15:52:01.625" v="4" actId="20577"/>
+          <ac:spMkLst>
+            <pc:docMk/>
+            <pc:sldMk cId="3041442255" sldId="456"/>
+            <ac:spMk id="3" creationId="{F443D27E-0E16-482F-B4CC-A5D0813F0C6B}"/>
           </ac:spMkLst>
         </pc:spChg>
       </pc:sldChg>
@@ -9514,15 +9514,6 @@
               <a:rPr lang="en-US" dirty="0"/>
               <a:t>I often find it instructive if folks tell me how they came to understand concepts that were difficult for them</a:t>
             </a:r>
-          </a:p>
-          <a:p>
-            <a:r>
-              <a:rPr lang="en-US" dirty="0"/>
-              <a:t>Complaints are useful too – just realize if your complaint is something like “this course should not be a requirement at all” its sort of beyond the scope of what I can accomplish</a:t>
-            </a:r>
-          </a:p>
-          <a:p>
-            <a:endParaRPr lang="en-US" dirty="0"/>
           </a:p>
         </p:txBody>
       </p:sp>
